--- a/Assets/Game/Gui/Explanation/Sprites/CHF Slides.pptx
+++ b/Assets/Game/Gui/Explanation/Sprites/CHF Slides.pptx
@@ -1,29 +1,29 @@
 
 <file path=ppt/presentation.xml><?xml version="1.0" encoding="utf-8"?>
-<p:presentation xmlns:a="http://schemas.openxmlformats.org/drawingml/2006/main" xmlns:r="http://schemas.openxmlformats.org/officeDocument/2006/relationships" xmlns:mc="http://schemas.openxmlformats.org/markup-compatibility/2006" xmlns:mv="urn:schemas-microsoft-com:mac:vml" xmlns:p="http://schemas.openxmlformats.org/presentationml/2006/main" xmlns:c="http://schemas.openxmlformats.org/drawingml/2006/chart" xmlns:dgm="http://schemas.openxmlformats.org/drawingml/2006/diagram" xmlns:o="urn:schemas-microsoft-com:office:office" xmlns:v="urn:schemas-microsoft-com:vml" xmlns:pvml="urn:schemas-microsoft-com:office:powerpoint" xmlns:com="http://schemas.openxmlformats.org/drawingml/2006/compatibility" xmlns:p14="http://schemas.microsoft.com/office/powerpoint/2010/main" xmlns:p15="http://schemas.microsoft.com/office/powerpoint/2012/main" xmlns:ahyp="http://schemas.microsoft.com/office/drawing/2018/hyperlinkcolor" autoCompressPictures="0" strictFirstAndLastChars="0" saveSubsetFonts="1">
+<p:presentation xmlns:a="http://schemas.openxmlformats.org/drawingml/2006/main" xmlns:r="http://schemas.openxmlformats.org/officeDocument/2006/relationships" xmlns:p="http://schemas.openxmlformats.org/presentationml/2006/main" strictFirstAndLastChars="0" saveSubsetFonts="1" autoCompressPictures="0">
   <p:sldMasterIdLst>
-    <p:sldMasterId id="2147483659" r:id="rId4"/>
+    <p:sldMasterId id="2147483659" r:id="rId1"/>
   </p:sldMasterIdLst>
   <p:notesMasterIdLst>
-    <p:notesMasterId r:id="rId5"/>
+    <p:notesMasterId r:id="rId13"/>
   </p:notesMasterIdLst>
   <p:sldIdLst>
-    <p:sldId id="256" r:id="rId6"/>
-    <p:sldId id="257" r:id="rId7"/>
-    <p:sldId id="258" r:id="rId8"/>
-    <p:sldId id="259" r:id="rId9"/>
-    <p:sldId id="260" r:id="rId10"/>
-    <p:sldId id="261" r:id="rId11"/>
-    <p:sldId id="262" r:id="rId12"/>
-    <p:sldId id="263" r:id="rId13"/>
-    <p:sldId id="264" r:id="rId14"/>
-    <p:sldId id="265" r:id="rId15"/>
-    <p:sldId id="266" r:id="rId16"/>
+    <p:sldId id="256" r:id="rId2"/>
+    <p:sldId id="257" r:id="rId3"/>
+    <p:sldId id="258" r:id="rId4"/>
+    <p:sldId id="259" r:id="rId5"/>
+    <p:sldId id="260" r:id="rId6"/>
+    <p:sldId id="261" r:id="rId7"/>
+    <p:sldId id="262" r:id="rId8"/>
+    <p:sldId id="263" r:id="rId9"/>
+    <p:sldId id="264" r:id="rId10"/>
+    <p:sldId id="265" r:id="rId11"/>
+    <p:sldId id="266" r:id="rId12"/>
   </p:sldIdLst>
-  <p:sldSz cy="5143500" cx="9144000"/>
+  <p:sldSz cx="9144000" cy="5143500" type="screen16x9"/>
   <p:notesSz cx="6858000" cy="9144000"/>
   <p:defaultTextStyle>
-    <a:defPPr lvl="0" marR="0" rtl="0" algn="l">
+    <a:defPPr marR="0" lvl="0" algn="l" rtl="0">
       <a:lnSpc>
         <a:spcPct val="100000"/>
       </a:lnSpc>
@@ -34,7 +34,7 @@
         <a:spcPts val="0"/>
       </a:spcAft>
     </a:defPPr>
-    <a:lvl1pPr lvl="0" marR="0" rtl="0" algn="l">
+    <a:lvl1pPr marR="0" lvl="0" algn="l" rtl="0">
       <a:lnSpc>
         <a:spcPct val="100000"/>
       </a:lnSpc>
@@ -48,7 +48,7 @@
         <a:srgbClr val="000000"/>
       </a:buClr>
       <a:buFont typeface="Arial"/>
-      <a:defRPr b="0" i="0" sz="1400" u="none" cap="none" strike="noStrike">
+      <a:defRPr sz="1400" b="0" i="0" u="none" strike="noStrike" cap="none">
         <a:solidFill>
           <a:srgbClr val="000000"/>
         </a:solidFill>
@@ -58,7 +58,7 @@
         <a:sym typeface="Arial"/>
       </a:defRPr>
     </a:lvl1pPr>
-    <a:lvl2pPr lvl="1" marR="0" rtl="0" algn="l">
+    <a:lvl2pPr marR="0" lvl="1" algn="l" rtl="0">
       <a:lnSpc>
         <a:spcPct val="100000"/>
       </a:lnSpc>
@@ -72,7 +72,7 @@
         <a:srgbClr val="000000"/>
       </a:buClr>
       <a:buFont typeface="Arial"/>
-      <a:defRPr b="0" i="0" sz="1400" u="none" cap="none" strike="noStrike">
+      <a:defRPr sz="1400" b="0" i="0" u="none" strike="noStrike" cap="none">
         <a:solidFill>
           <a:srgbClr val="000000"/>
         </a:solidFill>
@@ -82,7 +82,7 @@
         <a:sym typeface="Arial"/>
       </a:defRPr>
     </a:lvl2pPr>
-    <a:lvl3pPr lvl="2" marR="0" rtl="0" algn="l">
+    <a:lvl3pPr marR="0" lvl="2" algn="l" rtl="0">
       <a:lnSpc>
         <a:spcPct val="100000"/>
       </a:lnSpc>
@@ -96,7 +96,7 @@
         <a:srgbClr val="000000"/>
       </a:buClr>
       <a:buFont typeface="Arial"/>
-      <a:defRPr b="0" i="0" sz="1400" u="none" cap="none" strike="noStrike">
+      <a:defRPr sz="1400" b="0" i="0" u="none" strike="noStrike" cap="none">
         <a:solidFill>
           <a:srgbClr val="000000"/>
         </a:solidFill>
@@ -106,7 +106,7 @@
         <a:sym typeface="Arial"/>
       </a:defRPr>
     </a:lvl3pPr>
-    <a:lvl4pPr lvl="3" marR="0" rtl="0" algn="l">
+    <a:lvl4pPr marR="0" lvl="3" algn="l" rtl="0">
       <a:lnSpc>
         <a:spcPct val="100000"/>
       </a:lnSpc>
@@ -120,7 +120,7 @@
         <a:srgbClr val="000000"/>
       </a:buClr>
       <a:buFont typeface="Arial"/>
-      <a:defRPr b="0" i="0" sz="1400" u="none" cap="none" strike="noStrike">
+      <a:defRPr sz="1400" b="0" i="0" u="none" strike="noStrike" cap="none">
         <a:solidFill>
           <a:srgbClr val="000000"/>
         </a:solidFill>
@@ -130,7 +130,7 @@
         <a:sym typeface="Arial"/>
       </a:defRPr>
     </a:lvl4pPr>
-    <a:lvl5pPr lvl="4" marR="0" rtl="0" algn="l">
+    <a:lvl5pPr marR="0" lvl="4" algn="l" rtl="0">
       <a:lnSpc>
         <a:spcPct val="100000"/>
       </a:lnSpc>
@@ -144,7 +144,7 @@
         <a:srgbClr val="000000"/>
       </a:buClr>
       <a:buFont typeface="Arial"/>
-      <a:defRPr b="0" i="0" sz="1400" u="none" cap="none" strike="noStrike">
+      <a:defRPr sz="1400" b="0" i="0" u="none" strike="noStrike" cap="none">
         <a:solidFill>
           <a:srgbClr val="000000"/>
         </a:solidFill>
@@ -154,7 +154,7 @@
         <a:sym typeface="Arial"/>
       </a:defRPr>
     </a:lvl5pPr>
-    <a:lvl6pPr lvl="5" marR="0" rtl="0" algn="l">
+    <a:lvl6pPr marR="0" lvl="5" algn="l" rtl="0">
       <a:lnSpc>
         <a:spcPct val="100000"/>
       </a:lnSpc>
@@ -168,7 +168,7 @@
         <a:srgbClr val="000000"/>
       </a:buClr>
       <a:buFont typeface="Arial"/>
-      <a:defRPr b="0" i="0" sz="1400" u="none" cap="none" strike="noStrike">
+      <a:defRPr sz="1400" b="0" i="0" u="none" strike="noStrike" cap="none">
         <a:solidFill>
           <a:srgbClr val="000000"/>
         </a:solidFill>
@@ -178,7 +178,7 @@
         <a:sym typeface="Arial"/>
       </a:defRPr>
     </a:lvl6pPr>
-    <a:lvl7pPr lvl="6" marR="0" rtl="0" algn="l">
+    <a:lvl7pPr marR="0" lvl="6" algn="l" rtl="0">
       <a:lnSpc>
         <a:spcPct val="100000"/>
       </a:lnSpc>
@@ -192,7 +192,7 @@
         <a:srgbClr val="000000"/>
       </a:buClr>
       <a:buFont typeface="Arial"/>
-      <a:defRPr b="0" i="0" sz="1400" u="none" cap="none" strike="noStrike">
+      <a:defRPr sz="1400" b="0" i="0" u="none" strike="noStrike" cap="none">
         <a:solidFill>
           <a:srgbClr val="000000"/>
         </a:solidFill>
@@ -202,7 +202,7 @@
         <a:sym typeface="Arial"/>
       </a:defRPr>
     </a:lvl7pPr>
-    <a:lvl8pPr lvl="7" marR="0" rtl="0" algn="l">
+    <a:lvl8pPr marR="0" lvl="7" algn="l" rtl="0">
       <a:lnSpc>
         <a:spcPct val="100000"/>
       </a:lnSpc>
@@ -216,7 +216,7 @@
         <a:srgbClr val="000000"/>
       </a:buClr>
       <a:buFont typeface="Arial"/>
-      <a:defRPr b="0" i="0" sz="1400" u="none" cap="none" strike="noStrike">
+      <a:defRPr sz="1400" b="0" i="0" u="none" strike="noStrike" cap="none">
         <a:solidFill>
           <a:srgbClr val="000000"/>
         </a:solidFill>
@@ -226,7 +226,7 @@
         <a:sym typeface="Arial"/>
       </a:defRPr>
     </a:lvl8pPr>
-    <a:lvl9pPr lvl="8" marR="0" rtl="0" algn="l">
+    <a:lvl9pPr marR="0" lvl="8" algn="l" rtl="0">
       <a:lnSpc>
         <a:spcPct val="100000"/>
       </a:lnSpc>
@@ -240,7 +240,7 @@
         <a:srgbClr val="000000"/>
       </a:buClr>
       <a:buFont typeface="Arial"/>
-      <a:defRPr b="0" i="0" sz="1400" u="none" cap="none" strike="noStrike">
+      <a:defRPr sz="1400" b="0" i="0" u="none" strike="noStrike" cap="none">
         <a:solidFill>
           <a:srgbClr val="000000"/>
         </a:solidFill>
@@ -253,7 +253,7 @@
   </p:defaultTextStyle>
   <p:extLst>
     <p:ext uri="{EFAFB233-063F-42B5-8137-9DF3F51BA10A}">
-      <p15:sldGuideLst>
+      <p15:sldGuideLst xmlns:p15="http://schemas.microsoft.com/office/powerpoint/2012/main">
         <p15:guide id="1" orient="horz" pos="1620">
           <p15:clr>
             <a:srgbClr val="A4A3A4"/>
@@ -271,11 +271,16 @@
 </file>
 
 <file path=ppt/notesMasters/notesMaster1.xml><?xml version="1.0" encoding="utf-8"?>
-<p:notesMaster xmlns:a="http://schemas.openxmlformats.org/drawingml/2006/main" xmlns:r="http://schemas.openxmlformats.org/officeDocument/2006/relationships" xmlns:mc="http://schemas.openxmlformats.org/markup-compatibility/2006" xmlns:mv="urn:schemas-microsoft-com:mac:vml" xmlns:p="http://schemas.openxmlformats.org/presentationml/2006/main" xmlns:c="http://schemas.openxmlformats.org/drawingml/2006/chart" xmlns:dgm="http://schemas.openxmlformats.org/drawingml/2006/diagram" xmlns:o="urn:schemas-microsoft-com:office:office" xmlns:v="urn:schemas-microsoft-com:vml" xmlns:pvml="urn:schemas-microsoft-com:office:powerpoint" xmlns:com="http://schemas.openxmlformats.org/drawingml/2006/compatibility" xmlns:p14="http://schemas.microsoft.com/office/powerpoint/2010/main" xmlns:p15="http://schemas.microsoft.com/office/powerpoint/2012/main" xmlns:ahyp="http://schemas.microsoft.com/office/drawing/2018/hyperlinkcolor">
+<p:notesMaster xmlns:a="http://schemas.openxmlformats.org/drawingml/2006/main" xmlns:r="http://schemas.openxmlformats.org/officeDocument/2006/relationships" xmlns:p="http://schemas.openxmlformats.org/presentationml/2006/main">
   <p:cSld>
+    <p:bg>
+      <p:bgRef idx="1001">
+        <a:schemeClr val="bg1"/>
+      </p:bgRef>
+    </p:bg>
     <p:spTree>
       <p:nvGrpSpPr>
-        <p:cNvPr id="2" name="Shape 2"/>
+        <p:cNvPr id="1" name="Shape 2"/>
         <p:cNvGrpSpPr/>
         <p:nvPr/>
       </p:nvGrpSpPr>
@@ -290,9 +295,11 @@
       <p:sp>
         <p:nvSpPr>
           <p:cNvPr id="3" name="Google Shape;3;n"/>
-          <p:cNvSpPr/>
+          <p:cNvSpPr>
+            <a:spLocks noGrp="1" noRot="1" noChangeAspect="1"/>
+          </p:cNvSpPr>
           <p:nvPr>
-            <p:ph idx="2" type="sldImg"/>
+            <p:ph type="sldImg" idx="2"/>
           </p:nvPr>
         </p:nvSpPr>
         <p:spPr>
@@ -301,9 +308,13 @@
             <a:ext cx="6096075" cy="3429000"/>
           </a:xfrm>
           <a:custGeom>
-            <a:rect b="b" l="l" r="r" t="t"/>
+            <a:avLst/>
+            <a:gdLst/>
+            <a:ahLst/>
+            <a:cxnLst/>
+            <a:rect l="l" t="t" r="r" b="b"/>
             <a:pathLst>
-              <a:path extrusionOk="0" h="120000" w="120000">
+              <a:path w="120000" h="120000" extrusionOk="0">
                 <a:moveTo>
                   <a:pt x="0" y="0"/>
                 </a:moveTo>
@@ -321,23 +332,25 @@
             </a:pathLst>
           </a:custGeom>
           <a:noFill/>
-          <a:ln cap="flat" cmpd="sng" w="9525">
+          <a:ln w="9525" cap="flat" cmpd="sng">
             <a:solidFill>
               <a:srgbClr val="000000"/>
             </a:solidFill>
             <a:prstDash val="solid"/>
             <a:round/>
-            <a:headEnd len="sm" w="sm" type="none"/>
-            <a:tailEnd len="sm" w="sm" type="none"/>
+            <a:headEnd type="none" w="sm" len="sm"/>
+            <a:tailEnd type="none" w="sm" len="sm"/>
           </a:ln>
         </p:spPr>
       </p:sp>
       <p:sp>
         <p:nvSpPr>
           <p:cNvPr id="4" name="Google Shape;4;n"/>
-          <p:cNvSpPr txBox="1"/>
+          <p:cNvSpPr txBox="1">
+            <a:spLocks noGrp="1"/>
+          </p:cNvSpPr>
           <p:nvPr>
-            <p:ph idx="1" type="body"/>
+            <p:ph type="body" idx="1"/>
           </p:nvPr>
         </p:nvSpPr>
         <p:spPr>
@@ -354,11 +367,11 @@
           </a:ln>
         </p:spPr>
         <p:txBody>
-          <a:bodyPr anchorCtr="0" anchor="t" bIns="91425" lIns="91425" spcFirstLastPara="1" rIns="91425" wrap="square" tIns="91425">
+          <a:bodyPr spcFirstLastPara="1" wrap="square" lIns="91425" tIns="91425" rIns="91425" bIns="91425" anchor="t" anchorCtr="0">
             <a:noAutofit/>
           </a:bodyPr>
           <a:lstStyle>
-            <a:lvl1pPr indent="-298450" lvl="0" marL="457200">
+            <a:lvl1pPr marL="457200" lvl="0" indent="-298450">
               <a:spcBef>
                 <a:spcPts val="0"/>
               </a:spcBef>
@@ -369,7 +382,7 @@
               <a:buChar char="●"/>
               <a:defRPr sz="1100"/>
             </a:lvl1pPr>
-            <a:lvl2pPr indent="-298450" lvl="1" marL="914400">
+            <a:lvl2pPr marL="914400" lvl="1" indent="-298450">
               <a:spcBef>
                 <a:spcPts val="0"/>
               </a:spcBef>
@@ -380,7 +393,7 @@
               <a:buChar char="○"/>
               <a:defRPr sz="1100"/>
             </a:lvl2pPr>
-            <a:lvl3pPr indent="-298450" lvl="2" marL="1371600">
+            <a:lvl3pPr marL="1371600" lvl="2" indent="-298450">
               <a:spcBef>
                 <a:spcPts val="0"/>
               </a:spcBef>
@@ -391,7 +404,7 @@
               <a:buChar char="■"/>
               <a:defRPr sz="1100"/>
             </a:lvl3pPr>
-            <a:lvl4pPr indent="-298450" lvl="3" marL="1828800">
+            <a:lvl4pPr marL="1828800" lvl="3" indent="-298450">
               <a:spcBef>
                 <a:spcPts val="0"/>
               </a:spcBef>
@@ -402,7 +415,7 @@
               <a:buChar char="●"/>
               <a:defRPr sz="1100"/>
             </a:lvl4pPr>
-            <a:lvl5pPr indent="-298450" lvl="4" marL="2286000">
+            <a:lvl5pPr marL="2286000" lvl="4" indent="-298450">
               <a:spcBef>
                 <a:spcPts val="0"/>
               </a:spcBef>
@@ -413,7 +426,7 @@
               <a:buChar char="○"/>
               <a:defRPr sz="1100"/>
             </a:lvl5pPr>
-            <a:lvl6pPr indent="-298450" lvl="5" marL="2743200">
+            <a:lvl6pPr marL="2743200" lvl="5" indent="-298450">
               <a:spcBef>
                 <a:spcPts val="0"/>
               </a:spcBef>
@@ -424,7 +437,7 @@
               <a:buChar char="■"/>
               <a:defRPr sz="1100"/>
             </a:lvl6pPr>
-            <a:lvl7pPr indent="-298450" lvl="6" marL="3200400">
+            <a:lvl7pPr marL="3200400" lvl="6" indent="-298450">
               <a:spcBef>
                 <a:spcPts val="0"/>
               </a:spcBef>
@@ -435,7 +448,7 @@
               <a:buChar char="●"/>
               <a:defRPr sz="1100"/>
             </a:lvl7pPr>
-            <a:lvl8pPr indent="-298450" lvl="7" marL="3657600">
+            <a:lvl8pPr marL="3657600" lvl="7" indent="-298450">
               <a:spcBef>
                 <a:spcPts val="0"/>
               </a:spcBef>
@@ -446,7 +459,7 @@
               <a:buChar char="○"/>
               <a:defRPr sz="1100"/>
             </a:lvl8pPr>
-            <a:lvl9pPr indent="-298450" lvl="8" marL="4114800">
+            <a:lvl9pPr marL="4114800" lvl="8" indent="-298450">
               <a:spcBef>
                 <a:spcPts val="0"/>
               </a:spcBef>
@@ -458,14 +471,16 @@
               <a:defRPr sz="1100"/>
             </a:lvl9pPr>
           </a:lstStyle>
-          <a:p/>
+          <a:p>
+            <a:endParaRPr/>
+          </a:p>
         </p:txBody>
       </p:sp>
     </p:spTree>
   </p:cSld>
-  <p:clrMap accent1="accent1" accent2="accent2" accent3="accent3" accent4="accent4" accent5="accent5" accent6="accent6" bg1="lt1" bg2="dk2" tx1="dk1" tx2="lt2" folHlink="folHlink" hlink="hlink"/>
+  <p:clrMap bg1="lt1" tx1="dk1" bg2="dk2" tx2="lt2" accent1="accent1" accent2="accent2" accent3="accent3" accent4="accent4" accent5="accent5" accent6="accent6" hlink="hlink" folHlink="folHlink"/>
   <p:notesStyle>
-    <a:defPPr lvl="0" marR="0" rtl="0" algn="l">
+    <a:defPPr marR="0" lvl="0" algn="l" rtl="0">
       <a:lnSpc>
         <a:spcPct val="100000"/>
       </a:lnSpc>
@@ -476,7 +491,7 @@
         <a:spcPts val="0"/>
       </a:spcAft>
     </a:defPPr>
-    <a:lvl1pPr lvl="0" marR="0" rtl="0" algn="l">
+    <a:lvl1pPr marR="0" lvl="0" algn="l" rtl="0">
       <a:lnSpc>
         <a:spcPct val="100000"/>
       </a:lnSpc>
@@ -490,7 +505,7 @@
         <a:srgbClr val="000000"/>
       </a:buClr>
       <a:buFont typeface="Arial"/>
-      <a:defRPr b="0" i="0" sz="1400" u="none" cap="none" strike="noStrike">
+      <a:defRPr sz="1400" b="0" i="0" u="none" strike="noStrike" cap="none">
         <a:solidFill>
           <a:srgbClr val="000000"/>
         </a:solidFill>
@@ -500,7 +515,7 @@
         <a:sym typeface="Arial"/>
       </a:defRPr>
     </a:lvl1pPr>
-    <a:lvl2pPr lvl="1" marR="0" rtl="0" algn="l">
+    <a:lvl2pPr marR="0" lvl="1" algn="l" rtl="0">
       <a:lnSpc>
         <a:spcPct val="100000"/>
       </a:lnSpc>
@@ -514,7 +529,7 @@
         <a:srgbClr val="000000"/>
       </a:buClr>
       <a:buFont typeface="Arial"/>
-      <a:defRPr b="0" i="0" sz="1400" u="none" cap="none" strike="noStrike">
+      <a:defRPr sz="1400" b="0" i="0" u="none" strike="noStrike" cap="none">
         <a:solidFill>
           <a:srgbClr val="000000"/>
         </a:solidFill>
@@ -524,7 +539,7 @@
         <a:sym typeface="Arial"/>
       </a:defRPr>
     </a:lvl2pPr>
-    <a:lvl3pPr lvl="2" marR="0" rtl="0" algn="l">
+    <a:lvl3pPr marR="0" lvl="2" algn="l" rtl="0">
       <a:lnSpc>
         <a:spcPct val="100000"/>
       </a:lnSpc>
@@ -538,7 +553,7 @@
         <a:srgbClr val="000000"/>
       </a:buClr>
       <a:buFont typeface="Arial"/>
-      <a:defRPr b="0" i="0" sz="1400" u="none" cap="none" strike="noStrike">
+      <a:defRPr sz="1400" b="0" i="0" u="none" strike="noStrike" cap="none">
         <a:solidFill>
           <a:srgbClr val="000000"/>
         </a:solidFill>
@@ -548,7 +563,7 @@
         <a:sym typeface="Arial"/>
       </a:defRPr>
     </a:lvl3pPr>
-    <a:lvl4pPr lvl="3" marR="0" rtl="0" algn="l">
+    <a:lvl4pPr marR="0" lvl="3" algn="l" rtl="0">
       <a:lnSpc>
         <a:spcPct val="100000"/>
       </a:lnSpc>
@@ -562,7 +577,7 @@
         <a:srgbClr val="000000"/>
       </a:buClr>
       <a:buFont typeface="Arial"/>
-      <a:defRPr b="0" i="0" sz="1400" u="none" cap="none" strike="noStrike">
+      <a:defRPr sz="1400" b="0" i="0" u="none" strike="noStrike" cap="none">
         <a:solidFill>
           <a:srgbClr val="000000"/>
         </a:solidFill>
@@ -572,7 +587,7 @@
         <a:sym typeface="Arial"/>
       </a:defRPr>
     </a:lvl4pPr>
-    <a:lvl5pPr lvl="4" marR="0" rtl="0" algn="l">
+    <a:lvl5pPr marR="0" lvl="4" algn="l" rtl="0">
       <a:lnSpc>
         <a:spcPct val="100000"/>
       </a:lnSpc>
@@ -586,7 +601,7 @@
         <a:srgbClr val="000000"/>
       </a:buClr>
       <a:buFont typeface="Arial"/>
-      <a:defRPr b="0" i="0" sz="1400" u="none" cap="none" strike="noStrike">
+      <a:defRPr sz="1400" b="0" i="0" u="none" strike="noStrike" cap="none">
         <a:solidFill>
           <a:srgbClr val="000000"/>
         </a:solidFill>
@@ -596,7 +611,7 @@
         <a:sym typeface="Arial"/>
       </a:defRPr>
     </a:lvl5pPr>
-    <a:lvl6pPr lvl="5" marR="0" rtl="0" algn="l">
+    <a:lvl6pPr marR="0" lvl="5" algn="l" rtl="0">
       <a:lnSpc>
         <a:spcPct val="100000"/>
       </a:lnSpc>
@@ -610,7 +625,7 @@
         <a:srgbClr val="000000"/>
       </a:buClr>
       <a:buFont typeface="Arial"/>
-      <a:defRPr b="0" i="0" sz="1400" u="none" cap="none" strike="noStrike">
+      <a:defRPr sz="1400" b="0" i="0" u="none" strike="noStrike" cap="none">
         <a:solidFill>
           <a:srgbClr val="000000"/>
         </a:solidFill>
@@ -620,7 +635,7 @@
         <a:sym typeface="Arial"/>
       </a:defRPr>
     </a:lvl6pPr>
-    <a:lvl7pPr lvl="6" marR="0" rtl="0" algn="l">
+    <a:lvl7pPr marR="0" lvl="6" algn="l" rtl="0">
       <a:lnSpc>
         <a:spcPct val="100000"/>
       </a:lnSpc>
@@ -634,7 +649,7 @@
         <a:srgbClr val="000000"/>
       </a:buClr>
       <a:buFont typeface="Arial"/>
-      <a:defRPr b="0" i="0" sz="1400" u="none" cap="none" strike="noStrike">
+      <a:defRPr sz="1400" b="0" i="0" u="none" strike="noStrike" cap="none">
         <a:solidFill>
           <a:srgbClr val="000000"/>
         </a:solidFill>
@@ -644,7 +659,7 @@
         <a:sym typeface="Arial"/>
       </a:defRPr>
     </a:lvl7pPr>
-    <a:lvl8pPr lvl="7" marR="0" rtl="0" algn="l">
+    <a:lvl8pPr marR="0" lvl="7" algn="l" rtl="0">
       <a:lnSpc>
         <a:spcPct val="100000"/>
       </a:lnSpc>
@@ -658,7 +673,7 @@
         <a:srgbClr val="000000"/>
       </a:buClr>
       <a:buFont typeface="Arial"/>
-      <a:defRPr b="0" i="0" sz="1400" u="none" cap="none" strike="noStrike">
+      <a:defRPr sz="1400" b="0" i="0" u="none" strike="noStrike" cap="none">
         <a:solidFill>
           <a:srgbClr val="000000"/>
         </a:solidFill>
@@ -668,7 +683,7 @@
         <a:sym typeface="Arial"/>
       </a:defRPr>
     </a:lvl8pPr>
-    <a:lvl9pPr lvl="8" marR="0" rtl="0" algn="l">
+    <a:lvl9pPr marR="0" lvl="8" algn="l" rtl="0">
       <a:lnSpc>
         <a:spcPct val="100000"/>
       </a:lnSpc>
@@ -682,7 +697,7 @@
         <a:srgbClr val="000000"/>
       </a:buClr>
       <a:buFont typeface="Arial"/>
-      <a:defRPr b="0" i="0" sz="1400" u="none" cap="none" strike="noStrike">
+      <a:defRPr sz="1400" b="0" i="0" u="none" strike="noStrike" cap="none">
         <a:solidFill>
           <a:srgbClr val="000000"/>
         </a:solidFill>
@@ -697,11 +712,11 @@
 </file>
 
 <file path=ppt/notesSlides/notesSlide1.xml><?xml version="1.0" encoding="utf-8"?>
-<p:notes xmlns:a="http://schemas.openxmlformats.org/drawingml/2006/main" xmlns:r="http://schemas.openxmlformats.org/officeDocument/2006/relationships" xmlns:mc="http://schemas.openxmlformats.org/markup-compatibility/2006" xmlns:mv="urn:schemas-microsoft-com:mac:vml" xmlns:p="http://schemas.openxmlformats.org/presentationml/2006/main" xmlns:c="http://schemas.openxmlformats.org/drawingml/2006/chart" xmlns:dgm="http://schemas.openxmlformats.org/drawingml/2006/diagram" xmlns:o="urn:schemas-microsoft-com:office:office" xmlns:v="urn:schemas-microsoft-com:vml" xmlns:pvml="urn:schemas-microsoft-com:office:powerpoint" xmlns:com="http://schemas.openxmlformats.org/drawingml/2006/compatibility" xmlns:p14="http://schemas.microsoft.com/office/powerpoint/2010/main" xmlns:p15="http://schemas.microsoft.com/office/powerpoint/2012/main" xmlns:ahyp="http://schemas.microsoft.com/office/drawing/2018/hyperlinkcolor" showMasterPhAnim="0" showMasterSp="0">
+<p:notes xmlns:a="http://schemas.openxmlformats.org/drawingml/2006/main" xmlns:r="http://schemas.openxmlformats.org/officeDocument/2006/relationships" xmlns:p="http://schemas.openxmlformats.org/presentationml/2006/main" showMasterSp="0" showMasterPhAnim="0">
   <p:cSld>
     <p:spTree>
       <p:nvGrpSpPr>
-        <p:cNvPr id="51" name="Shape 51"/>
+        <p:cNvPr id="1" name="Shape 51"/>
         <p:cNvGrpSpPr/>
         <p:nvPr/>
       </p:nvGrpSpPr>
@@ -716,9 +731,11 @@
       <p:sp>
         <p:nvSpPr>
           <p:cNvPr id="52" name="Google Shape;52;g2e003373fe8_0_0:notes"/>
-          <p:cNvSpPr/>
+          <p:cNvSpPr>
+            <a:spLocks noGrp="1" noRot="1" noChangeAspect="1"/>
+          </p:cNvSpPr>
           <p:nvPr>
-            <p:ph idx="2" type="sldImg"/>
+            <p:ph type="sldImg" idx="2"/>
           </p:nvPr>
         </p:nvSpPr>
         <p:spPr>
@@ -727,9 +744,13 @@
             <a:ext cx="6096000" cy="3429000"/>
           </a:xfrm>
           <a:custGeom>
-            <a:rect b="b" l="l" r="r" t="t"/>
+            <a:avLst/>
+            <a:gdLst/>
+            <a:ahLst/>
+            <a:cxnLst/>
+            <a:rect l="l" t="t" r="r" b="b"/>
             <a:pathLst>
-              <a:path extrusionOk="0" h="120000" w="120000">
+              <a:path w="120000" h="120000" extrusionOk="0">
                 <a:moveTo>
                   <a:pt x="0" y="0"/>
                 </a:moveTo>
@@ -751,9 +772,11 @@
       <p:sp>
         <p:nvSpPr>
           <p:cNvPr id="53" name="Google Shape;53;g2e003373fe8_0_0:notes"/>
-          <p:cNvSpPr txBox="1"/>
+          <p:cNvSpPr txBox="1">
+            <a:spLocks noGrp="1"/>
+          </p:cNvSpPr>
           <p:nvPr>
-            <p:ph idx="1" type="body"/>
+            <p:ph type="body" idx="1"/>
           </p:nvPr>
         </p:nvSpPr>
         <p:spPr>
@@ -766,12 +789,12 @@
           </a:prstGeom>
         </p:spPr>
         <p:txBody>
-          <a:bodyPr anchorCtr="0" anchor="t" bIns="91425" lIns="91425" spcFirstLastPara="1" rIns="91425" wrap="square" tIns="91425">
+          <a:bodyPr spcFirstLastPara="1" wrap="square" lIns="91425" tIns="91425" rIns="91425" bIns="91425" anchor="t" anchorCtr="0">
             <a:noAutofit/>
           </a:bodyPr>
           <a:lstStyle/>
           <a:p>
-            <a:pPr indent="0" lvl="0" marL="0" rtl="0" algn="l">
+            <a:pPr marL="0" lvl="0" indent="0" algn="l" rtl="0">
               <a:spcBef>
                 <a:spcPts val="0"/>
               </a:spcBef>
@@ -780,9 +803,6 @@
               </a:spcAft>
               <a:buNone/>
             </a:pPr>
-            <a:r>
-              <a:t/>
-            </a:r>
             <a:endParaRPr/>
           </a:p>
         </p:txBody>
@@ -796,11 +816,11 @@
 </file>
 
 <file path=ppt/notesSlides/notesSlide10.xml><?xml version="1.0" encoding="utf-8"?>
-<p:notes xmlns:a="http://schemas.openxmlformats.org/drawingml/2006/main" xmlns:r="http://schemas.openxmlformats.org/officeDocument/2006/relationships" xmlns:mc="http://schemas.openxmlformats.org/markup-compatibility/2006" xmlns:mv="urn:schemas-microsoft-com:mac:vml" xmlns:p="http://schemas.openxmlformats.org/presentationml/2006/main" xmlns:c="http://schemas.openxmlformats.org/drawingml/2006/chart" xmlns:dgm="http://schemas.openxmlformats.org/drawingml/2006/diagram" xmlns:o="urn:schemas-microsoft-com:office:office" xmlns:v="urn:schemas-microsoft-com:vml" xmlns:pvml="urn:schemas-microsoft-com:office:powerpoint" xmlns:com="http://schemas.openxmlformats.org/drawingml/2006/compatibility" xmlns:p14="http://schemas.microsoft.com/office/powerpoint/2010/main" xmlns:p15="http://schemas.microsoft.com/office/powerpoint/2012/main" xmlns:ahyp="http://schemas.microsoft.com/office/drawing/2018/hyperlinkcolor" showMasterPhAnim="0" showMasterSp="0">
+<p:notes xmlns:a="http://schemas.openxmlformats.org/drawingml/2006/main" xmlns:r="http://schemas.openxmlformats.org/officeDocument/2006/relationships" xmlns:p="http://schemas.openxmlformats.org/presentationml/2006/main" showMasterSp="0" showMasterPhAnim="0">
   <p:cSld>
     <p:spTree>
       <p:nvGrpSpPr>
-        <p:cNvPr id="114" name="Shape 114"/>
+        <p:cNvPr id="1" name="Shape 114"/>
         <p:cNvGrpSpPr/>
         <p:nvPr/>
       </p:nvGrpSpPr>
@@ -815,9 +835,11 @@
       <p:sp>
         <p:nvSpPr>
           <p:cNvPr id="115" name="Google Shape;115;g200d37729a2_0_55:notes"/>
-          <p:cNvSpPr/>
+          <p:cNvSpPr>
+            <a:spLocks noGrp="1" noRot="1" noChangeAspect="1"/>
+          </p:cNvSpPr>
           <p:nvPr>
-            <p:ph idx="2" type="sldImg"/>
+            <p:ph type="sldImg" idx="2"/>
           </p:nvPr>
         </p:nvSpPr>
         <p:spPr>
@@ -826,9 +848,13 @@
             <a:ext cx="6096000" cy="3429000"/>
           </a:xfrm>
           <a:custGeom>
-            <a:rect b="b" l="l" r="r" t="t"/>
+            <a:avLst/>
+            <a:gdLst/>
+            <a:ahLst/>
+            <a:cxnLst/>
+            <a:rect l="l" t="t" r="r" b="b"/>
             <a:pathLst>
-              <a:path extrusionOk="0" h="120000" w="120000">
+              <a:path w="120000" h="120000" extrusionOk="0">
                 <a:moveTo>
                   <a:pt x="0" y="0"/>
                 </a:moveTo>
@@ -850,9 +876,11 @@
       <p:sp>
         <p:nvSpPr>
           <p:cNvPr id="116" name="Google Shape;116;g200d37729a2_0_55:notes"/>
-          <p:cNvSpPr txBox="1"/>
+          <p:cNvSpPr txBox="1">
+            <a:spLocks noGrp="1"/>
+          </p:cNvSpPr>
           <p:nvPr>
-            <p:ph idx="1" type="body"/>
+            <p:ph type="body" idx="1"/>
           </p:nvPr>
         </p:nvSpPr>
         <p:spPr>
@@ -865,12 +893,12 @@
           </a:prstGeom>
         </p:spPr>
         <p:txBody>
-          <a:bodyPr anchorCtr="0" anchor="t" bIns="91425" lIns="91425" spcFirstLastPara="1" rIns="91425" wrap="square" tIns="91425">
+          <a:bodyPr spcFirstLastPara="1" wrap="square" lIns="91425" tIns="91425" rIns="91425" bIns="91425" anchor="t" anchorCtr="0">
             <a:noAutofit/>
           </a:bodyPr>
           <a:lstStyle/>
           <a:p>
-            <a:pPr indent="0" lvl="0" marL="0" rtl="0" algn="l">
+            <a:pPr marL="0" lvl="0" indent="0" algn="l" rtl="0">
               <a:spcBef>
                 <a:spcPts val="0"/>
               </a:spcBef>
@@ -879,9 +907,6 @@
               </a:spcAft>
               <a:buNone/>
             </a:pPr>
-            <a:r>
-              <a:t/>
-            </a:r>
             <a:endParaRPr/>
           </a:p>
         </p:txBody>
@@ -895,11 +920,11 @@
 </file>
 
 <file path=ppt/notesSlides/notesSlide11.xml><?xml version="1.0" encoding="utf-8"?>
-<p:notes xmlns:a="http://schemas.openxmlformats.org/drawingml/2006/main" xmlns:r="http://schemas.openxmlformats.org/officeDocument/2006/relationships" xmlns:mc="http://schemas.openxmlformats.org/markup-compatibility/2006" xmlns:mv="urn:schemas-microsoft-com:mac:vml" xmlns:p="http://schemas.openxmlformats.org/presentationml/2006/main" xmlns:c="http://schemas.openxmlformats.org/drawingml/2006/chart" xmlns:dgm="http://schemas.openxmlformats.org/drawingml/2006/diagram" xmlns:o="urn:schemas-microsoft-com:office:office" xmlns:v="urn:schemas-microsoft-com:vml" xmlns:pvml="urn:schemas-microsoft-com:office:powerpoint" xmlns:com="http://schemas.openxmlformats.org/drawingml/2006/compatibility" xmlns:p14="http://schemas.microsoft.com/office/powerpoint/2010/main" xmlns:p15="http://schemas.microsoft.com/office/powerpoint/2012/main" xmlns:ahyp="http://schemas.microsoft.com/office/drawing/2018/hyperlinkcolor" showMasterPhAnim="0" showMasterSp="0">
+<p:notes xmlns:a="http://schemas.openxmlformats.org/drawingml/2006/main" xmlns:r="http://schemas.openxmlformats.org/officeDocument/2006/relationships" xmlns:p="http://schemas.openxmlformats.org/presentationml/2006/main" showMasterSp="0" showMasterPhAnim="0">
   <p:cSld>
     <p:spTree>
       <p:nvGrpSpPr>
-        <p:cNvPr id="120" name="Shape 120"/>
+        <p:cNvPr id="1" name="Shape 120"/>
         <p:cNvGrpSpPr/>
         <p:nvPr/>
       </p:nvGrpSpPr>
@@ -914,9 +939,11 @@
       <p:sp>
         <p:nvSpPr>
           <p:cNvPr id="121" name="Google Shape;121;g200d37729a2_0_60:notes"/>
-          <p:cNvSpPr/>
+          <p:cNvSpPr>
+            <a:spLocks noGrp="1" noRot="1" noChangeAspect="1"/>
+          </p:cNvSpPr>
           <p:nvPr>
-            <p:ph idx="2" type="sldImg"/>
+            <p:ph type="sldImg" idx="2"/>
           </p:nvPr>
         </p:nvSpPr>
         <p:spPr>
@@ -925,9 +952,13 @@
             <a:ext cx="6096000" cy="3429000"/>
           </a:xfrm>
           <a:custGeom>
-            <a:rect b="b" l="l" r="r" t="t"/>
+            <a:avLst/>
+            <a:gdLst/>
+            <a:ahLst/>
+            <a:cxnLst/>
+            <a:rect l="l" t="t" r="r" b="b"/>
             <a:pathLst>
-              <a:path extrusionOk="0" h="120000" w="120000">
+              <a:path w="120000" h="120000" extrusionOk="0">
                 <a:moveTo>
                   <a:pt x="0" y="0"/>
                 </a:moveTo>
@@ -949,9 +980,11 @@
       <p:sp>
         <p:nvSpPr>
           <p:cNvPr id="122" name="Google Shape;122;g200d37729a2_0_60:notes"/>
-          <p:cNvSpPr txBox="1"/>
+          <p:cNvSpPr txBox="1">
+            <a:spLocks noGrp="1"/>
+          </p:cNvSpPr>
           <p:nvPr>
-            <p:ph idx="1" type="body"/>
+            <p:ph type="body" idx="1"/>
           </p:nvPr>
         </p:nvSpPr>
         <p:spPr>
@@ -964,12 +997,12 @@
           </a:prstGeom>
         </p:spPr>
         <p:txBody>
-          <a:bodyPr anchorCtr="0" anchor="t" bIns="91425" lIns="91425" spcFirstLastPara="1" rIns="91425" wrap="square" tIns="91425">
+          <a:bodyPr spcFirstLastPara="1" wrap="square" lIns="91425" tIns="91425" rIns="91425" bIns="91425" anchor="t" anchorCtr="0">
             <a:noAutofit/>
           </a:bodyPr>
           <a:lstStyle/>
           <a:p>
-            <a:pPr indent="0" lvl="0" marL="0" rtl="0" algn="l">
+            <a:pPr marL="0" lvl="0" indent="0" algn="l" rtl="0">
               <a:spcBef>
                 <a:spcPts val="0"/>
               </a:spcBef>
@@ -978,9 +1011,6 @@
               </a:spcAft>
               <a:buNone/>
             </a:pPr>
-            <a:r>
-              <a:t/>
-            </a:r>
             <a:endParaRPr/>
           </a:p>
         </p:txBody>
@@ -994,11 +1024,11 @@
 </file>
 
 <file path=ppt/notesSlides/notesSlide2.xml><?xml version="1.0" encoding="utf-8"?>
-<p:notes xmlns:a="http://schemas.openxmlformats.org/drawingml/2006/main" xmlns:r="http://schemas.openxmlformats.org/officeDocument/2006/relationships" xmlns:mc="http://schemas.openxmlformats.org/markup-compatibility/2006" xmlns:mv="urn:schemas-microsoft-com:mac:vml" xmlns:p="http://schemas.openxmlformats.org/presentationml/2006/main" xmlns:c="http://schemas.openxmlformats.org/drawingml/2006/chart" xmlns:dgm="http://schemas.openxmlformats.org/drawingml/2006/diagram" xmlns:o="urn:schemas-microsoft-com:office:office" xmlns:v="urn:schemas-microsoft-com:vml" xmlns:pvml="urn:schemas-microsoft-com:office:powerpoint" xmlns:com="http://schemas.openxmlformats.org/drawingml/2006/compatibility" xmlns:p14="http://schemas.microsoft.com/office/powerpoint/2010/main" xmlns:p15="http://schemas.microsoft.com/office/powerpoint/2012/main" xmlns:ahyp="http://schemas.microsoft.com/office/drawing/2018/hyperlinkcolor" showMasterPhAnim="0" showMasterSp="0">
+<p:notes xmlns:a="http://schemas.openxmlformats.org/drawingml/2006/main" xmlns:r="http://schemas.openxmlformats.org/officeDocument/2006/relationships" xmlns:p="http://schemas.openxmlformats.org/presentationml/2006/main" showMasterSp="0" showMasterPhAnim="0">
   <p:cSld>
     <p:spTree>
       <p:nvGrpSpPr>
-        <p:cNvPr id="57" name="Shape 57"/>
+        <p:cNvPr id="1" name="Shape 57"/>
         <p:cNvGrpSpPr/>
         <p:nvPr/>
       </p:nvGrpSpPr>
@@ -1013,20 +1043,26 @@
       <p:sp>
         <p:nvSpPr>
           <p:cNvPr id="58" name="Google Shape;58;g200d37729a2_0_40:notes"/>
-          <p:cNvSpPr/>
+          <p:cNvSpPr>
+            <a:spLocks noGrp="1" noRot="1" noChangeAspect="1"/>
+          </p:cNvSpPr>
           <p:nvPr>
-            <p:ph idx="2" type="sldImg"/>
+            <p:ph type="sldImg" idx="2"/>
           </p:nvPr>
         </p:nvSpPr>
         <p:spPr>
           <a:xfrm>
-            <a:off x="381300" y="685800"/>
+            <a:off x="381000" y="685800"/>
             <a:ext cx="6096000" cy="3429000"/>
           </a:xfrm>
           <a:custGeom>
-            <a:rect b="b" l="l" r="r" t="t"/>
+            <a:avLst/>
+            <a:gdLst/>
+            <a:ahLst/>
+            <a:cxnLst/>
+            <a:rect l="l" t="t" r="r" b="b"/>
             <a:pathLst>
-              <a:path extrusionOk="0" h="120000" w="120000">
+              <a:path w="120000" h="120000" extrusionOk="0">
                 <a:moveTo>
                   <a:pt x="0" y="0"/>
                 </a:moveTo>
@@ -1048,9 +1084,11 @@
       <p:sp>
         <p:nvSpPr>
           <p:cNvPr id="59" name="Google Shape;59;g200d37729a2_0_40:notes"/>
-          <p:cNvSpPr txBox="1"/>
+          <p:cNvSpPr txBox="1">
+            <a:spLocks noGrp="1"/>
+          </p:cNvSpPr>
           <p:nvPr>
-            <p:ph idx="1" type="body"/>
+            <p:ph type="body" idx="1"/>
           </p:nvPr>
         </p:nvSpPr>
         <p:spPr>
@@ -1063,12 +1101,12 @@
           </a:prstGeom>
         </p:spPr>
         <p:txBody>
-          <a:bodyPr anchorCtr="0" anchor="t" bIns="91425" lIns="91425" spcFirstLastPara="1" rIns="91425" wrap="square" tIns="91425">
+          <a:bodyPr spcFirstLastPara="1" wrap="square" lIns="91425" tIns="91425" rIns="91425" bIns="91425" anchor="t" anchorCtr="0">
             <a:noAutofit/>
           </a:bodyPr>
           <a:lstStyle/>
           <a:p>
-            <a:pPr indent="0" lvl="0" marL="0" rtl="0" algn="l">
+            <a:pPr marL="0" lvl="0" indent="0" algn="l" rtl="0">
               <a:spcBef>
                 <a:spcPts val="0"/>
               </a:spcBef>
@@ -1084,7 +1122,7 @@
             <a:endParaRPr/>
           </a:p>
           <a:p>
-            <a:pPr indent="0" lvl="0" marL="0" rtl="0" algn="l">
+            <a:pPr marL="0" lvl="0" indent="0" algn="l" rtl="0">
               <a:spcBef>
                 <a:spcPts val="0"/>
               </a:spcBef>
@@ -1093,13 +1131,10 @@
               </a:spcAft>
               <a:buNone/>
             </a:pPr>
-            <a:r>
-              <a:t/>
-            </a:r>
             <a:endParaRPr/>
           </a:p>
           <a:p>
-            <a:pPr indent="0" lvl="0" marL="0" rtl="0" algn="l">
+            <a:pPr marL="0" lvl="0" indent="0" algn="l" rtl="0">
               <a:spcBef>
                 <a:spcPts val="0"/>
               </a:spcBef>
@@ -1125,11 +1160,11 @@
 </file>
 
 <file path=ppt/notesSlides/notesSlide3.xml><?xml version="1.0" encoding="utf-8"?>
-<p:notes xmlns:a="http://schemas.openxmlformats.org/drawingml/2006/main" xmlns:r="http://schemas.openxmlformats.org/officeDocument/2006/relationships" xmlns:mc="http://schemas.openxmlformats.org/markup-compatibility/2006" xmlns:mv="urn:schemas-microsoft-com:mac:vml" xmlns:p="http://schemas.openxmlformats.org/presentationml/2006/main" xmlns:c="http://schemas.openxmlformats.org/drawingml/2006/chart" xmlns:dgm="http://schemas.openxmlformats.org/drawingml/2006/diagram" xmlns:o="urn:schemas-microsoft-com:office:office" xmlns:v="urn:schemas-microsoft-com:vml" xmlns:pvml="urn:schemas-microsoft-com:office:powerpoint" xmlns:com="http://schemas.openxmlformats.org/drawingml/2006/compatibility" xmlns:p14="http://schemas.microsoft.com/office/powerpoint/2010/main" xmlns:p15="http://schemas.microsoft.com/office/powerpoint/2012/main" xmlns:ahyp="http://schemas.microsoft.com/office/drawing/2018/hyperlinkcolor" showMasterPhAnim="0" showMasterSp="0">
+<p:notes xmlns:a="http://schemas.openxmlformats.org/drawingml/2006/main" xmlns:r="http://schemas.openxmlformats.org/officeDocument/2006/relationships" xmlns:p="http://schemas.openxmlformats.org/presentationml/2006/main" showMasterSp="0" showMasterPhAnim="0">
   <p:cSld>
     <p:spTree>
       <p:nvGrpSpPr>
-        <p:cNvPr id="63" name="Shape 63"/>
+        <p:cNvPr id="1" name="Shape 63"/>
         <p:cNvGrpSpPr/>
         <p:nvPr/>
       </p:nvGrpSpPr>
@@ -1144,9 +1179,11 @@
       <p:sp>
         <p:nvSpPr>
           <p:cNvPr id="64" name="Google Shape;64;g2e003373fe8_1_0:notes"/>
-          <p:cNvSpPr/>
+          <p:cNvSpPr>
+            <a:spLocks noGrp="1" noRot="1" noChangeAspect="1"/>
+          </p:cNvSpPr>
           <p:nvPr>
-            <p:ph idx="2" type="sldImg"/>
+            <p:ph type="sldImg" idx="2"/>
           </p:nvPr>
         </p:nvSpPr>
         <p:spPr>
@@ -1155,9 +1192,13 @@
             <a:ext cx="6096000" cy="3429000"/>
           </a:xfrm>
           <a:custGeom>
-            <a:rect b="b" l="l" r="r" t="t"/>
+            <a:avLst/>
+            <a:gdLst/>
+            <a:ahLst/>
+            <a:cxnLst/>
+            <a:rect l="l" t="t" r="r" b="b"/>
             <a:pathLst>
-              <a:path extrusionOk="0" h="120000" w="120000">
+              <a:path w="120000" h="120000" extrusionOk="0">
                 <a:moveTo>
                   <a:pt x="0" y="0"/>
                 </a:moveTo>
@@ -1179,9 +1220,11 @@
       <p:sp>
         <p:nvSpPr>
           <p:cNvPr id="65" name="Google Shape;65;g2e003373fe8_1_0:notes"/>
-          <p:cNvSpPr txBox="1"/>
+          <p:cNvSpPr txBox="1">
+            <a:spLocks noGrp="1"/>
+          </p:cNvSpPr>
           <p:nvPr>
-            <p:ph idx="1" type="body"/>
+            <p:ph type="body" idx="1"/>
           </p:nvPr>
         </p:nvSpPr>
         <p:spPr>
@@ -1194,12 +1237,12 @@
           </a:prstGeom>
         </p:spPr>
         <p:txBody>
-          <a:bodyPr anchorCtr="0" anchor="t" bIns="91425" lIns="91425" spcFirstLastPara="1" rIns="91425" wrap="square" tIns="91425">
+          <a:bodyPr spcFirstLastPara="1" wrap="square" lIns="91425" tIns="91425" rIns="91425" bIns="91425" anchor="t" anchorCtr="0">
             <a:noAutofit/>
           </a:bodyPr>
           <a:lstStyle/>
           <a:p>
-            <a:pPr indent="0" lvl="0" marL="0" rtl="0" algn="l">
+            <a:pPr marL="0" lvl="0" indent="0" algn="l" rtl="0">
               <a:spcBef>
                 <a:spcPts val="0"/>
               </a:spcBef>
@@ -1208,9 +1251,6 @@
               </a:spcAft>
               <a:buNone/>
             </a:pPr>
-            <a:r>
-              <a:t/>
-            </a:r>
             <a:endParaRPr/>
           </a:p>
         </p:txBody>
@@ -1224,11 +1264,11 @@
 </file>
 
 <file path=ppt/notesSlides/notesSlide4.xml><?xml version="1.0" encoding="utf-8"?>
-<p:notes xmlns:a="http://schemas.openxmlformats.org/drawingml/2006/main" xmlns:r="http://schemas.openxmlformats.org/officeDocument/2006/relationships" xmlns:mc="http://schemas.openxmlformats.org/markup-compatibility/2006" xmlns:mv="urn:schemas-microsoft-com:mac:vml" xmlns:p="http://schemas.openxmlformats.org/presentationml/2006/main" xmlns:c="http://schemas.openxmlformats.org/drawingml/2006/chart" xmlns:dgm="http://schemas.openxmlformats.org/drawingml/2006/diagram" xmlns:o="urn:schemas-microsoft-com:office:office" xmlns:v="urn:schemas-microsoft-com:vml" xmlns:pvml="urn:schemas-microsoft-com:office:powerpoint" xmlns:com="http://schemas.openxmlformats.org/drawingml/2006/compatibility" xmlns:p14="http://schemas.microsoft.com/office/powerpoint/2010/main" xmlns:p15="http://schemas.microsoft.com/office/powerpoint/2012/main" xmlns:ahyp="http://schemas.microsoft.com/office/drawing/2018/hyperlinkcolor" showMasterPhAnim="0" showMasterSp="0">
+<p:notes xmlns:a="http://schemas.openxmlformats.org/drawingml/2006/main" xmlns:r="http://schemas.openxmlformats.org/officeDocument/2006/relationships" xmlns:p="http://schemas.openxmlformats.org/presentationml/2006/main" showMasterSp="0" showMasterPhAnim="0">
   <p:cSld>
     <p:spTree>
       <p:nvGrpSpPr>
-        <p:cNvPr id="72" name="Shape 72"/>
+        <p:cNvPr id="1" name="Shape 72"/>
         <p:cNvGrpSpPr/>
         <p:nvPr/>
       </p:nvGrpSpPr>
@@ -1243,9 +1283,11 @@
       <p:sp>
         <p:nvSpPr>
           <p:cNvPr id="73" name="Google Shape;73;g200d37729a2_0_0:notes"/>
-          <p:cNvSpPr/>
+          <p:cNvSpPr>
+            <a:spLocks noGrp="1" noRot="1" noChangeAspect="1"/>
+          </p:cNvSpPr>
           <p:nvPr>
-            <p:ph idx="2" type="sldImg"/>
+            <p:ph type="sldImg" idx="2"/>
           </p:nvPr>
         </p:nvSpPr>
         <p:spPr>
@@ -1254,9 +1296,13 @@
             <a:ext cx="6096000" cy="3429000"/>
           </a:xfrm>
           <a:custGeom>
-            <a:rect b="b" l="l" r="r" t="t"/>
+            <a:avLst/>
+            <a:gdLst/>
+            <a:ahLst/>
+            <a:cxnLst/>
+            <a:rect l="l" t="t" r="r" b="b"/>
             <a:pathLst>
-              <a:path extrusionOk="0" h="120000" w="120000">
+              <a:path w="120000" h="120000" extrusionOk="0">
                 <a:moveTo>
                   <a:pt x="0" y="0"/>
                 </a:moveTo>
@@ -1278,9 +1324,11 @@
       <p:sp>
         <p:nvSpPr>
           <p:cNvPr id="74" name="Google Shape;74;g200d37729a2_0_0:notes"/>
-          <p:cNvSpPr txBox="1"/>
+          <p:cNvSpPr txBox="1">
+            <a:spLocks noGrp="1"/>
+          </p:cNvSpPr>
           <p:nvPr>
-            <p:ph idx="1" type="body"/>
+            <p:ph type="body" idx="1"/>
           </p:nvPr>
         </p:nvSpPr>
         <p:spPr>
@@ -1293,12 +1341,12 @@
           </a:prstGeom>
         </p:spPr>
         <p:txBody>
-          <a:bodyPr anchorCtr="0" anchor="t" bIns="91425" lIns="91425" spcFirstLastPara="1" rIns="91425" wrap="square" tIns="91425">
+          <a:bodyPr spcFirstLastPara="1" wrap="square" lIns="91425" tIns="91425" rIns="91425" bIns="91425" anchor="t" anchorCtr="0">
             <a:noAutofit/>
           </a:bodyPr>
           <a:lstStyle/>
           <a:p>
-            <a:pPr indent="0" lvl="0" marL="0" rtl="0" algn="l">
+            <a:pPr marL="0" lvl="0" indent="0" algn="l" rtl="0">
               <a:spcBef>
                 <a:spcPts val="0"/>
               </a:spcBef>
@@ -1307,9 +1355,6 @@
               </a:spcAft>
               <a:buNone/>
             </a:pPr>
-            <a:r>
-              <a:t/>
-            </a:r>
             <a:endParaRPr/>
           </a:p>
         </p:txBody>
@@ -1323,11 +1368,11 @@
 </file>
 
 <file path=ppt/notesSlides/notesSlide5.xml><?xml version="1.0" encoding="utf-8"?>
-<p:notes xmlns:a="http://schemas.openxmlformats.org/drawingml/2006/main" xmlns:r="http://schemas.openxmlformats.org/officeDocument/2006/relationships" xmlns:mc="http://schemas.openxmlformats.org/markup-compatibility/2006" xmlns:mv="urn:schemas-microsoft-com:mac:vml" xmlns:p="http://schemas.openxmlformats.org/presentationml/2006/main" xmlns:c="http://schemas.openxmlformats.org/drawingml/2006/chart" xmlns:dgm="http://schemas.openxmlformats.org/drawingml/2006/diagram" xmlns:o="urn:schemas-microsoft-com:office:office" xmlns:v="urn:schemas-microsoft-com:vml" xmlns:pvml="urn:schemas-microsoft-com:office:powerpoint" xmlns:com="http://schemas.openxmlformats.org/drawingml/2006/compatibility" xmlns:p14="http://schemas.microsoft.com/office/powerpoint/2010/main" xmlns:p15="http://schemas.microsoft.com/office/powerpoint/2012/main" xmlns:ahyp="http://schemas.microsoft.com/office/drawing/2018/hyperlinkcolor" showMasterPhAnim="0" showMasterSp="0">
+<p:notes xmlns:a="http://schemas.openxmlformats.org/drawingml/2006/main" xmlns:r="http://schemas.openxmlformats.org/officeDocument/2006/relationships" xmlns:p="http://schemas.openxmlformats.org/presentationml/2006/main" showMasterSp="0" showMasterPhAnim="0">
   <p:cSld>
     <p:spTree>
       <p:nvGrpSpPr>
-        <p:cNvPr id="80" name="Shape 80"/>
+        <p:cNvPr id="1" name="Shape 80"/>
         <p:cNvGrpSpPr/>
         <p:nvPr/>
       </p:nvGrpSpPr>
@@ -1342,9 +1387,11 @@
       <p:sp>
         <p:nvSpPr>
           <p:cNvPr id="81" name="Google Shape;81;g200d37729a2_0_19:notes"/>
-          <p:cNvSpPr/>
+          <p:cNvSpPr>
+            <a:spLocks noGrp="1" noRot="1" noChangeAspect="1"/>
+          </p:cNvSpPr>
           <p:nvPr>
-            <p:ph idx="2" type="sldImg"/>
+            <p:ph type="sldImg" idx="2"/>
           </p:nvPr>
         </p:nvSpPr>
         <p:spPr>
@@ -1353,9 +1400,13 @@
             <a:ext cx="6096000" cy="3429000"/>
           </a:xfrm>
           <a:custGeom>
-            <a:rect b="b" l="l" r="r" t="t"/>
+            <a:avLst/>
+            <a:gdLst/>
+            <a:ahLst/>
+            <a:cxnLst/>
+            <a:rect l="l" t="t" r="r" b="b"/>
             <a:pathLst>
-              <a:path extrusionOk="0" h="120000" w="120000">
+              <a:path w="120000" h="120000" extrusionOk="0">
                 <a:moveTo>
                   <a:pt x="0" y="0"/>
                 </a:moveTo>
@@ -1377,9 +1428,11 @@
       <p:sp>
         <p:nvSpPr>
           <p:cNvPr id="82" name="Google Shape;82;g200d37729a2_0_19:notes"/>
-          <p:cNvSpPr txBox="1"/>
+          <p:cNvSpPr txBox="1">
+            <a:spLocks noGrp="1"/>
+          </p:cNvSpPr>
           <p:nvPr>
-            <p:ph idx="1" type="body"/>
+            <p:ph type="body" idx="1"/>
           </p:nvPr>
         </p:nvSpPr>
         <p:spPr>
@@ -1392,12 +1445,12 @@
           </a:prstGeom>
         </p:spPr>
         <p:txBody>
-          <a:bodyPr anchorCtr="0" anchor="t" bIns="91425" lIns="91425" spcFirstLastPara="1" rIns="91425" wrap="square" tIns="91425">
+          <a:bodyPr spcFirstLastPara="1" wrap="square" lIns="91425" tIns="91425" rIns="91425" bIns="91425" anchor="t" anchorCtr="0">
             <a:noAutofit/>
           </a:bodyPr>
           <a:lstStyle/>
           <a:p>
-            <a:pPr indent="0" lvl="0" marL="0" rtl="0" algn="l">
+            <a:pPr marL="0" lvl="0" indent="0" algn="l" rtl="0">
               <a:spcBef>
                 <a:spcPts val="0"/>
               </a:spcBef>
@@ -1406,9 +1459,6 @@
               </a:spcAft>
               <a:buNone/>
             </a:pPr>
-            <a:r>
-              <a:t/>
-            </a:r>
             <a:endParaRPr/>
           </a:p>
         </p:txBody>
@@ -1422,11 +1472,11 @@
 </file>
 
 <file path=ppt/notesSlides/notesSlide6.xml><?xml version="1.0" encoding="utf-8"?>
-<p:notes xmlns:a="http://schemas.openxmlformats.org/drawingml/2006/main" xmlns:r="http://schemas.openxmlformats.org/officeDocument/2006/relationships" xmlns:mc="http://schemas.openxmlformats.org/markup-compatibility/2006" xmlns:mv="urn:schemas-microsoft-com:mac:vml" xmlns:p="http://schemas.openxmlformats.org/presentationml/2006/main" xmlns:c="http://schemas.openxmlformats.org/drawingml/2006/chart" xmlns:dgm="http://schemas.openxmlformats.org/drawingml/2006/diagram" xmlns:o="urn:schemas-microsoft-com:office:office" xmlns:v="urn:schemas-microsoft-com:vml" xmlns:pvml="urn:schemas-microsoft-com:office:powerpoint" xmlns:com="http://schemas.openxmlformats.org/drawingml/2006/compatibility" xmlns:p14="http://schemas.microsoft.com/office/powerpoint/2010/main" xmlns:p15="http://schemas.microsoft.com/office/powerpoint/2012/main" xmlns:ahyp="http://schemas.microsoft.com/office/drawing/2018/hyperlinkcolor" showMasterPhAnim="0" showMasterSp="0">
+<p:notes xmlns:a="http://schemas.openxmlformats.org/drawingml/2006/main" xmlns:r="http://schemas.openxmlformats.org/officeDocument/2006/relationships" xmlns:p="http://schemas.openxmlformats.org/presentationml/2006/main" showMasterSp="0" showMasterPhAnim="0">
   <p:cSld>
     <p:spTree>
       <p:nvGrpSpPr>
-        <p:cNvPr id="86" name="Shape 86"/>
+        <p:cNvPr id="1" name="Shape 86"/>
         <p:cNvGrpSpPr/>
         <p:nvPr/>
       </p:nvGrpSpPr>
@@ -1441,9 +1491,11 @@
       <p:sp>
         <p:nvSpPr>
           <p:cNvPr id="87" name="Google Shape;87;g200d37729a2_0_26:notes"/>
-          <p:cNvSpPr/>
+          <p:cNvSpPr>
+            <a:spLocks noGrp="1" noRot="1" noChangeAspect="1"/>
+          </p:cNvSpPr>
           <p:nvPr>
-            <p:ph idx="2" type="sldImg"/>
+            <p:ph type="sldImg" idx="2"/>
           </p:nvPr>
         </p:nvSpPr>
         <p:spPr>
@@ -1452,9 +1504,13 @@
             <a:ext cx="6096000" cy="3429000"/>
           </a:xfrm>
           <a:custGeom>
-            <a:rect b="b" l="l" r="r" t="t"/>
+            <a:avLst/>
+            <a:gdLst/>
+            <a:ahLst/>
+            <a:cxnLst/>
+            <a:rect l="l" t="t" r="r" b="b"/>
             <a:pathLst>
-              <a:path extrusionOk="0" h="120000" w="120000">
+              <a:path w="120000" h="120000" extrusionOk="0">
                 <a:moveTo>
                   <a:pt x="0" y="0"/>
                 </a:moveTo>
@@ -1476,9 +1532,11 @@
       <p:sp>
         <p:nvSpPr>
           <p:cNvPr id="88" name="Google Shape;88;g200d37729a2_0_26:notes"/>
-          <p:cNvSpPr txBox="1"/>
+          <p:cNvSpPr txBox="1">
+            <a:spLocks noGrp="1"/>
+          </p:cNvSpPr>
           <p:nvPr>
-            <p:ph idx="1" type="body"/>
+            <p:ph type="body" idx="1"/>
           </p:nvPr>
         </p:nvSpPr>
         <p:spPr>
@@ -1491,12 +1549,12 @@
           </a:prstGeom>
         </p:spPr>
         <p:txBody>
-          <a:bodyPr anchorCtr="0" anchor="t" bIns="91425" lIns="91425" spcFirstLastPara="1" rIns="91425" wrap="square" tIns="91425">
+          <a:bodyPr spcFirstLastPara="1" wrap="square" lIns="91425" tIns="91425" rIns="91425" bIns="91425" anchor="t" anchorCtr="0">
             <a:noAutofit/>
           </a:bodyPr>
           <a:lstStyle/>
           <a:p>
-            <a:pPr indent="0" lvl="0" marL="0" rtl="0" algn="l">
+            <a:pPr marL="0" lvl="0" indent="0" algn="l" rtl="0">
               <a:spcBef>
                 <a:spcPts val="0"/>
               </a:spcBef>
@@ -1505,9 +1563,6 @@
               </a:spcAft>
               <a:buNone/>
             </a:pPr>
-            <a:r>
-              <a:t/>
-            </a:r>
             <a:endParaRPr/>
           </a:p>
         </p:txBody>
@@ -1521,11 +1576,11 @@
 </file>
 
 <file path=ppt/notesSlides/notesSlide7.xml><?xml version="1.0" encoding="utf-8"?>
-<p:notes xmlns:a="http://schemas.openxmlformats.org/drawingml/2006/main" xmlns:r="http://schemas.openxmlformats.org/officeDocument/2006/relationships" xmlns:mc="http://schemas.openxmlformats.org/markup-compatibility/2006" xmlns:mv="urn:schemas-microsoft-com:mac:vml" xmlns:p="http://schemas.openxmlformats.org/presentationml/2006/main" xmlns:c="http://schemas.openxmlformats.org/drawingml/2006/chart" xmlns:dgm="http://schemas.openxmlformats.org/drawingml/2006/diagram" xmlns:o="urn:schemas-microsoft-com:office:office" xmlns:v="urn:schemas-microsoft-com:vml" xmlns:pvml="urn:schemas-microsoft-com:office:powerpoint" xmlns:com="http://schemas.openxmlformats.org/drawingml/2006/compatibility" xmlns:p14="http://schemas.microsoft.com/office/powerpoint/2010/main" xmlns:p15="http://schemas.microsoft.com/office/powerpoint/2012/main" xmlns:ahyp="http://schemas.microsoft.com/office/drawing/2018/hyperlinkcolor" showMasterPhAnim="0" showMasterSp="0">
+<p:notes xmlns:a="http://schemas.openxmlformats.org/drawingml/2006/main" xmlns:r="http://schemas.openxmlformats.org/officeDocument/2006/relationships" xmlns:p="http://schemas.openxmlformats.org/presentationml/2006/main" showMasterSp="0" showMasterPhAnim="0">
   <p:cSld>
     <p:spTree>
       <p:nvGrpSpPr>
-        <p:cNvPr id="93" name="Shape 93"/>
+        <p:cNvPr id="1" name="Shape 93"/>
         <p:cNvGrpSpPr/>
         <p:nvPr/>
       </p:nvGrpSpPr>
@@ -1540,20 +1595,26 @@
       <p:sp>
         <p:nvSpPr>
           <p:cNvPr id="94" name="Google Shape;94;g200d37729a2_0_33:notes"/>
-          <p:cNvSpPr/>
+          <p:cNvSpPr>
+            <a:spLocks noGrp="1" noRot="1" noChangeAspect="1"/>
+          </p:cNvSpPr>
           <p:nvPr>
-            <p:ph idx="2" type="sldImg"/>
+            <p:ph type="sldImg" idx="2"/>
           </p:nvPr>
         </p:nvSpPr>
         <p:spPr>
           <a:xfrm>
-            <a:off x="381300" y="685800"/>
+            <a:off x="381000" y="685800"/>
             <a:ext cx="6096000" cy="3429000"/>
           </a:xfrm>
           <a:custGeom>
-            <a:rect b="b" l="l" r="r" t="t"/>
+            <a:avLst/>
+            <a:gdLst/>
+            <a:ahLst/>
+            <a:cxnLst/>
+            <a:rect l="l" t="t" r="r" b="b"/>
             <a:pathLst>
-              <a:path extrusionOk="0" h="120000" w="120000">
+              <a:path w="120000" h="120000" extrusionOk="0">
                 <a:moveTo>
                   <a:pt x="0" y="0"/>
                 </a:moveTo>
@@ -1575,9 +1636,11 @@
       <p:sp>
         <p:nvSpPr>
           <p:cNvPr id="95" name="Google Shape;95;g200d37729a2_0_33:notes"/>
-          <p:cNvSpPr txBox="1"/>
+          <p:cNvSpPr txBox="1">
+            <a:spLocks noGrp="1"/>
+          </p:cNvSpPr>
           <p:nvPr>
-            <p:ph idx="1" type="body"/>
+            <p:ph type="body" idx="1"/>
           </p:nvPr>
         </p:nvSpPr>
         <p:spPr>
@@ -1590,12 +1653,12 @@
           </a:prstGeom>
         </p:spPr>
         <p:txBody>
-          <a:bodyPr anchorCtr="0" anchor="t" bIns="91425" lIns="91425" spcFirstLastPara="1" rIns="91425" wrap="square" tIns="91425">
+          <a:bodyPr spcFirstLastPara="1" wrap="square" lIns="91425" tIns="91425" rIns="91425" bIns="91425" anchor="t" anchorCtr="0">
             <a:noAutofit/>
           </a:bodyPr>
           <a:lstStyle/>
           <a:p>
-            <a:pPr indent="0" lvl="0" marL="0" rtl="0" algn="l">
+            <a:pPr marL="0" lvl="0" indent="0" algn="l" rtl="0">
               <a:spcBef>
                 <a:spcPts val="0"/>
               </a:spcBef>
@@ -1604,9 +1667,6 @@
               </a:spcAft>
               <a:buNone/>
             </a:pPr>
-            <a:r>
-              <a:t/>
-            </a:r>
             <a:endParaRPr/>
           </a:p>
         </p:txBody>
@@ -1620,11 +1680,11 @@
 </file>
 
 <file path=ppt/notesSlides/notesSlide8.xml><?xml version="1.0" encoding="utf-8"?>
-<p:notes xmlns:a="http://schemas.openxmlformats.org/drawingml/2006/main" xmlns:r="http://schemas.openxmlformats.org/officeDocument/2006/relationships" xmlns:mc="http://schemas.openxmlformats.org/markup-compatibility/2006" xmlns:mv="urn:schemas-microsoft-com:mac:vml" xmlns:p="http://schemas.openxmlformats.org/presentationml/2006/main" xmlns:c="http://schemas.openxmlformats.org/drawingml/2006/chart" xmlns:dgm="http://schemas.openxmlformats.org/drawingml/2006/diagram" xmlns:o="urn:schemas-microsoft-com:office:office" xmlns:v="urn:schemas-microsoft-com:vml" xmlns:pvml="urn:schemas-microsoft-com:office:powerpoint" xmlns:com="http://schemas.openxmlformats.org/drawingml/2006/compatibility" xmlns:p14="http://schemas.microsoft.com/office/powerpoint/2010/main" xmlns:p15="http://schemas.microsoft.com/office/powerpoint/2012/main" xmlns:ahyp="http://schemas.microsoft.com/office/drawing/2018/hyperlinkcolor" showMasterPhAnim="0" showMasterSp="0">
+<p:notes xmlns:a="http://schemas.openxmlformats.org/drawingml/2006/main" xmlns:r="http://schemas.openxmlformats.org/officeDocument/2006/relationships" xmlns:p="http://schemas.openxmlformats.org/presentationml/2006/main" showMasterSp="0" showMasterPhAnim="0">
   <p:cSld>
     <p:spTree>
       <p:nvGrpSpPr>
-        <p:cNvPr id="100" name="Shape 100"/>
+        <p:cNvPr id="1" name="Shape 100"/>
         <p:cNvGrpSpPr/>
         <p:nvPr/>
       </p:nvGrpSpPr>
@@ -1639,9 +1699,11 @@
       <p:sp>
         <p:nvSpPr>
           <p:cNvPr id="101" name="Google Shape;101;g200d37729a2_0_45:notes"/>
-          <p:cNvSpPr/>
+          <p:cNvSpPr>
+            <a:spLocks noGrp="1" noRot="1" noChangeAspect="1"/>
+          </p:cNvSpPr>
           <p:nvPr>
-            <p:ph idx="2" type="sldImg"/>
+            <p:ph type="sldImg" idx="2"/>
           </p:nvPr>
         </p:nvSpPr>
         <p:spPr>
@@ -1650,9 +1712,13 @@
             <a:ext cx="6096000" cy="3429000"/>
           </a:xfrm>
           <a:custGeom>
-            <a:rect b="b" l="l" r="r" t="t"/>
+            <a:avLst/>
+            <a:gdLst/>
+            <a:ahLst/>
+            <a:cxnLst/>
+            <a:rect l="l" t="t" r="r" b="b"/>
             <a:pathLst>
-              <a:path extrusionOk="0" h="120000" w="120000">
+              <a:path w="120000" h="120000" extrusionOk="0">
                 <a:moveTo>
                   <a:pt x="0" y="0"/>
                 </a:moveTo>
@@ -1674,9 +1740,11 @@
       <p:sp>
         <p:nvSpPr>
           <p:cNvPr id="102" name="Google Shape;102;g200d37729a2_0_45:notes"/>
-          <p:cNvSpPr txBox="1"/>
+          <p:cNvSpPr txBox="1">
+            <a:spLocks noGrp="1"/>
+          </p:cNvSpPr>
           <p:nvPr>
-            <p:ph idx="1" type="body"/>
+            <p:ph type="body" idx="1"/>
           </p:nvPr>
         </p:nvSpPr>
         <p:spPr>
@@ -1689,12 +1757,12 @@
           </a:prstGeom>
         </p:spPr>
         <p:txBody>
-          <a:bodyPr anchorCtr="0" anchor="t" bIns="91425" lIns="91425" spcFirstLastPara="1" rIns="91425" wrap="square" tIns="91425">
+          <a:bodyPr spcFirstLastPara="1" wrap="square" lIns="91425" tIns="91425" rIns="91425" bIns="91425" anchor="t" anchorCtr="0">
             <a:noAutofit/>
           </a:bodyPr>
           <a:lstStyle/>
           <a:p>
-            <a:pPr indent="0" lvl="0" marL="0" rtl="0" algn="l">
+            <a:pPr marL="0" lvl="0" indent="0" algn="l" rtl="0">
               <a:spcBef>
                 <a:spcPts val="0"/>
               </a:spcBef>
@@ -1703,9 +1771,6 @@
               </a:spcAft>
               <a:buNone/>
             </a:pPr>
-            <a:r>
-              <a:t/>
-            </a:r>
             <a:endParaRPr/>
           </a:p>
         </p:txBody>
@@ -1719,11 +1784,11 @@
 </file>
 
 <file path=ppt/notesSlides/notesSlide9.xml><?xml version="1.0" encoding="utf-8"?>
-<p:notes xmlns:a="http://schemas.openxmlformats.org/drawingml/2006/main" xmlns:r="http://schemas.openxmlformats.org/officeDocument/2006/relationships" xmlns:mc="http://schemas.openxmlformats.org/markup-compatibility/2006" xmlns:mv="urn:schemas-microsoft-com:mac:vml" xmlns:p="http://schemas.openxmlformats.org/presentationml/2006/main" xmlns:c="http://schemas.openxmlformats.org/drawingml/2006/chart" xmlns:dgm="http://schemas.openxmlformats.org/drawingml/2006/diagram" xmlns:o="urn:schemas-microsoft-com:office:office" xmlns:v="urn:schemas-microsoft-com:vml" xmlns:pvml="urn:schemas-microsoft-com:office:powerpoint" xmlns:com="http://schemas.openxmlformats.org/drawingml/2006/compatibility" xmlns:p14="http://schemas.microsoft.com/office/powerpoint/2010/main" xmlns:p15="http://schemas.microsoft.com/office/powerpoint/2012/main" xmlns:ahyp="http://schemas.microsoft.com/office/drawing/2018/hyperlinkcolor" showMasterPhAnim="0" showMasterSp="0">
+<p:notes xmlns:a="http://schemas.openxmlformats.org/drawingml/2006/main" xmlns:r="http://schemas.openxmlformats.org/officeDocument/2006/relationships" xmlns:p="http://schemas.openxmlformats.org/presentationml/2006/main" showMasterSp="0" showMasterPhAnim="0">
   <p:cSld>
     <p:spTree>
       <p:nvGrpSpPr>
-        <p:cNvPr id="107" name="Shape 107"/>
+        <p:cNvPr id="1" name="Shape 107"/>
         <p:cNvGrpSpPr/>
         <p:nvPr/>
       </p:nvGrpSpPr>
@@ -1738,9 +1803,11 @@
       <p:sp>
         <p:nvSpPr>
           <p:cNvPr id="108" name="Google Shape;108;g200d37729a2_0_50:notes"/>
-          <p:cNvSpPr/>
+          <p:cNvSpPr>
+            <a:spLocks noGrp="1" noRot="1" noChangeAspect="1"/>
+          </p:cNvSpPr>
           <p:nvPr>
-            <p:ph idx="2" type="sldImg"/>
+            <p:ph type="sldImg" idx="2"/>
           </p:nvPr>
         </p:nvSpPr>
         <p:spPr>
@@ -1749,9 +1816,13 @@
             <a:ext cx="6096000" cy="3429000"/>
           </a:xfrm>
           <a:custGeom>
-            <a:rect b="b" l="l" r="r" t="t"/>
+            <a:avLst/>
+            <a:gdLst/>
+            <a:ahLst/>
+            <a:cxnLst/>
+            <a:rect l="l" t="t" r="r" b="b"/>
             <a:pathLst>
-              <a:path extrusionOk="0" h="120000" w="120000">
+              <a:path w="120000" h="120000" extrusionOk="0">
                 <a:moveTo>
                   <a:pt x="0" y="0"/>
                 </a:moveTo>
@@ -1773,9 +1844,11 @@
       <p:sp>
         <p:nvSpPr>
           <p:cNvPr id="109" name="Google Shape;109;g200d37729a2_0_50:notes"/>
-          <p:cNvSpPr txBox="1"/>
+          <p:cNvSpPr txBox="1">
+            <a:spLocks noGrp="1"/>
+          </p:cNvSpPr>
           <p:nvPr>
-            <p:ph idx="1" type="body"/>
+            <p:ph type="body" idx="1"/>
           </p:nvPr>
         </p:nvSpPr>
         <p:spPr>
@@ -1788,12 +1861,12 @@
           </a:prstGeom>
         </p:spPr>
         <p:txBody>
-          <a:bodyPr anchorCtr="0" anchor="t" bIns="91425" lIns="91425" spcFirstLastPara="1" rIns="91425" wrap="square" tIns="91425">
+          <a:bodyPr spcFirstLastPara="1" wrap="square" lIns="91425" tIns="91425" rIns="91425" bIns="91425" anchor="t" anchorCtr="0">
             <a:noAutofit/>
           </a:bodyPr>
           <a:lstStyle/>
           <a:p>
-            <a:pPr indent="0" lvl="0" marL="0" rtl="0" algn="l">
+            <a:pPr marL="0" lvl="0" indent="0" algn="l" rtl="0">
               <a:spcBef>
                 <a:spcPts val="0"/>
               </a:spcBef>
@@ -1802,9 +1875,6 @@
               </a:spcAft>
               <a:buNone/>
             </a:pPr>
-            <a:r>
-              <a:t/>
-            </a:r>
             <a:endParaRPr/>
           </a:p>
         </p:txBody>
@@ -1818,11 +1888,11 @@
 </file>
 
 <file path=ppt/slideLayouts/slideLayout1.xml><?xml version="1.0" encoding="utf-8"?>
-<p:sldLayout xmlns:a="http://schemas.openxmlformats.org/drawingml/2006/main" xmlns:r="http://schemas.openxmlformats.org/officeDocument/2006/relationships" xmlns:mc="http://schemas.openxmlformats.org/markup-compatibility/2006" xmlns:mv="urn:schemas-microsoft-com:mac:vml" xmlns:p="http://schemas.openxmlformats.org/presentationml/2006/main" xmlns:c="http://schemas.openxmlformats.org/drawingml/2006/chart" xmlns:dgm="http://schemas.openxmlformats.org/drawingml/2006/diagram" xmlns:o="urn:schemas-microsoft-com:office:office" xmlns:v="urn:schemas-microsoft-com:vml" xmlns:pvml="urn:schemas-microsoft-com:office:powerpoint" xmlns:com="http://schemas.openxmlformats.org/drawingml/2006/compatibility" xmlns:p14="http://schemas.microsoft.com/office/powerpoint/2010/main" xmlns:p15="http://schemas.microsoft.com/office/powerpoint/2012/main" xmlns:ahyp="http://schemas.microsoft.com/office/drawing/2018/hyperlinkcolor" matchingName="Title slide" type="title">
+<p:sldLayout xmlns:a="http://schemas.openxmlformats.org/drawingml/2006/main" xmlns:r="http://schemas.openxmlformats.org/officeDocument/2006/relationships" xmlns:p="http://schemas.openxmlformats.org/presentationml/2006/main" matchingName="Title slide" type="title">
   <p:cSld name="TITLE">
     <p:spTree>
       <p:nvGrpSpPr>
-        <p:cNvPr id="10" name="Shape 10"/>
+        <p:cNvPr id="1" name="Shape 10"/>
         <p:cNvGrpSpPr/>
         <p:nvPr/>
       </p:nvGrpSpPr>
@@ -1837,7 +1907,9 @@
       <p:sp>
         <p:nvSpPr>
           <p:cNvPr id="11" name="Google Shape;11;p2"/>
-          <p:cNvSpPr txBox="1"/>
+          <p:cNvSpPr txBox="1">
+            <a:spLocks noGrp="1"/>
+          </p:cNvSpPr>
           <p:nvPr>
             <p:ph type="ctrTitle"/>
           </p:nvPr>
@@ -1852,7 +1924,7 @@
           </a:prstGeom>
         </p:spPr>
         <p:txBody>
-          <a:bodyPr anchorCtr="0" anchor="b" bIns="91425" lIns="91425" spcFirstLastPara="1" rIns="91425" wrap="square" tIns="91425">
+          <a:bodyPr spcFirstLastPara="1" wrap="square" lIns="91425" tIns="91425" rIns="91425" bIns="91425" anchor="b" anchorCtr="0">
             <a:spAutoFit/>
           </a:bodyPr>
           <a:lstStyle>
@@ -1956,15 +2028,19 @@
               <a:defRPr sz="5200"/>
             </a:lvl9pPr>
           </a:lstStyle>
-          <a:p/>
+          <a:p>
+            <a:endParaRPr/>
+          </a:p>
         </p:txBody>
       </p:sp>
       <p:sp>
         <p:nvSpPr>
           <p:cNvPr id="12" name="Google Shape;12;p2"/>
-          <p:cNvSpPr txBox="1"/>
+          <p:cNvSpPr txBox="1">
+            <a:spLocks noGrp="1"/>
+          </p:cNvSpPr>
           <p:nvPr>
-            <p:ph idx="1" type="subTitle"/>
+            <p:ph type="subTitle" idx="1"/>
           </p:nvPr>
         </p:nvSpPr>
         <p:spPr>
@@ -1977,7 +2053,7 @@
           </a:prstGeom>
         </p:spPr>
         <p:txBody>
-          <a:bodyPr anchorCtr="0" anchor="t" bIns="91425" lIns="91425" spcFirstLastPara="1" rIns="91425" wrap="square" tIns="91425">
+          <a:bodyPr spcFirstLastPara="1" wrap="square" lIns="91425" tIns="91425" rIns="91425" bIns="91425" anchor="t" anchorCtr="0">
             <a:spAutoFit/>
           </a:bodyPr>
           <a:lstStyle>
@@ -2108,15 +2184,19 @@
               <a:defRPr sz="2800"/>
             </a:lvl9pPr>
           </a:lstStyle>
-          <a:p/>
+          <a:p>
+            <a:endParaRPr/>
+          </a:p>
         </p:txBody>
       </p:sp>
       <p:sp>
         <p:nvSpPr>
           <p:cNvPr id="13" name="Google Shape;13;p2"/>
-          <p:cNvSpPr txBox="1"/>
+          <p:cNvSpPr txBox="1">
+            <a:spLocks noGrp="1"/>
+          </p:cNvSpPr>
           <p:nvPr>
-            <p:ph idx="12" type="sldNum"/>
+            <p:ph type="sldNum" idx="12"/>
           </p:nvPr>
         </p:nvSpPr>
         <p:spPr>
@@ -2129,7 +2209,7 @@
           </a:prstGeom>
         </p:spPr>
         <p:txBody>
-          <a:bodyPr anchorCtr="0" anchor="ctr" bIns="91425" lIns="91425" spcFirstLastPara="1" rIns="91425" wrap="square" tIns="91425">
+          <a:bodyPr spcFirstLastPara="1" wrap="square" lIns="91425" tIns="91425" rIns="91425" bIns="91425" anchor="ctr" anchorCtr="0">
             <a:spAutoFit/>
           </a:bodyPr>
           <a:lstStyle>
@@ -2171,7 +2251,7 @@
             </a:lvl9pPr>
           </a:lstStyle>
           <a:p>
-            <a:pPr indent="0" lvl="0" marL="0" rtl="0" algn="r">
+            <a:pPr marL="0" lvl="0" indent="0" algn="r" rtl="0">
               <a:spcBef>
                 <a:spcPts val="0"/>
               </a:spcBef>
@@ -2197,11 +2277,11 @@
 </file>
 
 <file path=ppt/slideLayouts/slideLayout10.xml><?xml version="1.0" encoding="utf-8"?>
-<p:sldLayout xmlns:a="http://schemas.openxmlformats.org/drawingml/2006/main" xmlns:r="http://schemas.openxmlformats.org/officeDocument/2006/relationships" xmlns:mc="http://schemas.openxmlformats.org/markup-compatibility/2006" xmlns:mv="urn:schemas-microsoft-com:mac:vml" xmlns:p="http://schemas.openxmlformats.org/presentationml/2006/main" xmlns:c="http://schemas.openxmlformats.org/drawingml/2006/chart" xmlns:dgm="http://schemas.openxmlformats.org/drawingml/2006/diagram" xmlns:o="urn:schemas-microsoft-com:office:office" xmlns:v="urn:schemas-microsoft-com:vml" xmlns:pvml="urn:schemas-microsoft-com:office:powerpoint" xmlns:com="http://schemas.openxmlformats.org/drawingml/2006/compatibility" xmlns:p14="http://schemas.microsoft.com/office/powerpoint/2010/main" xmlns:p15="http://schemas.microsoft.com/office/powerpoint/2012/main" xmlns:ahyp="http://schemas.microsoft.com/office/drawing/2018/hyperlinkcolor" matchingName="Big number">
+<p:sldLayout xmlns:a="http://schemas.openxmlformats.org/drawingml/2006/main" xmlns:r="http://schemas.openxmlformats.org/officeDocument/2006/relationships" xmlns:p="http://schemas.openxmlformats.org/presentationml/2006/main" matchingName="Big number">
   <p:cSld name="BIG_NUMBER">
     <p:spTree>
       <p:nvGrpSpPr>
-        <p:cNvPr id="45" name="Shape 45"/>
+        <p:cNvPr id="1" name="Shape 45"/>
         <p:cNvGrpSpPr/>
         <p:nvPr/>
       </p:nvGrpSpPr>
@@ -2216,9 +2296,11 @@
       <p:sp>
         <p:nvSpPr>
           <p:cNvPr id="46" name="Google Shape;46;p11"/>
-          <p:cNvSpPr txBox="1"/>
+          <p:cNvSpPr txBox="1">
+            <a:spLocks noGrp="1"/>
+          </p:cNvSpPr>
           <p:nvPr>
-            <p:ph hasCustomPrompt="1" type="title"/>
+            <p:ph type="title" hasCustomPrompt="1"/>
           </p:nvPr>
         </p:nvSpPr>
         <p:spPr>
@@ -2231,7 +2313,7 @@
           </a:prstGeom>
         </p:spPr>
         <p:txBody>
-          <a:bodyPr anchorCtr="0" anchor="b" bIns="91425" lIns="91425" spcFirstLastPara="1" rIns="91425" wrap="square" tIns="91425">
+          <a:bodyPr spcFirstLastPara="1" wrap="square" lIns="91425" tIns="91425" rIns="91425" bIns="91425" anchor="b" anchorCtr="0">
             <a:spAutoFit/>
           </a:bodyPr>
           <a:lstStyle>
@@ -2345,9 +2427,11 @@
       <p:sp>
         <p:nvSpPr>
           <p:cNvPr id="47" name="Google Shape;47;p11"/>
-          <p:cNvSpPr txBox="1"/>
+          <p:cNvSpPr txBox="1">
+            <a:spLocks noGrp="1"/>
+          </p:cNvSpPr>
           <p:nvPr>
-            <p:ph idx="1" type="body"/>
+            <p:ph type="body" idx="1"/>
           </p:nvPr>
         </p:nvSpPr>
         <p:spPr>
@@ -2360,11 +2444,11 @@
           </a:prstGeom>
         </p:spPr>
         <p:txBody>
-          <a:bodyPr anchorCtr="0" anchor="t" bIns="91425" lIns="91425" spcFirstLastPara="1" rIns="91425" wrap="square" tIns="91425">
+          <a:bodyPr spcFirstLastPara="1" wrap="square" lIns="91425" tIns="91425" rIns="91425" bIns="91425" anchor="t" anchorCtr="0">
             <a:spAutoFit/>
           </a:bodyPr>
           <a:lstStyle>
-            <a:lvl1pPr indent="-342900" lvl="0" marL="457200" algn="ctr">
+            <a:lvl1pPr marL="457200" lvl="0" indent="-342900" algn="ctr">
               <a:spcBef>
                 <a:spcPts val="0"/>
               </a:spcBef>
@@ -2375,7 +2459,7 @@
               <a:buChar char="●"/>
               <a:defRPr/>
             </a:lvl1pPr>
-            <a:lvl2pPr indent="-317500" lvl="1" marL="914400" algn="ctr">
+            <a:lvl2pPr marL="914400" lvl="1" indent="-317500" algn="ctr">
               <a:spcBef>
                 <a:spcPts val="0"/>
               </a:spcBef>
@@ -2386,7 +2470,7 @@
               <a:buChar char="○"/>
               <a:defRPr/>
             </a:lvl2pPr>
-            <a:lvl3pPr indent="-317500" lvl="2" marL="1371600" algn="ctr">
+            <a:lvl3pPr marL="1371600" lvl="2" indent="-317500" algn="ctr">
               <a:spcBef>
                 <a:spcPts val="0"/>
               </a:spcBef>
@@ -2397,7 +2481,7 @@
               <a:buChar char="■"/>
               <a:defRPr/>
             </a:lvl3pPr>
-            <a:lvl4pPr indent="-317500" lvl="3" marL="1828800" algn="ctr">
+            <a:lvl4pPr marL="1828800" lvl="3" indent="-317500" algn="ctr">
               <a:spcBef>
                 <a:spcPts val="0"/>
               </a:spcBef>
@@ -2408,7 +2492,7 @@
               <a:buChar char="●"/>
               <a:defRPr/>
             </a:lvl4pPr>
-            <a:lvl5pPr indent="-317500" lvl="4" marL="2286000" algn="ctr">
+            <a:lvl5pPr marL="2286000" lvl="4" indent="-317500" algn="ctr">
               <a:spcBef>
                 <a:spcPts val="0"/>
               </a:spcBef>
@@ -2419,7 +2503,7 @@
               <a:buChar char="○"/>
               <a:defRPr/>
             </a:lvl5pPr>
-            <a:lvl6pPr indent="-317500" lvl="5" marL="2743200" algn="ctr">
+            <a:lvl6pPr marL="2743200" lvl="5" indent="-317500" algn="ctr">
               <a:spcBef>
                 <a:spcPts val="0"/>
               </a:spcBef>
@@ -2430,7 +2514,7 @@
               <a:buChar char="■"/>
               <a:defRPr/>
             </a:lvl6pPr>
-            <a:lvl7pPr indent="-317500" lvl="6" marL="3200400" algn="ctr">
+            <a:lvl7pPr marL="3200400" lvl="6" indent="-317500" algn="ctr">
               <a:spcBef>
                 <a:spcPts val="0"/>
               </a:spcBef>
@@ -2441,7 +2525,7 @@
               <a:buChar char="●"/>
               <a:defRPr/>
             </a:lvl7pPr>
-            <a:lvl8pPr indent="-317500" lvl="7" marL="3657600" algn="ctr">
+            <a:lvl8pPr marL="3657600" lvl="7" indent="-317500" algn="ctr">
               <a:spcBef>
                 <a:spcPts val="0"/>
               </a:spcBef>
@@ -2452,7 +2536,7 @@
               <a:buChar char="○"/>
               <a:defRPr/>
             </a:lvl8pPr>
-            <a:lvl9pPr indent="-317500" lvl="8" marL="4114800" algn="ctr">
+            <a:lvl9pPr marL="4114800" lvl="8" indent="-317500" algn="ctr">
               <a:spcBef>
                 <a:spcPts val="0"/>
               </a:spcBef>
@@ -2464,15 +2548,19 @@
               <a:defRPr/>
             </a:lvl9pPr>
           </a:lstStyle>
-          <a:p/>
+          <a:p>
+            <a:endParaRPr/>
+          </a:p>
         </p:txBody>
       </p:sp>
       <p:sp>
         <p:nvSpPr>
           <p:cNvPr id="48" name="Google Shape;48;p11"/>
-          <p:cNvSpPr txBox="1"/>
+          <p:cNvSpPr txBox="1">
+            <a:spLocks noGrp="1"/>
+          </p:cNvSpPr>
           <p:nvPr>
-            <p:ph idx="12" type="sldNum"/>
+            <p:ph type="sldNum" idx="12"/>
           </p:nvPr>
         </p:nvSpPr>
         <p:spPr>
@@ -2485,7 +2573,7 @@
           </a:prstGeom>
         </p:spPr>
         <p:txBody>
-          <a:bodyPr anchorCtr="0" anchor="ctr" bIns="91425" lIns="91425" spcFirstLastPara="1" rIns="91425" wrap="square" tIns="91425">
+          <a:bodyPr spcFirstLastPara="1" wrap="square" lIns="91425" tIns="91425" rIns="91425" bIns="91425" anchor="ctr" anchorCtr="0">
             <a:spAutoFit/>
           </a:bodyPr>
           <a:lstStyle>
@@ -2527,7 +2615,7 @@
             </a:lvl9pPr>
           </a:lstStyle>
           <a:p>
-            <a:pPr indent="0" lvl="0" marL="0" rtl="0" algn="r">
+            <a:pPr marL="0" lvl="0" indent="0" algn="r" rtl="0">
               <a:spcBef>
                 <a:spcPts val="0"/>
               </a:spcBef>
@@ -2553,11 +2641,11 @@
 </file>
 
 <file path=ppt/slideLayouts/slideLayout11.xml><?xml version="1.0" encoding="utf-8"?>
-<p:sldLayout xmlns:a="http://schemas.openxmlformats.org/drawingml/2006/main" xmlns:r="http://schemas.openxmlformats.org/officeDocument/2006/relationships" xmlns:mc="http://schemas.openxmlformats.org/markup-compatibility/2006" xmlns:mv="urn:schemas-microsoft-com:mac:vml" xmlns:p="http://schemas.openxmlformats.org/presentationml/2006/main" xmlns:c="http://schemas.openxmlformats.org/drawingml/2006/chart" xmlns:dgm="http://schemas.openxmlformats.org/drawingml/2006/diagram" xmlns:o="urn:schemas-microsoft-com:office:office" xmlns:v="urn:schemas-microsoft-com:vml" xmlns:pvml="urn:schemas-microsoft-com:office:powerpoint" xmlns:com="http://schemas.openxmlformats.org/drawingml/2006/compatibility" xmlns:p14="http://schemas.microsoft.com/office/powerpoint/2010/main" xmlns:p15="http://schemas.microsoft.com/office/powerpoint/2012/main" xmlns:ahyp="http://schemas.microsoft.com/office/drawing/2018/hyperlinkcolor" matchingName="Blank" type="blank">
+<p:sldLayout xmlns:a="http://schemas.openxmlformats.org/drawingml/2006/main" xmlns:r="http://schemas.openxmlformats.org/officeDocument/2006/relationships" xmlns:p="http://schemas.openxmlformats.org/presentationml/2006/main" matchingName="Blank" type="blank">
   <p:cSld name="BLANK">
     <p:spTree>
       <p:nvGrpSpPr>
-        <p:cNvPr id="49" name="Shape 49"/>
+        <p:cNvPr id="1" name="Shape 49"/>
         <p:cNvGrpSpPr/>
         <p:nvPr/>
       </p:nvGrpSpPr>
@@ -2572,9 +2660,11 @@
       <p:sp>
         <p:nvSpPr>
           <p:cNvPr id="50" name="Google Shape;50;p12"/>
-          <p:cNvSpPr txBox="1"/>
+          <p:cNvSpPr txBox="1">
+            <a:spLocks noGrp="1"/>
+          </p:cNvSpPr>
           <p:nvPr>
-            <p:ph idx="12" type="sldNum"/>
+            <p:ph type="sldNum" idx="12"/>
           </p:nvPr>
         </p:nvSpPr>
         <p:spPr>
@@ -2587,7 +2677,7 @@
           </a:prstGeom>
         </p:spPr>
         <p:txBody>
-          <a:bodyPr anchorCtr="0" anchor="ctr" bIns="91425" lIns="91425" spcFirstLastPara="1" rIns="91425" wrap="square" tIns="91425">
+          <a:bodyPr spcFirstLastPara="1" wrap="square" lIns="91425" tIns="91425" rIns="91425" bIns="91425" anchor="ctr" anchorCtr="0">
             <a:spAutoFit/>
           </a:bodyPr>
           <a:lstStyle>
@@ -2629,7 +2719,7 @@
             </a:lvl9pPr>
           </a:lstStyle>
           <a:p>
-            <a:pPr indent="0" lvl="0" marL="0" rtl="0" algn="r">
+            <a:pPr marL="0" lvl="0" indent="0" algn="r" rtl="0">
               <a:spcBef>
                 <a:spcPts val="0"/>
               </a:spcBef>
@@ -2655,11 +2745,11 @@
 </file>
 
 <file path=ppt/slideLayouts/slideLayout2.xml><?xml version="1.0" encoding="utf-8"?>
-<p:sldLayout xmlns:a="http://schemas.openxmlformats.org/drawingml/2006/main" xmlns:r="http://schemas.openxmlformats.org/officeDocument/2006/relationships" xmlns:mc="http://schemas.openxmlformats.org/markup-compatibility/2006" xmlns:mv="urn:schemas-microsoft-com:mac:vml" xmlns:p="http://schemas.openxmlformats.org/presentationml/2006/main" xmlns:c="http://schemas.openxmlformats.org/drawingml/2006/chart" xmlns:dgm="http://schemas.openxmlformats.org/drawingml/2006/diagram" xmlns:o="urn:schemas-microsoft-com:office:office" xmlns:v="urn:schemas-microsoft-com:vml" xmlns:pvml="urn:schemas-microsoft-com:office:powerpoint" xmlns:com="http://schemas.openxmlformats.org/drawingml/2006/compatibility" xmlns:p14="http://schemas.microsoft.com/office/powerpoint/2010/main" xmlns:p15="http://schemas.microsoft.com/office/powerpoint/2012/main" xmlns:ahyp="http://schemas.microsoft.com/office/drawing/2018/hyperlinkcolor" matchingName="Section header" type="secHead">
+<p:sldLayout xmlns:a="http://schemas.openxmlformats.org/drawingml/2006/main" xmlns:r="http://schemas.openxmlformats.org/officeDocument/2006/relationships" xmlns:p="http://schemas.openxmlformats.org/presentationml/2006/main" matchingName="Section header" type="secHead">
   <p:cSld name="SECTION_HEADER">
     <p:spTree>
       <p:nvGrpSpPr>
-        <p:cNvPr id="14" name="Shape 14"/>
+        <p:cNvPr id="1" name="Shape 14"/>
         <p:cNvGrpSpPr/>
         <p:nvPr/>
       </p:nvGrpSpPr>
@@ -2674,7 +2764,9 @@
       <p:sp>
         <p:nvSpPr>
           <p:cNvPr id="15" name="Google Shape;15;p3"/>
-          <p:cNvSpPr txBox="1"/>
+          <p:cNvSpPr txBox="1">
+            <a:spLocks noGrp="1"/>
+          </p:cNvSpPr>
           <p:nvPr>
             <p:ph type="title"/>
           </p:nvPr>
@@ -2689,7 +2781,7 @@
           </a:prstGeom>
         </p:spPr>
         <p:txBody>
-          <a:bodyPr anchorCtr="0" anchor="ctr" bIns="91425" lIns="91425" spcFirstLastPara="1" rIns="91425" wrap="square" tIns="91425">
+          <a:bodyPr spcFirstLastPara="1" wrap="square" lIns="91425" tIns="91425" rIns="91425" bIns="91425" anchor="ctr" anchorCtr="0">
             <a:spAutoFit/>
           </a:bodyPr>
           <a:lstStyle>
@@ -2793,15 +2885,19 @@
               <a:defRPr sz="3600"/>
             </a:lvl9pPr>
           </a:lstStyle>
-          <a:p/>
+          <a:p>
+            <a:endParaRPr/>
+          </a:p>
         </p:txBody>
       </p:sp>
       <p:sp>
         <p:nvSpPr>
           <p:cNvPr id="16" name="Google Shape;16;p3"/>
-          <p:cNvSpPr txBox="1"/>
+          <p:cNvSpPr txBox="1">
+            <a:spLocks noGrp="1"/>
+          </p:cNvSpPr>
           <p:nvPr>
-            <p:ph idx="12" type="sldNum"/>
+            <p:ph type="sldNum" idx="12"/>
           </p:nvPr>
         </p:nvSpPr>
         <p:spPr>
@@ -2814,7 +2910,7 @@
           </a:prstGeom>
         </p:spPr>
         <p:txBody>
-          <a:bodyPr anchorCtr="0" anchor="ctr" bIns="91425" lIns="91425" spcFirstLastPara="1" rIns="91425" wrap="square" tIns="91425">
+          <a:bodyPr spcFirstLastPara="1" wrap="square" lIns="91425" tIns="91425" rIns="91425" bIns="91425" anchor="ctr" anchorCtr="0">
             <a:spAutoFit/>
           </a:bodyPr>
           <a:lstStyle>
@@ -2856,7 +2952,7 @@
             </a:lvl9pPr>
           </a:lstStyle>
           <a:p>
-            <a:pPr indent="0" lvl="0" marL="0" rtl="0" algn="r">
+            <a:pPr marL="0" lvl="0" indent="0" algn="r" rtl="0">
               <a:spcBef>
                 <a:spcPts val="0"/>
               </a:spcBef>
@@ -2882,11 +2978,11 @@
 </file>
 
 <file path=ppt/slideLayouts/slideLayout3.xml><?xml version="1.0" encoding="utf-8"?>
-<p:sldLayout xmlns:a="http://schemas.openxmlformats.org/drawingml/2006/main" xmlns:r="http://schemas.openxmlformats.org/officeDocument/2006/relationships" xmlns:mc="http://schemas.openxmlformats.org/markup-compatibility/2006" xmlns:mv="urn:schemas-microsoft-com:mac:vml" xmlns:p="http://schemas.openxmlformats.org/presentationml/2006/main" xmlns:c="http://schemas.openxmlformats.org/drawingml/2006/chart" xmlns:dgm="http://schemas.openxmlformats.org/drawingml/2006/diagram" xmlns:o="urn:schemas-microsoft-com:office:office" xmlns:v="urn:schemas-microsoft-com:vml" xmlns:pvml="urn:schemas-microsoft-com:office:powerpoint" xmlns:com="http://schemas.openxmlformats.org/drawingml/2006/compatibility" xmlns:p14="http://schemas.microsoft.com/office/powerpoint/2010/main" xmlns:p15="http://schemas.microsoft.com/office/powerpoint/2012/main" xmlns:ahyp="http://schemas.microsoft.com/office/drawing/2018/hyperlinkcolor" matchingName="Title and body" type="tx">
+<p:sldLayout xmlns:a="http://schemas.openxmlformats.org/drawingml/2006/main" xmlns:r="http://schemas.openxmlformats.org/officeDocument/2006/relationships" xmlns:p="http://schemas.openxmlformats.org/presentationml/2006/main" matchingName="Title and body" type="tx">
   <p:cSld name="TITLE_AND_BODY">
     <p:spTree>
       <p:nvGrpSpPr>
-        <p:cNvPr id="17" name="Shape 17"/>
+        <p:cNvPr id="1" name="Shape 17"/>
         <p:cNvGrpSpPr/>
         <p:nvPr/>
       </p:nvGrpSpPr>
@@ -2901,7 +2997,9 @@
       <p:sp>
         <p:nvSpPr>
           <p:cNvPr id="18" name="Google Shape;18;p4"/>
-          <p:cNvSpPr txBox="1"/>
+          <p:cNvSpPr txBox="1">
+            <a:spLocks noGrp="1"/>
+          </p:cNvSpPr>
           <p:nvPr>
             <p:ph type="title"/>
           </p:nvPr>
@@ -2916,7 +3014,7 @@
           </a:prstGeom>
         </p:spPr>
         <p:txBody>
-          <a:bodyPr anchorCtr="0" anchor="t" bIns="91425" lIns="91425" spcFirstLastPara="1" rIns="91425" wrap="square" tIns="91425">
+          <a:bodyPr spcFirstLastPara="1" wrap="square" lIns="91425" tIns="91425" rIns="91425" bIns="91425" anchor="t" anchorCtr="0">
             <a:spAutoFit/>
           </a:bodyPr>
           <a:lstStyle>
@@ -3020,15 +3118,19 @@
               <a:defRPr/>
             </a:lvl9pPr>
           </a:lstStyle>
-          <a:p/>
+          <a:p>
+            <a:endParaRPr/>
+          </a:p>
         </p:txBody>
       </p:sp>
       <p:sp>
         <p:nvSpPr>
           <p:cNvPr id="19" name="Google Shape;19;p4"/>
-          <p:cNvSpPr txBox="1"/>
+          <p:cNvSpPr txBox="1">
+            <a:spLocks noGrp="1"/>
+          </p:cNvSpPr>
           <p:nvPr>
-            <p:ph idx="1" type="body"/>
+            <p:ph type="body" idx="1"/>
           </p:nvPr>
         </p:nvSpPr>
         <p:spPr>
@@ -3041,11 +3143,11 @@
           </a:prstGeom>
         </p:spPr>
         <p:txBody>
-          <a:bodyPr anchorCtr="0" anchor="t" bIns="91425" lIns="91425" spcFirstLastPara="1" rIns="91425" wrap="square" tIns="91425">
+          <a:bodyPr spcFirstLastPara="1" wrap="square" lIns="91425" tIns="91425" rIns="91425" bIns="91425" anchor="t" anchorCtr="0">
             <a:spAutoFit/>
           </a:bodyPr>
           <a:lstStyle>
-            <a:lvl1pPr indent="-342900" lvl="0" marL="457200">
+            <a:lvl1pPr marL="457200" lvl="0" indent="-342900">
               <a:spcBef>
                 <a:spcPts val="0"/>
               </a:spcBef>
@@ -3056,7 +3158,7 @@
               <a:buChar char="●"/>
               <a:defRPr/>
             </a:lvl1pPr>
-            <a:lvl2pPr indent="-317500" lvl="1" marL="914400">
+            <a:lvl2pPr marL="914400" lvl="1" indent="-317500">
               <a:spcBef>
                 <a:spcPts val="0"/>
               </a:spcBef>
@@ -3067,7 +3169,7 @@
               <a:buChar char="○"/>
               <a:defRPr/>
             </a:lvl2pPr>
-            <a:lvl3pPr indent="-317500" lvl="2" marL="1371600">
+            <a:lvl3pPr marL="1371600" lvl="2" indent="-317500">
               <a:spcBef>
                 <a:spcPts val="0"/>
               </a:spcBef>
@@ -3078,7 +3180,7 @@
               <a:buChar char="■"/>
               <a:defRPr/>
             </a:lvl3pPr>
-            <a:lvl4pPr indent="-317500" lvl="3" marL="1828800">
+            <a:lvl4pPr marL="1828800" lvl="3" indent="-317500">
               <a:spcBef>
                 <a:spcPts val="0"/>
               </a:spcBef>
@@ -3089,7 +3191,7 @@
               <a:buChar char="●"/>
               <a:defRPr/>
             </a:lvl4pPr>
-            <a:lvl5pPr indent="-317500" lvl="4" marL="2286000">
+            <a:lvl5pPr marL="2286000" lvl="4" indent="-317500">
               <a:spcBef>
                 <a:spcPts val="0"/>
               </a:spcBef>
@@ -3100,7 +3202,7 @@
               <a:buChar char="○"/>
               <a:defRPr/>
             </a:lvl5pPr>
-            <a:lvl6pPr indent="-317500" lvl="5" marL="2743200">
+            <a:lvl6pPr marL="2743200" lvl="5" indent="-317500">
               <a:spcBef>
                 <a:spcPts val="0"/>
               </a:spcBef>
@@ -3111,7 +3213,7 @@
               <a:buChar char="■"/>
               <a:defRPr/>
             </a:lvl6pPr>
-            <a:lvl7pPr indent="-317500" lvl="6" marL="3200400">
+            <a:lvl7pPr marL="3200400" lvl="6" indent="-317500">
               <a:spcBef>
                 <a:spcPts val="0"/>
               </a:spcBef>
@@ -3122,7 +3224,7 @@
               <a:buChar char="●"/>
               <a:defRPr/>
             </a:lvl7pPr>
-            <a:lvl8pPr indent="-317500" lvl="7" marL="3657600">
+            <a:lvl8pPr marL="3657600" lvl="7" indent="-317500">
               <a:spcBef>
                 <a:spcPts val="0"/>
               </a:spcBef>
@@ -3133,7 +3235,7 @@
               <a:buChar char="○"/>
               <a:defRPr/>
             </a:lvl8pPr>
-            <a:lvl9pPr indent="-317500" lvl="8" marL="4114800">
+            <a:lvl9pPr marL="4114800" lvl="8" indent="-317500">
               <a:spcBef>
                 <a:spcPts val="0"/>
               </a:spcBef>
@@ -3145,15 +3247,19 @@
               <a:defRPr/>
             </a:lvl9pPr>
           </a:lstStyle>
-          <a:p/>
+          <a:p>
+            <a:endParaRPr/>
+          </a:p>
         </p:txBody>
       </p:sp>
       <p:sp>
         <p:nvSpPr>
           <p:cNvPr id="20" name="Google Shape;20;p4"/>
-          <p:cNvSpPr txBox="1"/>
+          <p:cNvSpPr txBox="1">
+            <a:spLocks noGrp="1"/>
+          </p:cNvSpPr>
           <p:nvPr>
-            <p:ph idx="12" type="sldNum"/>
+            <p:ph type="sldNum" idx="12"/>
           </p:nvPr>
         </p:nvSpPr>
         <p:spPr>
@@ -3166,7 +3272,7 @@
           </a:prstGeom>
         </p:spPr>
         <p:txBody>
-          <a:bodyPr anchorCtr="0" anchor="ctr" bIns="91425" lIns="91425" spcFirstLastPara="1" rIns="91425" wrap="square" tIns="91425">
+          <a:bodyPr spcFirstLastPara="1" wrap="square" lIns="91425" tIns="91425" rIns="91425" bIns="91425" anchor="ctr" anchorCtr="0">
             <a:spAutoFit/>
           </a:bodyPr>
           <a:lstStyle>
@@ -3208,7 +3314,7 @@
             </a:lvl9pPr>
           </a:lstStyle>
           <a:p>
-            <a:pPr indent="0" lvl="0" marL="0" rtl="0" algn="r">
+            <a:pPr marL="0" lvl="0" indent="0" algn="r" rtl="0">
               <a:spcBef>
                 <a:spcPts val="0"/>
               </a:spcBef>
@@ -3234,11 +3340,11 @@
 </file>
 
 <file path=ppt/slideLayouts/slideLayout4.xml><?xml version="1.0" encoding="utf-8"?>
-<p:sldLayout xmlns:a="http://schemas.openxmlformats.org/drawingml/2006/main" xmlns:r="http://schemas.openxmlformats.org/officeDocument/2006/relationships" xmlns:mc="http://schemas.openxmlformats.org/markup-compatibility/2006" xmlns:mv="urn:schemas-microsoft-com:mac:vml" xmlns:p="http://schemas.openxmlformats.org/presentationml/2006/main" xmlns:c="http://schemas.openxmlformats.org/drawingml/2006/chart" xmlns:dgm="http://schemas.openxmlformats.org/drawingml/2006/diagram" xmlns:o="urn:schemas-microsoft-com:office:office" xmlns:v="urn:schemas-microsoft-com:vml" xmlns:pvml="urn:schemas-microsoft-com:office:powerpoint" xmlns:com="http://schemas.openxmlformats.org/drawingml/2006/compatibility" xmlns:p14="http://schemas.microsoft.com/office/powerpoint/2010/main" xmlns:p15="http://schemas.microsoft.com/office/powerpoint/2012/main" xmlns:ahyp="http://schemas.microsoft.com/office/drawing/2018/hyperlinkcolor" matchingName="Title and two columns" type="twoColTx">
+<p:sldLayout xmlns:a="http://schemas.openxmlformats.org/drawingml/2006/main" xmlns:r="http://schemas.openxmlformats.org/officeDocument/2006/relationships" xmlns:p="http://schemas.openxmlformats.org/presentationml/2006/main" matchingName="Title and two columns" type="twoColTx">
   <p:cSld name="TITLE_AND_TWO_COLUMNS">
     <p:spTree>
       <p:nvGrpSpPr>
-        <p:cNvPr id="21" name="Shape 21"/>
+        <p:cNvPr id="1" name="Shape 21"/>
         <p:cNvGrpSpPr/>
         <p:nvPr/>
       </p:nvGrpSpPr>
@@ -3253,7 +3359,9 @@
       <p:sp>
         <p:nvSpPr>
           <p:cNvPr id="22" name="Google Shape;22;p5"/>
-          <p:cNvSpPr txBox="1"/>
+          <p:cNvSpPr txBox="1">
+            <a:spLocks noGrp="1"/>
+          </p:cNvSpPr>
           <p:nvPr>
             <p:ph type="title"/>
           </p:nvPr>
@@ -3268,7 +3376,7 @@
           </a:prstGeom>
         </p:spPr>
         <p:txBody>
-          <a:bodyPr anchorCtr="0" anchor="t" bIns="91425" lIns="91425" spcFirstLastPara="1" rIns="91425" wrap="square" tIns="91425">
+          <a:bodyPr spcFirstLastPara="1" wrap="square" lIns="91425" tIns="91425" rIns="91425" bIns="91425" anchor="t" anchorCtr="0">
             <a:spAutoFit/>
           </a:bodyPr>
           <a:lstStyle>
@@ -3372,15 +3480,19 @@
               <a:defRPr/>
             </a:lvl9pPr>
           </a:lstStyle>
-          <a:p/>
+          <a:p>
+            <a:endParaRPr/>
+          </a:p>
         </p:txBody>
       </p:sp>
       <p:sp>
         <p:nvSpPr>
           <p:cNvPr id="23" name="Google Shape;23;p5"/>
-          <p:cNvSpPr txBox="1"/>
+          <p:cNvSpPr txBox="1">
+            <a:spLocks noGrp="1"/>
+          </p:cNvSpPr>
           <p:nvPr>
-            <p:ph idx="1" type="body"/>
+            <p:ph type="body" idx="1"/>
           </p:nvPr>
         </p:nvSpPr>
         <p:spPr>
@@ -3393,11 +3505,11 @@
           </a:prstGeom>
         </p:spPr>
         <p:txBody>
-          <a:bodyPr anchorCtr="0" anchor="t" bIns="91425" lIns="91425" spcFirstLastPara="1" rIns="91425" wrap="square" tIns="91425">
+          <a:bodyPr spcFirstLastPara="1" wrap="square" lIns="91425" tIns="91425" rIns="91425" bIns="91425" anchor="t" anchorCtr="0">
             <a:spAutoFit/>
           </a:bodyPr>
           <a:lstStyle>
-            <a:lvl1pPr indent="-317500" lvl="0" marL="457200">
+            <a:lvl1pPr marL="457200" lvl="0" indent="-317500">
               <a:spcBef>
                 <a:spcPts val="0"/>
               </a:spcBef>
@@ -3408,7 +3520,7 @@
               <a:buChar char="●"/>
               <a:defRPr sz="1400"/>
             </a:lvl1pPr>
-            <a:lvl2pPr indent="-304800" lvl="1" marL="914400">
+            <a:lvl2pPr marL="914400" lvl="1" indent="-304800">
               <a:spcBef>
                 <a:spcPts val="0"/>
               </a:spcBef>
@@ -3419,7 +3531,7 @@
               <a:buChar char="○"/>
               <a:defRPr sz="1200"/>
             </a:lvl2pPr>
-            <a:lvl3pPr indent="-304800" lvl="2" marL="1371600">
+            <a:lvl3pPr marL="1371600" lvl="2" indent="-304800">
               <a:spcBef>
                 <a:spcPts val="0"/>
               </a:spcBef>
@@ -3430,7 +3542,7 @@
               <a:buChar char="■"/>
               <a:defRPr sz="1200"/>
             </a:lvl3pPr>
-            <a:lvl4pPr indent="-304800" lvl="3" marL="1828800">
+            <a:lvl4pPr marL="1828800" lvl="3" indent="-304800">
               <a:spcBef>
                 <a:spcPts val="0"/>
               </a:spcBef>
@@ -3441,7 +3553,7 @@
               <a:buChar char="●"/>
               <a:defRPr sz="1200"/>
             </a:lvl4pPr>
-            <a:lvl5pPr indent="-304800" lvl="4" marL="2286000">
+            <a:lvl5pPr marL="2286000" lvl="4" indent="-304800">
               <a:spcBef>
                 <a:spcPts val="0"/>
               </a:spcBef>
@@ -3452,7 +3564,7 @@
               <a:buChar char="○"/>
               <a:defRPr sz="1200"/>
             </a:lvl5pPr>
-            <a:lvl6pPr indent="-304800" lvl="5" marL="2743200">
+            <a:lvl6pPr marL="2743200" lvl="5" indent="-304800">
               <a:spcBef>
                 <a:spcPts val="0"/>
               </a:spcBef>
@@ -3463,7 +3575,7 @@
               <a:buChar char="■"/>
               <a:defRPr sz="1200"/>
             </a:lvl6pPr>
-            <a:lvl7pPr indent="-304800" lvl="6" marL="3200400">
+            <a:lvl7pPr marL="3200400" lvl="6" indent="-304800">
               <a:spcBef>
                 <a:spcPts val="0"/>
               </a:spcBef>
@@ -3474,7 +3586,7 @@
               <a:buChar char="●"/>
               <a:defRPr sz="1200"/>
             </a:lvl7pPr>
-            <a:lvl8pPr indent="-304800" lvl="7" marL="3657600">
+            <a:lvl8pPr marL="3657600" lvl="7" indent="-304800">
               <a:spcBef>
                 <a:spcPts val="0"/>
               </a:spcBef>
@@ -3485,7 +3597,7 @@
               <a:buChar char="○"/>
               <a:defRPr sz="1200"/>
             </a:lvl8pPr>
-            <a:lvl9pPr indent="-304800" lvl="8" marL="4114800">
+            <a:lvl9pPr marL="4114800" lvl="8" indent="-304800">
               <a:spcBef>
                 <a:spcPts val="0"/>
               </a:spcBef>
@@ -3497,15 +3609,19 @@
               <a:defRPr sz="1200"/>
             </a:lvl9pPr>
           </a:lstStyle>
-          <a:p/>
+          <a:p>
+            <a:endParaRPr/>
+          </a:p>
         </p:txBody>
       </p:sp>
       <p:sp>
         <p:nvSpPr>
           <p:cNvPr id="24" name="Google Shape;24;p5"/>
-          <p:cNvSpPr txBox="1"/>
+          <p:cNvSpPr txBox="1">
+            <a:spLocks noGrp="1"/>
+          </p:cNvSpPr>
           <p:nvPr>
-            <p:ph idx="2" type="body"/>
+            <p:ph type="body" idx="2"/>
           </p:nvPr>
         </p:nvSpPr>
         <p:spPr>
@@ -3518,11 +3634,11 @@
           </a:prstGeom>
         </p:spPr>
         <p:txBody>
-          <a:bodyPr anchorCtr="0" anchor="t" bIns="91425" lIns="91425" spcFirstLastPara="1" rIns="91425" wrap="square" tIns="91425">
+          <a:bodyPr spcFirstLastPara="1" wrap="square" lIns="91425" tIns="91425" rIns="91425" bIns="91425" anchor="t" anchorCtr="0">
             <a:spAutoFit/>
           </a:bodyPr>
           <a:lstStyle>
-            <a:lvl1pPr indent="-317500" lvl="0" marL="457200">
+            <a:lvl1pPr marL="457200" lvl="0" indent="-317500">
               <a:spcBef>
                 <a:spcPts val="0"/>
               </a:spcBef>
@@ -3533,7 +3649,7 @@
               <a:buChar char="●"/>
               <a:defRPr sz="1400"/>
             </a:lvl1pPr>
-            <a:lvl2pPr indent="-304800" lvl="1" marL="914400">
+            <a:lvl2pPr marL="914400" lvl="1" indent="-304800">
               <a:spcBef>
                 <a:spcPts val="0"/>
               </a:spcBef>
@@ -3544,7 +3660,7 @@
               <a:buChar char="○"/>
               <a:defRPr sz="1200"/>
             </a:lvl2pPr>
-            <a:lvl3pPr indent="-304800" lvl="2" marL="1371600">
+            <a:lvl3pPr marL="1371600" lvl="2" indent="-304800">
               <a:spcBef>
                 <a:spcPts val="0"/>
               </a:spcBef>
@@ -3555,7 +3671,7 @@
               <a:buChar char="■"/>
               <a:defRPr sz="1200"/>
             </a:lvl3pPr>
-            <a:lvl4pPr indent="-304800" lvl="3" marL="1828800">
+            <a:lvl4pPr marL="1828800" lvl="3" indent="-304800">
               <a:spcBef>
                 <a:spcPts val="0"/>
               </a:spcBef>
@@ -3566,7 +3682,7 @@
               <a:buChar char="●"/>
               <a:defRPr sz="1200"/>
             </a:lvl4pPr>
-            <a:lvl5pPr indent="-304800" lvl="4" marL="2286000">
+            <a:lvl5pPr marL="2286000" lvl="4" indent="-304800">
               <a:spcBef>
                 <a:spcPts val="0"/>
               </a:spcBef>
@@ -3577,7 +3693,7 @@
               <a:buChar char="○"/>
               <a:defRPr sz="1200"/>
             </a:lvl5pPr>
-            <a:lvl6pPr indent="-304800" lvl="5" marL="2743200">
+            <a:lvl6pPr marL="2743200" lvl="5" indent="-304800">
               <a:spcBef>
                 <a:spcPts val="0"/>
               </a:spcBef>
@@ -3588,7 +3704,7 @@
               <a:buChar char="■"/>
               <a:defRPr sz="1200"/>
             </a:lvl6pPr>
-            <a:lvl7pPr indent="-304800" lvl="6" marL="3200400">
+            <a:lvl7pPr marL="3200400" lvl="6" indent="-304800">
               <a:spcBef>
                 <a:spcPts val="0"/>
               </a:spcBef>
@@ -3599,7 +3715,7 @@
               <a:buChar char="●"/>
               <a:defRPr sz="1200"/>
             </a:lvl7pPr>
-            <a:lvl8pPr indent="-304800" lvl="7" marL="3657600">
+            <a:lvl8pPr marL="3657600" lvl="7" indent="-304800">
               <a:spcBef>
                 <a:spcPts val="0"/>
               </a:spcBef>
@@ -3610,7 +3726,7 @@
               <a:buChar char="○"/>
               <a:defRPr sz="1200"/>
             </a:lvl8pPr>
-            <a:lvl9pPr indent="-304800" lvl="8" marL="4114800">
+            <a:lvl9pPr marL="4114800" lvl="8" indent="-304800">
               <a:spcBef>
                 <a:spcPts val="0"/>
               </a:spcBef>
@@ -3622,15 +3738,19 @@
               <a:defRPr sz="1200"/>
             </a:lvl9pPr>
           </a:lstStyle>
-          <a:p/>
+          <a:p>
+            <a:endParaRPr/>
+          </a:p>
         </p:txBody>
       </p:sp>
       <p:sp>
         <p:nvSpPr>
           <p:cNvPr id="25" name="Google Shape;25;p5"/>
-          <p:cNvSpPr txBox="1"/>
+          <p:cNvSpPr txBox="1">
+            <a:spLocks noGrp="1"/>
+          </p:cNvSpPr>
           <p:nvPr>
-            <p:ph idx="12" type="sldNum"/>
+            <p:ph type="sldNum" idx="12"/>
           </p:nvPr>
         </p:nvSpPr>
         <p:spPr>
@@ -3643,7 +3763,7 @@
           </a:prstGeom>
         </p:spPr>
         <p:txBody>
-          <a:bodyPr anchorCtr="0" anchor="ctr" bIns="91425" lIns="91425" spcFirstLastPara="1" rIns="91425" wrap="square" tIns="91425">
+          <a:bodyPr spcFirstLastPara="1" wrap="square" lIns="91425" tIns="91425" rIns="91425" bIns="91425" anchor="ctr" anchorCtr="0">
             <a:spAutoFit/>
           </a:bodyPr>
           <a:lstStyle>
@@ -3685,7 +3805,7 @@
             </a:lvl9pPr>
           </a:lstStyle>
           <a:p>
-            <a:pPr indent="0" lvl="0" marL="0" rtl="0" algn="r">
+            <a:pPr marL="0" lvl="0" indent="0" algn="r" rtl="0">
               <a:spcBef>
                 <a:spcPts val="0"/>
               </a:spcBef>
@@ -3711,11 +3831,11 @@
 </file>
 
 <file path=ppt/slideLayouts/slideLayout5.xml><?xml version="1.0" encoding="utf-8"?>
-<p:sldLayout xmlns:a="http://schemas.openxmlformats.org/drawingml/2006/main" xmlns:r="http://schemas.openxmlformats.org/officeDocument/2006/relationships" xmlns:mc="http://schemas.openxmlformats.org/markup-compatibility/2006" xmlns:mv="urn:schemas-microsoft-com:mac:vml" xmlns:p="http://schemas.openxmlformats.org/presentationml/2006/main" xmlns:c="http://schemas.openxmlformats.org/drawingml/2006/chart" xmlns:dgm="http://schemas.openxmlformats.org/drawingml/2006/diagram" xmlns:o="urn:schemas-microsoft-com:office:office" xmlns:v="urn:schemas-microsoft-com:vml" xmlns:pvml="urn:schemas-microsoft-com:office:powerpoint" xmlns:com="http://schemas.openxmlformats.org/drawingml/2006/compatibility" xmlns:p14="http://schemas.microsoft.com/office/powerpoint/2010/main" xmlns:p15="http://schemas.microsoft.com/office/powerpoint/2012/main" xmlns:ahyp="http://schemas.microsoft.com/office/drawing/2018/hyperlinkcolor" matchingName="Title only" type="titleOnly">
+<p:sldLayout xmlns:a="http://schemas.openxmlformats.org/drawingml/2006/main" xmlns:r="http://schemas.openxmlformats.org/officeDocument/2006/relationships" xmlns:p="http://schemas.openxmlformats.org/presentationml/2006/main" matchingName="Title only" type="titleOnly">
   <p:cSld name="TITLE_ONLY">
     <p:spTree>
       <p:nvGrpSpPr>
-        <p:cNvPr id="26" name="Shape 26"/>
+        <p:cNvPr id="1" name="Shape 26"/>
         <p:cNvGrpSpPr/>
         <p:nvPr/>
       </p:nvGrpSpPr>
@@ -3730,7 +3850,9 @@
       <p:sp>
         <p:nvSpPr>
           <p:cNvPr id="27" name="Google Shape;27;p6"/>
-          <p:cNvSpPr txBox="1"/>
+          <p:cNvSpPr txBox="1">
+            <a:spLocks noGrp="1"/>
+          </p:cNvSpPr>
           <p:nvPr>
             <p:ph type="title"/>
           </p:nvPr>
@@ -3745,7 +3867,7 @@
           </a:prstGeom>
         </p:spPr>
         <p:txBody>
-          <a:bodyPr anchorCtr="0" anchor="t" bIns="91425" lIns="91425" spcFirstLastPara="1" rIns="91425" wrap="square" tIns="91425">
+          <a:bodyPr spcFirstLastPara="1" wrap="square" lIns="91425" tIns="91425" rIns="91425" bIns="91425" anchor="t" anchorCtr="0">
             <a:spAutoFit/>
           </a:bodyPr>
           <a:lstStyle>
@@ -3849,15 +3971,19 @@
               <a:defRPr/>
             </a:lvl9pPr>
           </a:lstStyle>
-          <a:p/>
+          <a:p>
+            <a:endParaRPr/>
+          </a:p>
         </p:txBody>
       </p:sp>
       <p:sp>
         <p:nvSpPr>
           <p:cNvPr id="28" name="Google Shape;28;p6"/>
-          <p:cNvSpPr txBox="1"/>
+          <p:cNvSpPr txBox="1">
+            <a:spLocks noGrp="1"/>
+          </p:cNvSpPr>
           <p:nvPr>
-            <p:ph idx="12" type="sldNum"/>
+            <p:ph type="sldNum" idx="12"/>
           </p:nvPr>
         </p:nvSpPr>
         <p:spPr>
@@ -3870,7 +3996,7 @@
           </a:prstGeom>
         </p:spPr>
         <p:txBody>
-          <a:bodyPr anchorCtr="0" anchor="ctr" bIns="91425" lIns="91425" spcFirstLastPara="1" rIns="91425" wrap="square" tIns="91425">
+          <a:bodyPr spcFirstLastPara="1" wrap="square" lIns="91425" tIns="91425" rIns="91425" bIns="91425" anchor="ctr" anchorCtr="0">
             <a:spAutoFit/>
           </a:bodyPr>
           <a:lstStyle>
@@ -3912,7 +4038,7 @@
             </a:lvl9pPr>
           </a:lstStyle>
           <a:p>
-            <a:pPr indent="0" lvl="0" marL="0" rtl="0" algn="r">
+            <a:pPr marL="0" lvl="0" indent="0" algn="r" rtl="0">
               <a:spcBef>
                 <a:spcPts val="0"/>
               </a:spcBef>
@@ -3938,11 +4064,11 @@
 </file>
 
 <file path=ppt/slideLayouts/slideLayout6.xml><?xml version="1.0" encoding="utf-8"?>
-<p:sldLayout xmlns:a="http://schemas.openxmlformats.org/drawingml/2006/main" xmlns:r="http://schemas.openxmlformats.org/officeDocument/2006/relationships" xmlns:mc="http://schemas.openxmlformats.org/markup-compatibility/2006" xmlns:mv="urn:schemas-microsoft-com:mac:vml" xmlns:p="http://schemas.openxmlformats.org/presentationml/2006/main" xmlns:c="http://schemas.openxmlformats.org/drawingml/2006/chart" xmlns:dgm="http://schemas.openxmlformats.org/drawingml/2006/diagram" xmlns:o="urn:schemas-microsoft-com:office:office" xmlns:v="urn:schemas-microsoft-com:vml" xmlns:pvml="urn:schemas-microsoft-com:office:powerpoint" xmlns:com="http://schemas.openxmlformats.org/drawingml/2006/compatibility" xmlns:p14="http://schemas.microsoft.com/office/powerpoint/2010/main" xmlns:p15="http://schemas.microsoft.com/office/powerpoint/2012/main" xmlns:ahyp="http://schemas.microsoft.com/office/drawing/2018/hyperlinkcolor" matchingName="One column text">
+<p:sldLayout xmlns:a="http://schemas.openxmlformats.org/drawingml/2006/main" xmlns:r="http://schemas.openxmlformats.org/officeDocument/2006/relationships" xmlns:p="http://schemas.openxmlformats.org/presentationml/2006/main" matchingName="One column text">
   <p:cSld name="ONE_COLUMN_TEXT">
     <p:spTree>
       <p:nvGrpSpPr>
-        <p:cNvPr id="29" name="Shape 29"/>
+        <p:cNvPr id="1" name="Shape 29"/>
         <p:cNvGrpSpPr/>
         <p:nvPr/>
       </p:nvGrpSpPr>
@@ -3957,7 +4083,9 @@
       <p:sp>
         <p:nvSpPr>
           <p:cNvPr id="30" name="Google Shape;30;p7"/>
-          <p:cNvSpPr txBox="1"/>
+          <p:cNvSpPr txBox="1">
+            <a:spLocks noGrp="1"/>
+          </p:cNvSpPr>
           <p:nvPr>
             <p:ph type="title"/>
           </p:nvPr>
@@ -3972,7 +4100,7 @@
           </a:prstGeom>
         </p:spPr>
         <p:txBody>
-          <a:bodyPr anchorCtr="0" anchor="b" bIns="91425" lIns="91425" spcFirstLastPara="1" rIns="91425" wrap="square" tIns="91425">
+          <a:bodyPr spcFirstLastPara="1" wrap="square" lIns="91425" tIns="91425" rIns="91425" bIns="91425" anchor="b" anchorCtr="0">
             <a:spAutoFit/>
           </a:bodyPr>
           <a:lstStyle>
@@ -4076,15 +4204,19 @@
               <a:defRPr sz="2400"/>
             </a:lvl9pPr>
           </a:lstStyle>
-          <a:p/>
+          <a:p>
+            <a:endParaRPr/>
+          </a:p>
         </p:txBody>
       </p:sp>
       <p:sp>
         <p:nvSpPr>
           <p:cNvPr id="31" name="Google Shape;31;p7"/>
-          <p:cNvSpPr txBox="1"/>
+          <p:cNvSpPr txBox="1">
+            <a:spLocks noGrp="1"/>
+          </p:cNvSpPr>
           <p:nvPr>
-            <p:ph idx="1" type="body"/>
+            <p:ph type="body" idx="1"/>
           </p:nvPr>
         </p:nvSpPr>
         <p:spPr>
@@ -4097,11 +4229,11 @@
           </a:prstGeom>
         </p:spPr>
         <p:txBody>
-          <a:bodyPr anchorCtr="0" anchor="t" bIns="91425" lIns="91425" spcFirstLastPara="1" rIns="91425" wrap="square" tIns="91425">
+          <a:bodyPr spcFirstLastPara="1" wrap="square" lIns="91425" tIns="91425" rIns="91425" bIns="91425" anchor="t" anchorCtr="0">
             <a:spAutoFit/>
           </a:bodyPr>
           <a:lstStyle>
-            <a:lvl1pPr indent="-304800" lvl="0" marL="457200">
+            <a:lvl1pPr marL="457200" lvl="0" indent="-304800">
               <a:spcBef>
                 <a:spcPts val="0"/>
               </a:spcBef>
@@ -4112,7 +4244,7 @@
               <a:buChar char="●"/>
               <a:defRPr sz="1200"/>
             </a:lvl1pPr>
-            <a:lvl2pPr indent="-304800" lvl="1" marL="914400">
+            <a:lvl2pPr marL="914400" lvl="1" indent="-304800">
               <a:spcBef>
                 <a:spcPts val="0"/>
               </a:spcBef>
@@ -4123,7 +4255,7 @@
               <a:buChar char="○"/>
               <a:defRPr sz="1200"/>
             </a:lvl2pPr>
-            <a:lvl3pPr indent="-304800" lvl="2" marL="1371600">
+            <a:lvl3pPr marL="1371600" lvl="2" indent="-304800">
               <a:spcBef>
                 <a:spcPts val="0"/>
               </a:spcBef>
@@ -4134,7 +4266,7 @@
               <a:buChar char="■"/>
               <a:defRPr sz="1200"/>
             </a:lvl3pPr>
-            <a:lvl4pPr indent="-304800" lvl="3" marL="1828800">
+            <a:lvl4pPr marL="1828800" lvl="3" indent="-304800">
               <a:spcBef>
                 <a:spcPts val="0"/>
               </a:spcBef>
@@ -4145,7 +4277,7 @@
               <a:buChar char="●"/>
               <a:defRPr sz="1200"/>
             </a:lvl4pPr>
-            <a:lvl5pPr indent="-304800" lvl="4" marL="2286000">
+            <a:lvl5pPr marL="2286000" lvl="4" indent="-304800">
               <a:spcBef>
                 <a:spcPts val="0"/>
               </a:spcBef>
@@ -4156,7 +4288,7 @@
               <a:buChar char="○"/>
               <a:defRPr sz="1200"/>
             </a:lvl5pPr>
-            <a:lvl6pPr indent="-304800" lvl="5" marL="2743200">
+            <a:lvl6pPr marL="2743200" lvl="5" indent="-304800">
               <a:spcBef>
                 <a:spcPts val="0"/>
               </a:spcBef>
@@ -4167,7 +4299,7 @@
               <a:buChar char="■"/>
               <a:defRPr sz="1200"/>
             </a:lvl6pPr>
-            <a:lvl7pPr indent="-304800" lvl="6" marL="3200400">
+            <a:lvl7pPr marL="3200400" lvl="6" indent="-304800">
               <a:spcBef>
                 <a:spcPts val="0"/>
               </a:spcBef>
@@ -4178,7 +4310,7 @@
               <a:buChar char="●"/>
               <a:defRPr sz="1200"/>
             </a:lvl7pPr>
-            <a:lvl8pPr indent="-304800" lvl="7" marL="3657600">
+            <a:lvl8pPr marL="3657600" lvl="7" indent="-304800">
               <a:spcBef>
                 <a:spcPts val="0"/>
               </a:spcBef>
@@ -4189,7 +4321,7 @@
               <a:buChar char="○"/>
               <a:defRPr sz="1200"/>
             </a:lvl8pPr>
-            <a:lvl9pPr indent="-304800" lvl="8" marL="4114800">
+            <a:lvl9pPr marL="4114800" lvl="8" indent="-304800">
               <a:spcBef>
                 <a:spcPts val="0"/>
               </a:spcBef>
@@ -4201,15 +4333,19 @@
               <a:defRPr sz="1200"/>
             </a:lvl9pPr>
           </a:lstStyle>
-          <a:p/>
+          <a:p>
+            <a:endParaRPr/>
+          </a:p>
         </p:txBody>
       </p:sp>
       <p:sp>
         <p:nvSpPr>
           <p:cNvPr id="32" name="Google Shape;32;p7"/>
-          <p:cNvSpPr txBox="1"/>
+          <p:cNvSpPr txBox="1">
+            <a:spLocks noGrp="1"/>
+          </p:cNvSpPr>
           <p:nvPr>
-            <p:ph idx="12" type="sldNum"/>
+            <p:ph type="sldNum" idx="12"/>
           </p:nvPr>
         </p:nvSpPr>
         <p:spPr>
@@ -4222,7 +4358,7 @@
           </a:prstGeom>
         </p:spPr>
         <p:txBody>
-          <a:bodyPr anchorCtr="0" anchor="ctr" bIns="91425" lIns="91425" spcFirstLastPara="1" rIns="91425" wrap="square" tIns="91425">
+          <a:bodyPr spcFirstLastPara="1" wrap="square" lIns="91425" tIns="91425" rIns="91425" bIns="91425" anchor="ctr" anchorCtr="0">
             <a:spAutoFit/>
           </a:bodyPr>
           <a:lstStyle>
@@ -4264,7 +4400,7 @@
             </a:lvl9pPr>
           </a:lstStyle>
           <a:p>
-            <a:pPr indent="0" lvl="0" marL="0" rtl="0" algn="r">
+            <a:pPr marL="0" lvl="0" indent="0" algn="r" rtl="0">
               <a:spcBef>
                 <a:spcPts val="0"/>
               </a:spcBef>
@@ -4290,11 +4426,11 @@
 </file>
 
 <file path=ppt/slideLayouts/slideLayout7.xml><?xml version="1.0" encoding="utf-8"?>
-<p:sldLayout xmlns:a="http://schemas.openxmlformats.org/drawingml/2006/main" xmlns:r="http://schemas.openxmlformats.org/officeDocument/2006/relationships" xmlns:mc="http://schemas.openxmlformats.org/markup-compatibility/2006" xmlns:mv="urn:schemas-microsoft-com:mac:vml" xmlns:p="http://schemas.openxmlformats.org/presentationml/2006/main" xmlns:c="http://schemas.openxmlformats.org/drawingml/2006/chart" xmlns:dgm="http://schemas.openxmlformats.org/drawingml/2006/diagram" xmlns:o="urn:schemas-microsoft-com:office:office" xmlns:v="urn:schemas-microsoft-com:vml" xmlns:pvml="urn:schemas-microsoft-com:office:powerpoint" xmlns:com="http://schemas.openxmlformats.org/drawingml/2006/compatibility" xmlns:p14="http://schemas.microsoft.com/office/powerpoint/2010/main" xmlns:p15="http://schemas.microsoft.com/office/powerpoint/2012/main" xmlns:ahyp="http://schemas.microsoft.com/office/drawing/2018/hyperlinkcolor" matchingName="Main point">
+<p:sldLayout xmlns:a="http://schemas.openxmlformats.org/drawingml/2006/main" xmlns:r="http://schemas.openxmlformats.org/officeDocument/2006/relationships" xmlns:p="http://schemas.openxmlformats.org/presentationml/2006/main" matchingName="Main point">
   <p:cSld name="MAIN_POINT">
     <p:spTree>
       <p:nvGrpSpPr>
-        <p:cNvPr id="33" name="Shape 33"/>
+        <p:cNvPr id="1" name="Shape 33"/>
         <p:cNvGrpSpPr/>
         <p:nvPr/>
       </p:nvGrpSpPr>
@@ -4309,7 +4445,9 @@
       <p:sp>
         <p:nvSpPr>
           <p:cNvPr id="34" name="Google Shape;34;p8"/>
-          <p:cNvSpPr txBox="1"/>
+          <p:cNvSpPr txBox="1">
+            <a:spLocks noGrp="1"/>
+          </p:cNvSpPr>
           <p:nvPr>
             <p:ph type="title"/>
           </p:nvPr>
@@ -4324,7 +4462,7 @@
           </a:prstGeom>
         </p:spPr>
         <p:txBody>
-          <a:bodyPr anchorCtr="0" anchor="ctr" bIns="91425" lIns="91425" spcFirstLastPara="1" rIns="91425" wrap="square" tIns="91425">
+          <a:bodyPr spcFirstLastPara="1" wrap="square" lIns="91425" tIns="91425" rIns="91425" bIns="91425" anchor="ctr" anchorCtr="0">
             <a:spAutoFit/>
           </a:bodyPr>
           <a:lstStyle>
@@ -4428,15 +4566,19 @@
               <a:defRPr sz="4800"/>
             </a:lvl9pPr>
           </a:lstStyle>
-          <a:p/>
+          <a:p>
+            <a:endParaRPr/>
+          </a:p>
         </p:txBody>
       </p:sp>
       <p:sp>
         <p:nvSpPr>
           <p:cNvPr id="35" name="Google Shape;35;p8"/>
-          <p:cNvSpPr txBox="1"/>
+          <p:cNvSpPr txBox="1">
+            <a:spLocks noGrp="1"/>
+          </p:cNvSpPr>
           <p:nvPr>
-            <p:ph idx="12" type="sldNum"/>
+            <p:ph type="sldNum" idx="12"/>
           </p:nvPr>
         </p:nvSpPr>
         <p:spPr>
@@ -4449,7 +4591,7 @@
           </a:prstGeom>
         </p:spPr>
         <p:txBody>
-          <a:bodyPr anchorCtr="0" anchor="ctr" bIns="91425" lIns="91425" spcFirstLastPara="1" rIns="91425" wrap="square" tIns="91425">
+          <a:bodyPr spcFirstLastPara="1" wrap="square" lIns="91425" tIns="91425" rIns="91425" bIns="91425" anchor="ctr" anchorCtr="0">
             <a:spAutoFit/>
           </a:bodyPr>
           <a:lstStyle>
@@ -4491,7 +4633,7 @@
             </a:lvl9pPr>
           </a:lstStyle>
           <a:p>
-            <a:pPr indent="0" lvl="0" marL="0" rtl="0" algn="r">
+            <a:pPr marL="0" lvl="0" indent="0" algn="r" rtl="0">
               <a:spcBef>
                 <a:spcPts val="0"/>
               </a:spcBef>
@@ -4517,11 +4659,11 @@
 </file>
 
 <file path=ppt/slideLayouts/slideLayout8.xml><?xml version="1.0" encoding="utf-8"?>
-<p:sldLayout xmlns:a="http://schemas.openxmlformats.org/drawingml/2006/main" xmlns:r="http://schemas.openxmlformats.org/officeDocument/2006/relationships" xmlns:mc="http://schemas.openxmlformats.org/markup-compatibility/2006" xmlns:mv="urn:schemas-microsoft-com:mac:vml" xmlns:p="http://schemas.openxmlformats.org/presentationml/2006/main" xmlns:c="http://schemas.openxmlformats.org/drawingml/2006/chart" xmlns:dgm="http://schemas.openxmlformats.org/drawingml/2006/diagram" xmlns:o="urn:schemas-microsoft-com:office:office" xmlns:v="urn:schemas-microsoft-com:vml" xmlns:pvml="urn:schemas-microsoft-com:office:powerpoint" xmlns:com="http://schemas.openxmlformats.org/drawingml/2006/compatibility" xmlns:p14="http://schemas.microsoft.com/office/powerpoint/2010/main" xmlns:p15="http://schemas.microsoft.com/office/powerpoint/2012/main" xmlns:ahyp="http://schemas.microsoft.com/office/drawing/2018/hyperlinkcolor" matchingName="Section title and description">
+<p:sldLayout xmlns:a="http://schemas.openxmlformats.org/drawingml/2006/main" xmlns:r="http://schemas.openxmlformats.org/officeDocument/2006/relationships" xmlns:p="http://schemas.openxmlformats.org/presentationml/2006/main" matchingName="Section title and description">
   <p:cSld name="SECTION_TITLE_AND_DESCRIPTION">
     <p:spTree>
       <p:nvGrpSpPr>
-        <p:cNvPr id="36" name="Shape 36"/>
+        <p:cNvPr id="1" name="Shape 36"/>
         <p:cNvGrpSpPr/>
         <p:nvPr/>
       </p:nvGrpSpPr>
@@ -4555,12 +4697,12 @@
           </a:ln>
         </p:spPr>
         <p:txBody>
-          <a:bodyPr anchorCtr="0" anchor="ctr" bIns="91425" lIns="91425" spcFirstLastPara="1" rIns="91425" wrap="square" tIns="91425">
+          <a:bodyPr spcFirstLastPara="1" wrap="square" lIns="91425" tIns="91425" rIns="91425" bIns="91425" anchor="ctr" anchorCtr="0">
             <a:noAutofit/>
           </a:bodyPr>
           <a:lstStyle/>
           <a:p>
-            <a:pPr indent="0" lvl="0" marL="0" rtl="0" algn="l">
+            <a:pPr marL="0" lvl="0" indent="0" algn="l" rtl="0">
               <a:spcBef>
                 <a:spcPts val="0"/>
               </a:spcBef>
@@ -4569,9 +4711,6 @@
               </a:spcAft>
               <a:buNone/>
             </a:pPr>
-            <a:r>
-              <a:t/>
-            </a:r>
             <a:endParaRPr/>
           </a:p>
         </p:txBody>
@@ -4579,7 +4718,9 @@
       <p:sp>
         <p:nvSpPr>
           <p:cNvPr id="38" name="Google Shape;38;p9"/>
-          <p:cNvSpPr txBox="1"/>
+          <p:cNvSpPr txBox="1">
+            <a:spLocks noGrp="1"/>
+          </p:cNvSpPr>
           <p:nvPr>
             <p:ph type="title"/>
           </p:nvPr>
@@ -4594,7 +4735,7 @@
           </a:prstGeom>
         </p:spPr>
         <p:txBody>
-          <a:bodyPr anchorCtr="0" anchor="b" bIns="91425" lIns="91425" spcFirstLastPara="1" rIns="91425" wrap="square" tIns="91425">
+          <a:bodyPr spcFirstLastPara="1" wrap="square" lIns="91425" tIns="91425" rIns="91425" bIns="91425" anchor="b" anchorCtr="0">
             <a:spAutoFit/>
           </a:bodyPr>
           <a:lstStyle>
@@ -4698,15 +4839,19 @@
               <a:defRPr sz="4200"/>
             </a:lvl9pPr>
           </a:lstStyle>
-          <a:p/>
+          <a:p>
+            <a:endParaRPr/>
+          </a:p>
         </p:txBody>
       </p:sp>
       <p:sp>
         <p:nvSpPr>
           <p:cNvPr id="39" name="Google Shape;39;p9"/>
-          <p:cNvSpPr txBox="1"/>
+          <p:cNvSpPr txBox="1">
+            <a:spLocks noGrp="1"/>
+          </p:cNvSpPr>
           <p:nvPr>
-            <p:ph idx="1" type="subTitle"/>
+            <p:ph type="subTitle" idx="1"/>
           </p:nvPr>
         </p:nvSpPr>
         <p:spPr>
@@ -4719,7 +4864,7 @@
           </a:prstGeom>
         </p:spPr>
         <p:txBody>
-          <a:bodyPr anchorCtr="0" anchor="t" bIns="91425" lIns="91425" spcFirstLastPara="1" rIns="91425" wrap="square" tIns="91425">
+          <a:bodyPr spcFirstLastPara="1" wrap="square" lIns="91425" tIns="91425" rIns="91425" bIns="91425" anchor="t" anchorCtr="0">
             <a:spAutoFit/>
           </a:bodyPr>
           <a:lstStyle>
@@ -4850,15 +4995,19 @@
               <a:defRPr sz="2100"/>
             </a:lvl9pPr>
           </a:lstStyle>
-          <a:p/>
+          <a:p>
+            <a:endParaRPr/>
+          </a:p>
         </p:txBody>
       </p:sp>
       <p:sp>
         <p:nvSpPr>
           <p:cNvPr id="40" name="Google Shape;40;p9"/>
-          <p:cNvSpPr txBox="1"/>
+          <p:cNvSpPr txBox="1">
+            <a:spLocks noGrp="1"/>
+          </p:cNvSpPr>
           <p:nvPr>
-            <p:ph idx="2" type="body"/>
+            <p:ph type="body" idx="2"/>
           </p:nvPr>
         </p:nvSpPr>
         <p:spPr>
@@ -4871,11 +5020,11 @@
           </a:prstGeom>
         </p:spPr>
         <p:txBody>
-          <a:bodyPr anchorCtr="0" anchor="ctr" bIns="91425" lIns="91425" spcFirstLastPara="1" rIns="91425" wrap="square" tIns="91425">
+          <a:bodyPr spcFirstLastPara="1" wrap="square" lIns="91425" tIns="91425" rIns="91425" bIns="91425" anchor="ctr" anchorCtr="0">
             <a:spAutoFit/>
           </a:bodyPr>
           <a:lstStyle>
-            <a:lvl1pPr indent="-342900" lvl="0" marL="457200">
+            <a:lvl1pPr marL="457200" lvl="0" indent="-342900">
               <a:spcBef>
                 <a:spcPts val="0"/>
               </a:spcBef>
@@ -4886,7 +5035,7 @@
               <a:buChar char="●"/>
               <a:defRPr/>
             </a:lvl1pPr>
-            <a:lvl2pPr indent="-317500" lvl="1" marL="914400">
+            <a:lvl2pPr marL="914400" lvl="1" indent="-317500">
               <a:spcBef>
                 <a:spcPts val="0"/>
               </a:spcBef>
@@ -4897,7 +5046,7 @@
               <a:buChar char="○"/>
               <a:defRPr/>
             </a:lvl2pPr>
-            <a:lvl3pPr indent="-317500" lvl="2" marL="1371600">
+            <a:lvl3pPr marL="1371600" lvl="2" indent="-317500">
               <a:spcBef>
                 <a:spcPts val="0"/>
               </a:spcBef>
@@ -4908,7 +5057,7 @@
               <a:buChar char="■"/>
               <a:defRPr/>
             </a:lvl3pPr>
-            <a:lvl4pPr indent="-317500" lvl="3" marL="1828800">
+            <a:lvl4pPr marL="1828800" lvl="3" indent="-317500">
               <a:spcBef>
                 <a:spcPts val="0"/>
               </a:spcBef>
@@ -4919,7 +5068,7 @@
               <a:buChar char="●"/>
               <a:defRPr/>
             </a:lvl4pPr>
-            <a:lvl5pPr indent="-317500" lvl="4" marL="2286000">
+            <a:lvl5pPr marL="2286000" lvl="4" indent="-317500">
               <a:spcBef>
                 <a:spcPts val="0"/>
               </a:spcBef>
@@ -4930,7 +5079,7 @@
               <a:buChar char="○"/>
               <a:defRPr/>
             </a:lvl5pPr>
-            <a:lvl6pPr indent="-317500" lvl="5" marL="2743200">
+            <a:lvl6pPr marL="2743200" lvl="5" indent="-317500">
               <a:spcBef>
                 <a:spcPts val="0"/>
               </a:spcBef>
@@ -4941,7 +5090,7 @@
               <a:buChar char="■"/>
               <a:defRPr/>
             </a:lvl6pPr>
-            <a:lvl7pPr indent="-317500" lvl="6" marL="3200400">
+            <a:lvl7pPr marL="3200400" lvl="6" indent="-317500">
               <a:spcBef>
                 <a:spcPts val="0"/>
               </a:spcBef>
@@ -4952,7 +5101,7 @@
               <a:buChar char="●"/>
               <a:defRPr/>
             </a:lvl7pPr>
-            <a:lvl8pPr indent="-317500" lvl="7" marL="3657600">
+            <a:lvl8pPr marL="3657600" lvl="7" indent="-317500">
               <a:spcBef>
                 <a:spcPts val="0"/>
               </a:spcBef>
@@ -4963,7 +5112,7 @@
               <a:buChar char="○"/>
               <a:defRPr/>
             </a:lvl8pPr>
-            <a:lvl9pPr indent="-317500" lvl="8" marL="4114800">
+            <a:lvl9pPr marL="4114800" lvl="8" indent="-317500">
               <a:spcBef>
                 <a:spcPts val="0"/>
               </a:spcBef>
@@ -4975,15 +5124,19 @@
               <a:defRPr/>
             </a:lvl9pPr>
           </a:lstStyle>
-          <a:p/>
+          <a:p>
+            <a:endParaRPr/>
+          </a:p>
         </p:txBody>
       </p:sp>
       <p:sp>
         <p:nvSpPr>
           <p:cNvPr id="41" name="Google Shape;41;p9"/>
-          <p:cNvSpPr txBox="1"/>
+          <p:cNvSpPr txBox="1">
+            <a:spLocks noGrp="1"/>
+          </p:cNvSpPr>
           <p:nvPr>
-            <p:ph idx="12" type="sldNum"/>
+            <p:ph type="sldNum" idx="12"/>
           </p:nvPr>
         </p:nvSpPr>
         <p:spPr>
@@ -4996,7 +5149,7 @@
           </a:prstGeom>
         </p:spPr>
         <p:txBody>
-          <a:bodyPr anchorCtr="0" anchor="ctr" bIns="91425" lIns="91425" spcFirstLastPara="1" rIns="91425" wrap="square" tIns="91425">
+          <a:bodyPr spcFirstLastPara="1" wrap="square" lIns="91425" tIns="91425" rIns="91425" bIns="91425" anchor="ctr" anchorCtr="0">
             <a:spAutoFit/>
           </a:bodyPr>
           <a:lstStyle>
@@ -5038,7 +5191,7 @@
             </a:lvl9pPr>
           </a:lstStyle>
           <a:p>
-            <a:pPr indent="0" lvl="0" marL="0" rtl="0" algn="r">
+            <a:pPr marL="0" lvl="0" indent="0" algn="r" rtl="0">
               <a:spcBef>
                 <a:spcPts val="0"/>
               </a:spcBef>
@@ -5064,11 +5217,11 @@
 </file>
 
 <file path=ppt/slideLayouts/slideLayout9.xml><?xml version="1.0" encoding="utf-8"?>
-<p:sldLayout xmlns:a="http://schemas.openxmlformats.org/drawingml/2006/main" xmlns:r="http://schemas.openxmlformats.org/officeDocument/2006/relationships" xmlns:mc="http://schemas.openxmlformats.org/markup-compatibility/2006" xmlns:mv="urn:schemas-microsoft-com:mac:vml" xmlns:p="http://schemas.openxmlformats.org/presentationml/2006/main" xmlns:c="http://schemas.openxmlformats.org/drawingml/2006/chart" xmlns:dgm="http://schemas.openxmlformats.org/drawingml/2006/diagram" xmlns:o="urn:schemas-microsoft-com:office:office" xmlns:v="urn:schemas-microsoft-com:vml" xmlns:pvml="urn:schemas-microsoft-com:office:powerpoint" xmlns:com="http://schemas.openxmlformats.org/drawingml/2006/compatibility" xmlns:p14="http://schemas.microsoft.com/office/powerpoint/2010/main" xmlns:p15="http://schemas.microsoft.com/office/powerpoint/2012/main" xmlns:ahyp="http://schemas.microsoft.com/office/drawing/2018/hyperlinkcolor" matchingName="Caption">
+<p:sldLayout xmlns:a="http://schemas.openxmlformats.org/drawingml/2006/main" xmlns:r="http://schemas.openxmlformats.org/officeDocument/2006/relationships" xmlns:p="http://schemas.openxmlformats.org/presentationml/2006/main" matchingName="Caption">
   <p:cSld name="CAPTION_ONLY">
     <p:spTree>
       <p:nvGrpSpPr>
-        <p:cNvPr id="42" name="Shape 42"/>
+        <p:cNvPr id="1" name="Shape 42"/>
         <p:cNvGrpSpPr/>
         <p:nvPr/>
       </p:nvGrpSpPr>
@@ -5083,9 +5236,11 @@
       <p:sp>
         <p:nvSpPr>
           <p:cNvPr id="43" name="Google Shape;43;p10"/>
-          <p:cNvSpPr txBox="1"/>
+          <p:cNvSpPr txBox="1">
+            <a:spLocks noGrp="1"/>
+          </p:cNvSpPr>
           <p:nvPr>
-            <p:ph idx="1" type="body"/>
+            <p:ph type="body" idx="1"/>
           </p:nvPr>
         </p:nvSpPr>
         <p:spPr>
@@ -5098,11 +5253,11 @@
           </a:prstGeom>
         </p:spPr>
         <p:txBody>
-          <a:bodyPr anchorCtr="0" anchor="ctr" bIns="91425" lIns="91425" spcFirstLastPara="1" rIns="91425" wrap="square" tIns="91425">
+          <a:bodyPr spcFirstLastPara="1" wrap="square" lIns="91425" tIns="91425" rIns="91425" bIns="91425" anchor="ctr" anchorCtr="0">
             <a:spAutoFit/>
           </a:bodyPr>
           <a:lstStyle>
-            <a:lvl1pPr indent="-228600" lvl="0" marL="457200">
+            <a:lvl1pPr marL="457200" lvl="0" indent="-228600">
               <a:lnSpc>
                 <a:spcPct val="100000"/>
               </a:lnSpc>
@@ -5117,15 +5272,19 @@
               <a:defRPr/>
             </a:lvl1pPr>
           </a:lstStyle>
-          <a:p/>
+          <a:p>
+            <a:endParaRPr/>
+          </a:p>
         </p:txBody>
       </p:sp>
       <p:sp>
         <p:nvSpPr>
           <p:cNvPr id="44" name="Google Shape;44;p10"/>
-          <p:cNvSpPr txBox="1"/>
+          <p:cNvSpPr txBox="1">
+            <a:spLocks noGrp="1"/>
+          </p:cNvSpPr>
           <p:nvPr>
-            <p:ph idx="12" type="sldNum"/>
+            <p:ph type="sldNum" idx="12"/>
           </p:nvPr>
         </p:nvSpPr>
         <p:spPr>
@@ -5138,7 +5297,7 @@
           </a:prstGeom>
         </p:spPr>
         <p:txBody>
-          <a:bodyPr anchorCtr="0" anchor="ctr" bIns="91425" lIns="91425" spcFirstLastPara="1" rIns="91425" wrap="square" tIns="91425">
+          <a:bodyPr spcFirstLastPara="1" wrap="square" lIns="91425" tIns="91425" rIns="91425" bIns="91425" anchor="ctr" anchorCtr="0">
             <a:spAutoFit/>
           </a:bodyPr>
           <a:lstStyle>
@@ -5180,7 +5339,7 @@
             </a:lvl9pPr>
           </a:lstStyle>
           <a:p>
-            <a:pPr indent="0" lvl="0" marL="0" rtl="0" algn="r">
+            <a:pPr marL="0" lvl="0" indent="0" algn="r" rtl="0">
               <a:spcBef>
                 <a:spcPts val="0"/>
               </a:spcBef>
@@ -5206,23 +5365,24 @@
 </file>
 
 <file path=ppt/slideMasters/slideMaster1.xml><?xml version="1.0" encoding="utf-8"?>
-<p:sldMaster xmlns:a="http://schemas.openxmlformats.org/drawingml/2006/main" xmlns:r="http://schemas.openxmlformats.org/officeDocument/2006/relationships" xmlns:mc="http://schemas.openxmlformats.org/markup-compatibility/2006" xmlns:mv="urn:schemas-microsoft-com:mac:vml" xmlns:p="http://schemas.openxmlformats.org/presentationml/2006/main" xmlns:c="http://schemas.openxmlformats.org/drawingml/2006/chart" xmlns:dgm="http://schemas.openxmlformats.org/drawingml/2006/diagram" xmlns:o="urn:schemas-microsoft-com:office:office" xmlns:v="urn:schemas-microsoft-com:vml" xmlns:pvml="urn:schemas-microsoft-com:office:powerpoint" xmlns:com="http://schemas.openxmlformats.org/drawingml/2006/compatibility" xmlns:p14="http://schemas.microsoft.com/office/powerpoint/2010/main" xmlns:p15="http://schemas.microsoft.com/office/powerpoint/2012/main" xmlns:ahyp="http://schemas.microsoft.com/office/drawing/2018/hyperlinkcolor">
+<p:sldMaster xmlns:a="http://schemas.openxmlformats.org/drawingml/2006/main" xmlns:r="http://schemas.openxmlformats.org/officeDocument/2006/relationships" xmlns:p="http://schemas.openxmlformats.org/presentationml/2006/main">
   <p:cSld name="simple-light-2">
     <p:bg>
       <p:bgPr>
         <a:blipFill>
-          <a:blip r:embed="rId1">
+          <a:blip r:embed="rId13">
             <a:alphaModFix/>
           </a:blip>
           <a:stretch>
             <a:fillRect/>
           </a:stretch>
         </a:blipFill>
+        <a:effectLst/>
       </p:bgPr>
     </p:bg>
     <p:spTree>
       <p:nvGrpSpPr>
-        <p:cNvPr id="5" name="Shape 5"/>
+        <p:cNvPr id="1" name="Shape 5"/>
         <p:cNvGrpSpPr/>
         <p:nvPr/>
       </p:nvGrpSpPr>
@@ -5247,23 +5407,23 @@
           </a:xfrm>
           <a:prstGeom prst="roundRect">
             <a:avLst>
-              <a:gd fmla="val 16667" name="adj"/>
+              <a:gd name="adj" fmla="val 16667"/>
             </a:avLst>
           </a:prstGeom>
           <a:solidFill>
             <a:schemeClr val="lt2"/>
           </a:solidFill>
-          <a:ln cap="flat" cmpd="sng" w="9525">
+          <a:ln w="9525" cap="flat" cmpd="sng">
             <a:solidFill>
               <a:schemeClr val="dk2"/>
             </a:solidFill>
             <a:prstDash val="solid"/>
             <a:round/>
-            <a:headEnd len="sm" w="sm" type="none"/>
-            <a:tailEnd len="sm" w="sm" type="none"/>
+            <a:headEnd type="none" w="sm" len="sm"/>
+            <a:tailEnd type="none" w="sm" len="sm"/>
           </a:ln>
           <a:effectLst>
-            <a:outerShdw blurRad="57150" rotWithShape="0" algn="bl" dir="3360000" dist="76200">
+            <a:outerShdw blurRad="57150" dist="76200" dir="3360000" algn="bl" rotWithShape="0">
               <a:srgbClr val="000000">
                 <a:alpha val="19000"/>
               </a:srgbClr>
@@ -5271,12 +5431,12 @@
           </a:effectLst>
         </p:spPr>
         <p:txBody>
-          <a:bodyPr anchorCtr="0" anchor="ctr" bIns="91425" lIns="91425" spcFirstLastPara="1" rIns="91425" wrap="square" tIns="91425">
+          <a:bodyPr spcFirstLastPara="1" wrap="square" lIns="91425" tIns="91425" rIns="91425" bIns="91425" anchor="ctr" anchorCtr="0">
             <a:noAutofit/>
           </a:bodyPr>
           <a:lstStyle/>
           <a:p>
-            <a:pPr indent="0" lvl="0" marL="0" rtl="0" algn="l">
+            <a:pPr marL="0" lvl="0" indent="0" algn="l" rtl="0">
               <a:spcBef>
                 <a:spcPts val="0"/>
               </a:spcBef>
@@ -5285,9 +5445,6 @@
               </a:spcAft>
               <a:buNone/>
             </a:pPr>
-            <a:r>
-              <a:t/>
-            </a:r>
             <a:endParaRPr/>
           </a:p>
         </p:txBody>
@@ -5295,7 +5452,9 @@
       <p:sp>
         <p:nvSpPr>
           <p:cNvPr id="7" name="Google Shape;7;p1"/>
-          <p:cNvSpPr txBox="1"/>
+          <p:cNvSpPr txBox="1">
+            <a:spLocks noGrp="1"/>
+          </p:cNvSpPr>
           <p:nvPr>
             <p:ph type="title"/>
           </p:nvPr>
@@ -5314,7 +5473,7 @@
           </a:ln>
         </p:spPr>
         <p:txBody>
-          <a:bodyPr anchorCtr="0" anchor="t" bIns="91425" lIns="91425" spcFirstLastPara="1" rIns="91425" wrap="square" tIns="91425">
+          <a:bodyPr spcFirstLastPara="1" wrap="square" lIns="91425" tIns="91425" rIns="91425" bIns="91425" anchor="t" anchorCtr="0">
             <a:spAutoFit/>
           </a:bodyPr>
           <a:lstStyle>
@@ -5481,15 +5640,19 @@
               </a:defRPr>
             </a:lvl9pPr>
           </a:lstStyle>
-          <a:p/>
+          <a:p>
+            <a:endParaRPr/>
+          </a:p>
         </p:txBody>
       </p:sp>
       <p:sp>
         <p:nvSpPr>
           <p:cNvPr id="8" name="Google Shape;8;p1"/>
-          <p:cNvSpPr txBox="1"/>
+          <p:cNvSpPr txBox="1">
+            <a:spLocks noGrp="1"/>
+          </p:cNvSpPr>
           <p:nvPr>
-            <p:ph idx="1" type="body"/>
+            <p:ph type="body" idx="1"/>
           </p:nvPr>
         </p:nvSpPr>
         <p:spPr>
@@ -5506,11 +5669,11 @@
           </a:ln>
         </p:spPr>
         <p:txBody>
-          <a:bodyPr anchorCtr="0" anchor="t" bIns="91425" lIns="91425" spcFirstLastPara="1" rIns="91425" wrap="square" tIns="91425">
+          <a:bodyPr spcFirstLastPara="1" wrap="square" lIns="91425" tIns="91425" rIns="91425" bIns="91425" anchor="t" anchorCtr="0">
             <a:spAutoFit/>
           </a:bodyPr>
           <a:lstStyle>
-            <a:lvl1pPr indent="-342900" lvl="0" marL="457200">
+            <a:lvl1pPr marL="457200" lvl="0" indent="-342900">
               <a:lnSpc>
                 <a:spcPct val="115000"/>
               </a:lnSpc>
@@ -5531,7 +5694,7 @@
                 </a:solidFill>
               </a:defRPr>
             </a:lvl1pPr>
-            <a:lvl2pPr indent="-317500" lvl="1" marL="914400">
+            <a:lvl2pPr marL="914400" lvl="1" indent="-317500">
               <a:lnSpc>
                 <a:spcPct val="115000"/>
               </a:lnSpc>
@@ -5552,7 +5715,7 @@
                 </a:solidFill>
               </a:defRPr>
             </a:lvl2pPr>
-            <a:lvl3pPr indent="-317500" lvl="2" marL="1371600">
+            <a:lvl3pPr marL="1371600" lvl="2" indent="-317500">
               <a:lnSpc>
                 <a:spcPct val="115000"/>
               </a:lnSpc>
@@ -5573,7 +5736,7 @@
                 </a:solidFill>
               </a:defRPr>
             </a:lvl3pPr>
-            <a:lvl4pPr indent="-317500" lvl="3" marL="1828800">
+            <a:lvl4pPr marL="1828800" lvl="3" indent="-317500">
               <a:lnSpc>
                 <a:spcPct val="115000"/>
               </a:lnSpc>
@@ -5594,7 +5757,7 @@
                 </a:solidFill>
               </a:defRPr>
             </a:lvl4pPr>
-            <a:lvl5pPr indent="-317500" lvl="4" marL="2286000">
+            <a:lvl5pPr marL="2286000" lvl="4" indent="-317500">
               <a:lnSpc>
                 <a:spcPct val="115000"/>
               </a:lnSpc>
@@ -5615,7 +5778,7 @@
                 </a:solidFill>
               </a:defRPr>
             </a:lvl5pPr>
-            <a:lvl6pPr indent="-317500" lvl="5" marL="2743200">
+            <a:lvl6pPr marL="2743200" lvl="5" indent="-317500">
               <a:lnSpc>
                 <a:spcPct val="115000"/>
               </a:lnSpc>
@@ -5636,7 +5799,7 @@
                 </a:solidFill>
               </a:defRPr>
             </a:lvl6pPr>
-            <a:lvl7pPr indent="-317500" lvl="6" marL="3200400">
+            <a:lvl7pPr marL="3200400" lvl="6" indent="-317500">
               <a:lnSpc>
                 <a:spcPct val="115000"/>
               </a:lnSpc>
@@ -5657,7 +5820,7 @@
                 </a:solidFill>
               </a:defRPr>
             </a:lvl7pPr>
-            <a:lvl8pPr indent="-317500" lvl="7" marL="3657600">
+            <a:lvl8pPr marL="3657600" lvl="7" indent="-317500">
               <a:lnSpc>
                 <a:spcPct val="115000"/>
               </a:lnSpc>
@@ -5678,7 +5841,7 @@
                 </a:solidFill>
               </a:defRPr>
             </a:lvl8pPr>
-            <a:lvl9pPr indent="-317500" lvl="8" marL="4114800">
+            <a:lvl9pPr marL="4114800" lvl="8" indent="-317500">
               <a:lnSpc>
                 <a:spcPct val="115000"/>
               </a:lnSpc>
@@ -5700,15 +5863,19 @@
               </a:defRPr>
             </a:lvl9pPr>
           </a:lstStyle>
-          <a:p/>
+          <a:p>
+            <a:endParaRPr/>
+          </a:p>
         </p:txBody>
       </p:sp>
       <p:sp>
         <p:nvSpPr>
           <p:cNvPr id="9" name="Google Shape;9;p1"/>
-          <p:cNvSpPr txBox="1"/>
+          <p:cNvSpPr txBox="1">
+            <a:spLocks noGrp="1"/>
+          </p:cNvSpPr>
           <p:nvPr>
-            <p:ph idx="12" type="sldNum"/>
+            <p:ph type="sldNum" idx="12"/>
           </p:nvPr>
         </p:nvSpPr>
         <p:spPr>
@@ -5725,7 +5892,7 @@
           </a:ln>
         </p:spPr>
         <p:txBody>
-          <a:bodyPr anchorCtr="0" anchor="ctr" bIns="91425" lIns="91425" spcFirstLastPara="1" rIns="91425" wrap="square" tIns="91425">
+          <a:bodyPr spcFirstLastPara="1" wrap="square" lIns="91425" tIns="91425" rIns="91425" bIns="91425" anchor="ctr" anchorCtr="0">
             <a:spAutoFit/>
           </a:bodyPr>
           <a:lstStyle>
@@ -5803,7 +5970,7 @@
             </a:lvl9pPr>
           </a:lstStyle>
           <a:p>
-            <a:pPr indent="0" lvl="0" marL="0" rtl="0" algn="r">
+            <a:pPr marL="0" lvl="0" indent="0" algn="r" rtl="0">
               <a:spcBef>
                 <a:spcPts val="0"/>
               </a:spcBef>
@@ -5822,24 +5989,24 @@
       </p:sp>
     </p:spTree>
   </p:cSld>
-  <p:clrMap accent1="accent1" accent2="accent2" accent3="accent3" accent4="accent4" accent5="accent5" accent6="accent6" bg1="lt1" bg2="dk2" tx1="dk1" tx2="lt2" folHlink="folHlink" hlink="hlink"/>
+  <p:clrMap bg1="lt1" tx1="dk1" bg2="dk2" tx2="lt2" accent1="accent1" accent2="accent2" accent3="accent3" accent4="accent4" accent5="accent5" accent6="accent6" hlink="hlink" folHlink="folHlink"/>
   <p:sldLayoutIdLst>
-    <p:sldLayoutId id="2147483648" r:id="rId2"/>
-    <p:sldLayoutId id="2147483649" r:id="rId3"/>
-    <p:sldLayoutId id="2147483650" r:id="rId4"/>
-    <p:sldLayoutId id="2147483651" r:id="rId5"/>
-    <p:sldLayoutId id="2147483652" r:id="rId6"/>
-    <p:sldLayoutId id="2147483653" r:id="rId7"/>
-    <p:sldLayoutId id="2147483654" r:id="rId8"/>
-    <p:sldLayoutId id="2147483655" r:id="rId9"/>
-    <p:sldLayoutId id="2147483656" r:id="rId10"/>
-    <p:sldLayoutId id="2147483657" r:id="rId11"/>
-    <p:sldLayoutId id="2147483658" r:id="rId12"/>
+    <p:sldLayoutId id="2147483648" r:id="rId1"/>
+    <p:sldLayoutId id="2147483649" r:id="rId2"/>
+    <p:sldLayoutId id="2147483650" r:id="rId3"/>
+    <p:sldLayoutId id="2147483651" r:id="rId4"/>
+    <p:sldLayoutId id="2147483652" r:id="rId5"/>
+    <p:sldLayoutId id="2147483653" r:id="rId6"/>
+    <p:sldLayoutId id="2147483654" r:id="rId7"/>
+    <p:sldLayoutId id="2147483655" r:id="rId8"/>
+    <p:sldLayoutId id="2147483656" r:id="rId9"/>
+    <p:sldLayoutId id="2147483657" r:id="rId10"/>
+    <p:sldLayoutId id="2147483658" r:id="rId11"/>
   </p:sldLayoutIdLst>
-  <p:hf dt="0" ftr="0" hdr="0" sldNum="0"/>
+  <p:hf sldNum="0" hdr="0" ftr="0" dt="0"/>
   <p:txStyles>
     <p:titleStyle>
-      <a:defPPr lvl="0" marR="0" rtl="0" algn="l">
+      <a:defPPr marR="0" lvl="0" algn="l" rtl="0">
         <a:lnSpc>
           <a:spcPct val="100000"/>
         </a:lnSpc>
@@ -5850,7 +6017,7 @@
           <a:spcPts val="0"/>
         </a:spcAft>
       </a:defPPr>
-      <a:lvl1pPr lvl="0" marR="0" rtl="0" algn="l">
+      <a:lvl1pPr marR="0" lvl="0" algn="l" rtl="0">
         <a:lnSpc>
           <a:spcPct val="100000"/>
         </a:lnSpc>
@@ -5864,7 +6031,7 @@
           <a:srgbClr val="000000"/>
         </a:buClr>
         <a:buFont typeface="Arial"/>
-        <a:defRPr b="0" i="0" sz="1400" u="none" cap="none" strike="noStrike">
+        <a:defRPr sz="1400" b="0" i="0" u="none" strike="noStrike" cap="none">
           <a:solidFill>
             <a:srgbClr val="000000"/>
           </a:solidFill>
@@ -5874,7 +6041,7 @@
           <a:sym typeface="Arial"/>
         </a:defRPr>
       </a:lvl1pPr>
-      <a:lvl2pPr lvl="1" marR="0" rtl="0" algn="l">
+      <a:lvl2pPr marR="0" lvl="1" algn="l" rtl="0">
         <a:lnSpc>
           <a:spcPct val="100000"/>
         </a:lnSpc>
@@ -5888,7 +6055,7 @@
           <a:srgbClr val="000000"/>
         </a:buClr>
         <a:buFont typeface="Arial"/>
-        <a:defRPr b="0" i="0" sz="1400" u="none" cap="none" strike="noStrike">
+        <a:defRPr sz="1400" b="0" i="0" u="none" strike="noStrike" cap="none">
           <a:solidFill>
             <a:srgbClr val="000000"/>
           </a:solidFill>
@@ -5898,7 +6065,7 @@
           <a:sym typeface="Arial"/>
         </a:defRPr>
       </a:lvl2pPr>
-      <a:lvl3pPr lvl="2" marR="0" rtl="0" algn="l">
+      <a:lvl3pPr marR="0" lvl="2" algn="l" rtl="0">
         <a:lnSpc>
           <a:spcPct val="100000"/>
         </a:lnSpc>
@@ -5912,7 +6079,7 @@
           <a:srgbClr val="000000"/>
         </a:buClr>
         <a:buFont typeface="Arial"/>
-        <a:defRPr b="0" i="0" sz="1400" u="none" cap="none" strike="noStrike">
+        <a:defRPr sz="1400" b="0" i="0" u="none" strike="noStrike" cap="none">
           <a:solidFill>
             <a:srgbClr val="000000"/>
           </a:solidFill>
@@ -5922,7 +6089,7 @@
           <a:sym typeface="Arial"/>
         </a:defRPr>
       </a:lvl3pPr>
-      <a:lvl4pPr lvl="3" marR="0" rtl="0" algn="l">
+      <a:lvl4pPr marR="0" lvl="3" algn="l" rtl="0">
         <a:lnSpc>
           <a:spcPct val="100000"/>
         </a:lnSpc>
@@ -5936,7 +6103,7 @@
           <a:srgbClr val="000000"/>
         </a:buClr>
         <a:buFont typeface="Arial"/>
-        <a:defRPr b="0" i="0" sz="1400" u="none" cap="none" strike="noStrike">
+        <a:defRPr sz="1400" b="0" i="0" u="none" strike="noStrike" cap="none">
           <a:solidFill>
             <a:srgbClr val="000000"/>
           </a:solidFill>
@@ -5946,7 +6113,7 @@
           <a:sym typeface="Arial"/>
         </a:defRPr>
       </a:lvl4pPr>
-      <a:lvl5pPr lvl="4" marR="0" rtl="0" algn="l">
+      <a:lvl5pPr marR="0" lvl="4" algn="l" rtl="0">
         <a:lnSpc>
           <a:spcPct val="100000"/>
         </a:lnSpc>
@@ -5960,7 +6127,7 @@
           <a:srgbClr val="000000"/>
         </a:buClr>
         <a:buFont typeface="Arial"/>
-        <a:defRPr b="0" i="0" sz="1400" u="none" cap="none" strike="noStrike">
+        <a:defRPr sz="1400" b="0" i="0" u="none" strike="noStrike" cap="none">
           <a:solidFill>
             <a:srgbClr val="000000"/>
           </a:solidFill>
@@ -5970,7 +6137,7 @@
           <a:sym typeface="Arial"/>
         </a:defRPr>
       </a:lvl5pPr>
-      <a:lvl6pPr lvl="5" marR="0" rtl="0" algn="l">
+      <a:lvl6pPr marR="0" lvl="5" algn="l" rtl="0">
         <a:lnSpc>
           <a:spcPct val="100000"/>
         </a:lnSpc>
@@ -5984,7 +6151,7 @@
           <a:srgbClr val="000000"/>
         </a:buClr>
         <a:buFont typeface="Arial"/>
-        <a:defRPr b="0" i="0" sz="1400" u="none" cap="none" strike="noStrike">
+        <a:defRPr sz="1400" b="0" i="0" u="none" strike="noStrike" cap="none">
           <a:solidFill>
             <a:srgbClr val="000000"/>
           </a:solidFill>
@@ -5994,7 +6161,7 @@
           <a:sym typeface="Arial"/>
         </a:defRPr>
       </a:lvl6pPr>
-      <a:lvl7pPr lvl="6" marR="0" rtl="0" algn="l">
+      <a:lvl7pPr marR="0" lvl="6" algn="l" rtl="0">
         <a:lnSpc>
           <a:spcPct val="100000"/>
         </a:lnSpc>
@@ -6008,7 +6175,7 @@
           <a:srgbClr val="000000"/>
         </a:buClr>
         <a:buFont typeface="Arial"/>
-        <a:defRPr b="0" i="0" sz="1400" u="none" cap="none" strike="noStrike">
+        <a:defRPr sz="1400" b="0" i="0" u="none" strike="noStrike" cap="none">
           <a:solidFill>
             <a:srgbClr val="000000"/>
           </a:solidFill>
@@ -6018,7 +6185,7 @@
           <a:sym typeface="Arial"/>
         </a:defRPr>
       </a:lvl7pPr>
-      <a:lvl8pPr lvl="7" marR="0" rtl="0" algn="l">
+      <a:lvl8pPr marR="0" lvl="7" algn="l" rtl="0">
         <a:lnSpc>
           <a:spcPct val="100000"/>
         </a:lnSpc>
@@ -6032,7 +6199,7 @@
           <a:srgbClr val="000000"/>
         </a:buClr>
         <a:buFont typeface="Arial"/>
-        <a:defRPr b="0" i="0" sz="1400" u="none" cap="none" strike="noStrike">
+        <a:defRPr sz="1400" b="0" i="0" u="none" strike="noStrike" cap="none">
           <a:solidFill>
             <a:srgbClr val="000000"/>
           </a:solidFill>
@@ -6042,7 +6209,7 @@
           <a:sym typeface="Arial"/>
         </a:defRPr>
       </a:lvl8pPr>
-      <a:lvl9pPr lvl="8" marR="0" rtl="0" algn="l">
+      <a:lvl9pPr marR="0" lvl="8" algn="l" rtl="0">
         <a:lnSpc>
           <a:spcPct val="100000"/>
         </a:lnSpc>
@@ -6056,7 +6223,7 @@
           <a:srgbClr val="000000"/>
         </a:buClr>
         <a:buFont typeface="Arial"/>
-        <a:defRPr b="0" i="0" sz="1400" u="none" cap="none" strike="noStrike">
+        <a:defRPr sz="1400" b="0" i="0" u="none" strike="noStrike" cap="none">
           <a:solidFill>
             <a:srgbClr val="000000"/>
           </a:solidFill>
@@ -6068,7 +6235,7 @@
       </a:lvl9pPr>
     </p:titleStyle>
     <p:bodyStyle>
-      <a:defPPr lvl="0" marR="0" rtl="0" algn="l">
+      <a:defPPr marR="0" lvl="0" algn="l" rtl="0">
         <a:lnSpc>
           <a:spcPct val="100000"/>
         </a:lnSpc>
@@ -6079,7 +6246,7 @@
           <a:spcPts val="0"/>
         </a:spcAft>
       </a:defPPr>
-      <a:lvl1pPr lvl="0" marR="0" rtl="0" algn="l">
+      <a:lvl1pPr marR="0" lvl="0" algn="l" rtl="0">
         <a:lnSpc>
           <a:spcPct val="100000"/>
         </a:lnSpc>
@@ -6093,7 +6260,7 @@
           <a:srgbClr val="000000"/>
         </a:buClr>
         <a:buFont typeface="Arial"/>
-        <a:defRPr b="0" i="0" sz="1400" u="none" cap="none" strike="noStrike">
+        <a:defRPr sz="1400" b="0" i="0" u="none" strike="noStrike" cap="none">
           <a:solidFill>
             <a:srgbClr val="000000"/>
           </a:solidFill>
@@ -6103,7 +6270,7 @@
           <a:sym typeface="Arial"/>
         </a:defRPr>
       </a:lvl1pPr>
-      <a:lvl2pPr lvl="1" marR="0" rtl="0" algn="l">
+      <a:lvl2pPr marR="0" lvl="1" algn="l" rtl="0">
         <a:lnSpc>
           <a:spcPct val="100000"/>
         </a:lnSpc>
@@ -6117,7 +6284,7 @@
           <a:srgbClr val="000000"/>
         </a:buClr>
         <a:buFont typeface="Arial"/>
-        <a:defRPr b="0" i="0" sz="1400" u="none" cap="none" strike="noStrike">
+        <a:defRPr sz="1400" b="0" i="0" u="none" strike="noStrike" cap="none">
           <a:solidFill>
             <a:srgbClr val="000000"/>
           </a:solidFill>
@@ -6127,7 +6294,7 @@
           <a:sym typeface="Arial"/>
         </a:defRPr>
       </a:lvl2pPr>
-      <a:lvl3pPr lvl="2" marR="0" rtl="0" algn="l">
+      <a:lvl3pPr marR="0" lvl="2" algn="l" rtl="0">
         <a:lnSpc>
           <a:spcPct val="100000"/>
         </a:lnSpc>
@@ -6141,7 +6308,7 @@
           <a:srgbClr val="000000"/>
         </a:buClr>
         <a:buFont typeface="Arial"/>
-        <a:defRPr b="0" i="0" sz="1400" u="none" cap="none" strike="noStrike">
+        <a:defRPr sz="1400" b="0" i="0" u="none" strike="noStrike" cap="none">
           <a:solidFill>
             <a:srgbClr val="000000"/>
           </a:solidFill>
@@ -6151,7 +6318,7 @@
           <a:sym typeface="Arial"/>
         </a:defRPr>
       </a:lvl3pPr>
-      <a:lvl4pPr lvl="3" marR="0" rtl="0" algn="l">
+      <a:lvl4pPr marR="0" lvl="3" algn="l" rtl="0">
         <a:lnSpc>
           <a:spcPct val="100000"/>
         </a:lnSpc>
@@ -6165,7 +6332,7 @@
           <a:srgbClr val="000000"/>
         </a:buClr>
         <a:buFont typeface="Arial"/>
-        <a:defRPr b="0" i="0" sz="1400" u="none" cap="none" strike="noStrike">
+        <a:defRPr sz="1400" b="0" i="0" u="none" strike="noStrike" cap="none">
           <a:solidFill>
             <a:srgbClr val="000000"/>
           </a:solidFill>
@@ -6175,7 +6342,7 @@
           <a:sym typeface="Arial"/>
         </a:defRPr>
       </a:lvl4pPr>
-      <a:lvl5pPr lvl="4" marR="0" rtl="0" algn="l">
+      <a:lvl5pPr marR="0" lvl="4" algn="l" rtl="0">
         <a:lnSpc>
           <a:spcPct val="100000"/>
         </a:lnSpc>
@@ -6189,7 +6356,7 @@
           <a:srgbClr val="000000"/>
         </a:buClr>
         <a:buFont typeface="Arial"/>
-        <a:defRPr b="0" i="0" sz="1400" u="none" cap="none" strike="noStrike">
+        <a:defRPr sz="1400" b="0" i="0" u="none" strike="noStrike" cap="none">
           <a:solidFill>
             <a:srgbClr val="000000"/>
           </a:solidFill>
@@ -6199,7 +6366,7 @@
           <a:sym typeface="Arial"/>
         </a:defRPr>
       </a:lvl5pPr>
-      <a:lvl6pPr lvl="5" marR="0" rtl="0" algn="l">
+      <a:lvl6pPr marR="0" lvl="5" algn="l" rtl="0">
         <a:lnSpc>
           <a:spcPct val="100000"/>
         </a:lnSpc>
@@ -6213,7 +6380,7 @@
           <a:srgbClr val="000000"/>
         </a:buClr>
         <a:buFont typeface="Arial"/>
-        <a:defRPr b="0" i="0" sz="1400" u="none" cap="none" strike="noStrike">
+        <a:defRPr sz="1400" b="0" i="0" u="none" strike="noStrike" cap="none">
           <a:solidFill>
             <a:srgbClr val="000000"/>
           </a:solidFill>
@@ -6223,7 +6390,7 @@
           <a:sym typeface="Arial"/>
         </a:defRPr>
       </a:lvl6pPr>
-      <a:lvl7pPr lvl="6" marR="0" rtl="0" algn="l">
+      <a:lvl7pPr marR="0" lvl="6" algn="l" rtl="0">
         <a:lnSpc>
           <a:spcPct val="100000"/>
         </a:lnSpc>
@@ -6237,7 +6404,7 @@
           <a:srgbClr val="000000"/>
         </a:buClr>
         <a:buFont typeface="Arial"/>
-        <a:defRPr b="0" i="0" sz="1400" u="none" cap="none" strike="noStrike">
+        <a:defRPr sz="1400" b="0" i="0" u="none" strike="noStrike" cap="none">
           <a:solidFill>
             <a:srgbClr val="000000"/>
           </a:solidFill>
@@ -6247,7 +6414,7 @@
           <a:sym typeface="Arial"/>
         </a:defRPr>
       </a:lvl7pPr>
-      <a:lvl8pPr lvl="7" marR="0" rtl="0" algn="l">
+      <a:lvl8pPr marR="0" lvl="7" algn="l" rtl="0">
         <a:lnSpc>
           <a:spcPct val="100000"/>
         </a:lnSpc>
@@ -6261,7 +6428,7 @@
           <a:srgbClr val="000000"/>
         </a:buClr>
         <a:buFont typeface="Arial"/>
-        <a:defRPr b="0" i="0" sz="1400" u="none" cap="none" strike="noStrike">
+        <a:defRPr sz="1400" b="0" i="0" u="none" strike="noStrike" cap="none">
           <a:solidFill>
             <a:srgbClr val="000000"/>
           </a:solidFill>
@@ -6271,7 +6438,7 @@
           <a:sym typeface="Arial"/>
         </a:defRPr>
       </a:lvl8pPr>
-      <a:lvl9pPr lvl="8" marR="0" rtl="0" algn="l">
+      <a:lvl9pPr marR="0" lvl="8" algn="l" rtl="0">
         <a:lnSpc>
           <a:spcPct val="100000"/>
         </a:lnSpc>
@@ -6285,7 +6452,7 @@
           <a:srgbClr val="000000"/>
         </a:buClr>
         <a:buFont typeface="Arial"/>
-        <a:defRPr b="0" i="0" sz="1400" u="none" cap="none" strike="noStrike">
+        <a:defRPr sz="1400" b="0" i="0" u="none" strike="noStrike" cap="none">
           <a:solidFill>
             <a:srgbClr val="000000"/>
           </a:solidFill>
@@ -6297,7 +6464,7 @@
       </a:lvl9pPr>
     </p:bodyStyle>
     <p:otherStyle>
-      <a:defPPr lvl="0" marR="0" rtl="0" algn="l">
+      <a:defPPr marR="0" lvl="0" algn="l" rtl="0">
         <a:lnSpc>
           <a:spcPct val="100000"/>
         </a:lnSpc>
@@ -6308,7 +6475,7 @@
           <a:spcPts val="0"/>
         </a:spcAft>
       </a:defPPr>
-      <a:lvl1pPr lvl="0" marR="0" rtl="0" algn="l">
+      <a:lvl1pPr marR="0" lvl="0" algn="l" rtl="0">
         <a:lnSpc>
           <a:spcPct val="100000"/>
         </a:lnSpc>
@@ -6322,7 +6489,7 @@
           <a:srgbClr val="000000"/>
         </a:buClr>
         <a:buFont typeface="Arial"/>
-        <a:defRPr b="0" i="0" sz="1400" u="none" cap="none" strike="noStrike">
+        <a:defRPr sz="1400" b="0" i="0" u="none" strike="noStrike" cap="none">
           <a:solidFill>
             <a:srgbClr val="000000"/>
           </a:solidFill>
@@ -6332,7 +6499,7 @@
           <a:sym typeface="Arial"/>
         </a:defRPr>
       </a:lvl1pPr>
-      <a:lvl2pPr lvl="1" marR="0" rtl="0" algn="l">
+      <a:lvl2pPr marR="0" lvl="1" algn="l" rtl="0">
         <a:lnSpc>
           <a:spcPct val="100000"/>
         </a:lnSpc>
@@ -6346,7 +6513,7 @@
           <a:srgbClr val="000000"/>
         </a:buClr>
         <a:buFont typeface="Arial"/>
-        <a:defRPr b="0" i="0" sz="1400" u="none" cap="none" strike="noStrike">
+        <a:defRPr sz="1400" b="0" i="0" u="none" strike="noStrike" cap="none">
           <a:solidFill>
             <a:srgbClr val="000000"/>
           </a:solidFill>
@@ -6356,7 +6523,7 @@
           <a:sym typeface="Arial"/>
         </a:defRPr>
       </a:lvl2pPr>
-      <a:lvl3pPr lvl="2" marR="0" rtl="0" algn="l">
+      <a:lvl3pPr marR="0" lvl="2" algn="l" rtl="0">
         <a:lnSpc>
           <a:spcPct val="100000"/>
         </a:lnSpc>
@@ -6370,7 +6537,7 @@
           <a:srgbClr val="000000"/>
         </a:buClr>
         <a:buFont typeface="Arial"/>
-        <a:defRPr b="0" i="0" sz="1400" u="none" cap="none" strike="noStrike">
+        <a:defRPr sz="1400" b="0" i="0" u="none" strike="noStrike" cap="none">
           <a:solidFill>
             <a:srgbClr val="000000"/>
           </a:solidFill>
@@ -6380,7 +6547,7 @@
           <a:sym typeface="Arial"/>
         </a:defRPr>
       </a:lvl3pPr>
-      <a:lvl4pPr lvl="3" marR="0" rtl="0" algn="l">
+      <a:lvl4pPr marR="0" lvl="3" algn="l" rtl="0">
         <a:lnSpc>
           <a:spcPct val="100000"/>
         </a:lnSpc>
@@ -6394,7 +6561,7 @@
           <a:srgbClr val="000000"/>
         </a:buClr>
         <a:buFont typeface="Arial"/>
-        <a:defRPr b="0" i="0" sz="1400" u="none" cap="none" strike="noStrike">
+        <a:defRPr sz="1400" b="0" i="0" u="none" strike="noStrike" cap="none">
           <a:solidFill>
             <a:srgbClr val="000000"/>
           </a:solidFill>
@@ -6404,7 +6571,7 @@
           <a:sym typeface="Arial"/>
         </a:defRPr>
       </a:lvl4pPr>
-      <a:lvl5pPr lvl="4" marR="0" rtl="0" algn="l">
+      <a:lvl5pPr marR="0" lvl="4" algn="l" rtl="0">
         <a:lnSpc>
           <a:spcPct val="100000"/>
         </a:lnSpc>
@@ -6418,7 +6585,7 @@
           <a:srgbClr val="000000"/>
         </a:buClr>
         <a:buFont typeface="Arial"/>
-        <a:defRPr b="0" i="0" sz="1400" u="none" cap="none" strike="noStrike">
+        <a:defRPr sz="1400" b="0" i="0" u="none" strike="noStrike" cap="none">
           <a:solidFill>
             <a:srgbClr val="000000"/>
           </a:solidFill>
@@ -6428,7 +6595,7 @@
           <a:sym typeface="Arial"/>
         </a:defRPr>
       </a:lvl5pPr>
-      <a:lvl6pPr lvl="5" marR="0" rtl="0" algn="l">
+      <a:lvl6pPr marR="0" lvl="5" algn="l" rtl="0">
         <a:lnSpc>
           <a:spcPct val="100000"/>
         </a:lnSpc>
@@ -6442,7 +6609,7 @@
           <a:srgbClr val="000000"/>
         </a:buClr>
         <a:buFont typeface="Arial"/>
-        <a:defRPr b="0" i="0" sz="1400" u="none" cap="none" strike="noStrike">
+        <a:defRPr sz="1400" b="0" i="0" u="none" strike="noStrike" cap="none">
           <a:solidFill>
             <a:srgbClr val="000000"/>
           </a:solidFill>
@@ -6452,7 +6619,7 @@
           <a:sym typeface="Arial"/>
         </a:defRPr>
       </a:lvl6pPr>
-      <a:lvl7pPr lvl="6" marR="0" rtl="0" algn="l">
+      <a:lvl7pPr marR="0" lvl="6" algn="l" rtl="0">
         <a:lnSpc>
           <a:spcPct val="100000"/>
         </a:lnSpc>
@@ -6466,7 +6633,7 @@
           <a:srgbClr val="000000"/>
         </a:buClr>
         <a:buFont typeface="Arial"/>
-        <a:defRPr b="0" i="0" sz="1400" u="none" cap="none" strike="noStrike">
+        <a:defRPr sz="1400" b="0" i="0" u="none" strike="noStrike" cap="none">
           <a:solidFill>
             <a:srgbClr val="000000"/>
           </a:solidFill>
@@ -6476,7 +6643,7 @@
           <a:sym typeface="Arial"/>
         </a:defRPr>
       </a:lvl7pPr>
-      <a:lvl8pPr lvl="7" marR="0" rtl="0" algn="l">
+      <a:lvl8pPr marR="0" lvl="7" algn="l" rtl="0">
         <a:lnSpc>
           <a:spcPct val="100000"/>
         </a:lnSpc>
@@ -6490,7 +6657,7 @@
           <a:srgbClr val="000000"/>
         </a:buClr>
         <a:buFont typeface="Arial"/>
-        <a:defRPr b="0" i="0" sz="1400" u="none" cap="none" strike="noStrike">
+        <a:defRPr sz="1400" b="0" i="0" u="none" strike="noStrike" cap="none">
           <a:solidFill>
             <a:srgbClr val="000000"/>
           </a:solidFill>
@@ -6500,7 +6667,7 @@
           <a:sym typeface="Arial"/>
         </a:defRPr>
       </a:lvl8pPr>
-      <a:lvl9pPr lvl="8" marR="0" rtl="0" algn="l">
+      <a:lvl9pPr marR="0" lvl="8" algn="l" rtl="0">
         <a:lnSpc>
           <a:spcPct val="100000"/>
         </a:lnSpc>
@@ -6514,7 +6681,7 @@
           <a:srgbClr val="000000"/>
         </a:buClr>
         <a:buFont typeface="Arial"/>
-        <a:defRPr b="0" i="0" sz="1400" u="none" cap="none" strike="noStrike">
+        <a:defRPr sz="1400" b="0" i="0" u="none" strike="noStrike" cap="none">
           <a:solidFill>
             <a:srgbClr val="000000"/>
           </a:solidFill>
@@ -6530,11 +6697,11 @@
 </file>
 
 <file path=ppt/slides/slide1.xml><?xml version="1.0" encoding="utf-8"?>
-<p:sld xmlns:a="http://schemas.openxmlformats.org/drawingml/2006/main" xmlns:r="http://schemas.openxmlformats.org/officeDocument/2006/relationships" xmlns:mc="http://schemas.openxmlformats.org/markup-compatibility/2006" xmlns:mv="urn:schemas-microsoft-com:mac:vml" xmlns:p="http://schemas.openxmlformats.org/presentationml/2006/main" xmlns:c="http://schemas.openxmlformats.org/drawingml/2006/chart" xmlns:dgm="http://schemas.openxmlformats.org/drawingml/2006/diagram" xmlns:o="urn:schemas-microsoft-com:office:office" xmlns:v="urn:schemas-microsoft-com:vml" xmlns:pvml="urn:schemas-microsoft-com:office:powerpoint" xmlns:com="http://schemas.openxmlformats.org/drawingml/2006/compatibility" xmlns:p14="http://schemas.microsoft.com/office/powerpoint/2010/main" xmlns:p15="http://schemas.microsoft.com/office/powerpoint/2012/main" xmlns:ahyp="http://schemas.microsoft.com/office/drawing/2018/hyperlinkcolor">
+<p:sld xmlns:a="http://schemas.openxmlformats.org/drawingml/2006/main" xmlns:r="http://schemas.openxmlformats.org/officeDocument/2006/relationships" xmlns:p="http://schemas.openxmlformats.org/presentationml/2006/main">
   <p:cSld>
     <p:spTree>
       <p:nvGrpSpPr>
-        <p:cNvPr id="54" name="Shape 54"/>
+        <p:cNvPr id="1" name="Shape 54"/>
         <p:cNvGrpSpPr/>
         <p:nvPr/>
       </p:nvGrpSpPr>
@@ -6549,7 +6716,9 @@
       <p:sp>
         <p:nvSpPr>
           <p:cNvPr id="55" name="Google Shape;55;p13"/>
-          <p:cNvSpPr txBox="1"/>
+          <p:cNvSpPr txBox="1">
+            <a:spLocks noGrp="1"/>
+          </p:cNvSpPr>
           <p:nvPr>
             <p:ph type="title"/>
           </p:nvPr>
@@ -6564,12 +6733,12 @@
           </a:prstGeom>
         </p:spPr>
         <p:txBody>
-          <a:bodyPr anchorCtr="0" anchor="t" bIns="91425" lIns="91425" spcFirstLastPara="1" rIns="91425" wrap="square" tIns="91425">
+          <a:bodyPr spcFirstLastPara="1" wrap="square" lIns="91425" tIns="91425" rIns="91425" bIns="91425" anchor="t" anchorCtr="0">
             <a:spAutoFit/>
           </a:bodyPr>
           <a:lstStyle/>
           <a:p>
-            <a:pPr indent="0" lvl="0" marL="0" rtl="0" algn="ctr">
+            <a:pPr marL="0" lvl="0" indent="0" algn="ctr" rtl="0">
               <a:spcBef>
                 <a:spcPts val="0"/>
               </a:spcBef>
@@ -6589,9 +6758,11 @@
       <p:sp>
         <p:nvSpPr>
           <p:cNvPr id="56" name="Google Shape;56;p13"/>
-          <p:cNvSpPr txBox="1"/>
+          <p:cNvSpPr txBox="1">
+            <a:spLocks noGrp="1"/>
+          </p:cNvSpPr>
           <p:nvPr>
-            <p:ph idx="1" type="body"/>
+            <p:ph type="body" idx="1"/>
           </p:nvPr>
         </p:nvSpPr>
         <p:spPr>
@@ -6604,12 +6775,12 @@
           </a:prstGeom>
         </p:spPr>
         <p:txBody>
-          <a:bodyPr anchorCtr="0" anchor="t" bIns="91425" lIns="91425" spcFirstLastPara="1" rIns="91425" wrap="square" tIns="91425">
+          <a:bodyPr spcFirstLastPara="1" wrap="square" lIns="91425" tIns="91425" rIns="91425" bIns="91425" anchor="t" anchorCtr="0">
             <a:spAutoFit/>
           </a:bodyPr>
           <a:lstStyle/>
           <a:p>
-            <a:pPr indent="0" lvl="0" marL="0" rtl="0" algn="l">
+            <a:pPr marL="0" lvl="0" indent="0" algn="l" rtl="0">
               <a:spcBef>
                 <a:spcPts val="0"/>
               </a:spcBef>
@@ -6638,7 +6809,7 @@
             </a:endParaRPr>
           </a:p>
           <a:p>
-            <a:pPr indent="0" lvl="0" marL="0" rtl="0" algn="l">
+            <a:pPr marL="0" lvl="0" indent="0" algn="l" rtl="0">
               <a:spcBef>
                 <a:spcPts val="1200"/>
               </a:spcBef>
@@ -6667,7 +6838,7 @@
             </a:endParaRPr>
           </a:p>
           <a:p>
-            <a:pPr indent="0" lvl="0" marL="0" rtl="0" algn="l">
+            <a:pPr marL="0" lvl="0" indent="0" algn="l" rtl="0">
               <a:spcBef>
                 <a:spcPts val="1200"/>
               </a:spcBef>
@@ -6702,11 +6873,11 @@
 </file>
 
 <file path=ppt/slides/slide10.xml><?xml version="1.0" encoding="utf-8"?>
-<p:sld xmlns:a="http://schemas.openxmlformats.org/drawingml/2006/main" xmlns:r="http://schemas.openxmlformats.org/officeDocument/2006/relationships" xmlns:mc="http://schemas.openxmlformats.org/markup-compatibility/2006" xmlns:mv="urn:schemas-microsoft-com:mac:vml" xmlns:p="http://schemas.openxmlformats.org/presentationml/2006/main" xmlns:c="http://schemas.openxmlformats.org/drawingml/2006/chart" xmlns:dgm="http://schemas.openxmlformats.org/drawingml/2006/diagram" xmlns:o="urn:schemas-microsoft-com:office:office" xmlns:v="urn:schemas-microsoft-com:vml" xmlns:pvml="urn:schemas-microsoft-com:office:powerpoint" xmlns:com="http://schemas.openxmlformats.org/drawingml/2006/compatibility" xmlns:p14="http://schemas.microsoft.com/office/powerpoint/2010/main" xmlns:p15="http://schemas.microsoft.com/office/powerpoint/2012/main" xmlns:ahyp="http://schemas.microsoft.com/office/drawing/2018/hyperlinkcolor">
+<p:sld xmlns:a="http://schemas.openxmlformats.org/drawingml/2006/main" xmlns:r="http://schemas.openxmlformats.org/officeDocument/2006/relationships" xmlns:p="http://schemas.openxmlformats.org/presentationml/2006/main">
   <p:cSld>
     <p:spTree>
       <p:nvGrpSpPr>
-        <p:cNvPr id="117" name="Shape 117"/>
+        <p:cNvPr id="1" name="Shape 117"/>
         <p:cNvGrpSpPr/>
         <p:nvPr/>
       </p:nvGrpSpPr>
@@ -6721,7 +6892,9 @@
       <p:sp>
         <p:nvSpPr>
           <p:cNvPr id="118" name="Google Shape;118;p22"/>
-          <p:cNvSpPr txBox="1"/>
+          <p:cNvSpPr txBox="1">
+            <a:spLocks noGrp="1"/>
+          </p:cNvSpPr>
           <p:nvPr>
             <p:ph type="title"/>
           </p:nvPr>
@@ -6736,12 +6909,12 @@
           </a:prstGeom>
         </p:spPr>
         <p:txBody>
-          <a:bodyPr anchorCtr="0" anchor="t" bIns="91425" lIns="91425" spcFirstLastPara="1" rIns="91425" wrap="square" tIns="91425">
+          <a:bodyPr spcFirstLastPara="1" wrap="square" lIns="91425" tIns="91425" rIns="91425" bIns="91425" anchor="t" anchorCtr="0">
             <a:spAutoFit/>
           </a:bodyPr>
           <a:lstStyle/>
           <a:p>
-            <a:pPr indent="0" lvl="0" marL="0" rtl="0" algn="ctr">
+            <a:pPr marL="0" lvl="0" indent="0" algn="ctr" rtl="0">
               <a:spcBef>
                 <a:spcPts val="0"/>
               </a:spcBef>
@@ -6761,9 +6934,11 @@
       <p:sp>
         <p:nvSpPr>
           <p:cNvPr id="119" name="Google Shape;119;p22"/>
-          <p:cNvSpPr txBox="1"/>
+          <p:cNvSpPr txBox="1">
+            <a:spLocks noGrp="1"/>
+          </p:cNvSpPr>
           <p:nvPr>
-            <p:ph idx="1" type="body"/>
+            <p:ph type="body" idx="1"/>
           </p:nvPr>
         </p:nvSpPr>
         <p:spPr>
@@ -6779,12 +6954,12 @@
           </a:ln>
         </p:spPr>
         <p:txBody>
-          <a:bodyPr anchorCtr="0" anchor="t" bIns="91425" lIns="91425" spcFirstLastPara="1" rIns="91425" wrap="square" tIns="91425">
+          <a:bodyPr spcFirstLastPara="1" wrap="square" lIns="91425" tIns="91425" rIns="91425" bIns="91425" anchor="t" anchorCtr="0">
             <a:noAutofit/>
           </a:bodyPr>
           <a:lstStyle/>
           <a:p>
-            <a:pPr indent="0" lvl="0" marL="0" rtl="0" algn="l">
+            <a:pPr marL="0" lvl="0" indent="0" algn="l" rtl="0">
               <a:spcBef>
                 <a:spcPts val="0"/>
               </a:spcBef>
@@ -6826,11 +7001,11 @@
 </file>
 
 <file path=ppt/slides/slide11.xml><?xml version="1.0" encoding="utf-8"?>
-<p:sld xmlns:a="http://schemas.openxmlformats.org/drawingml/2006/main" xmlns:r="http://schemas.openxmlformats.org/officeDocument/2006/relationships" xmlns:mc="http://schemas.openxmlformats.org/markup-compatibility/2006" xmlns:mv="urn:schemas-microsoft-com:mac:vml" xmlns:p="http://schemas.openxmlformats.org/presentationml/2006/main" xmlns:c="http://schemas.openxmlformats.org/drawingml/2006/chart" xmlns:dgm="http://schemas.openxmlformats.org/drawingml/2006/diagram" xmlns:o="urn:schemas-microsoft-com:office:office" xmlns:v="urn:schemas-microsoft-com:vml" xmlns:pvml="urn:schemas-microsoft-com:office:powerpoint" xmlns:com="http://schemas.openxmlformats.org/drawingml/2006/compatibility" xmlns:p14="http://schemas.microsoft.com/office/powerpoint/2010/main" xmlns:p15="http://schemas.microsoft.com/office/powerpoint/2012/main" xmlns:ahyp="http://schemas.microsoft.com/office/drawing/2018/hyperlinkcolor">
+<p:sld xmlns:a="http://schemas.openxmlformats.org/drawingml/2006/main" xmlns:r="http://schemas.openxmlformats.org/officeDocument/2006/relationships" xmlns:p="http://schemas.openxmlformats.org/presentationml/2006/main">
   <p:cSld>
     <p:spTree>
       <p:nvGrpSpPr>
-        <p:cNvPr id="123" name="Shape 123"/>
+        <p:cNvPr id="1" name="Shape 123"/>
         <p:cNvGrpSpPr/>
         <p:nvPr/>
       </p:nvGrpSpPr>
@@ -6845,7 +7020,9 @@
       <p:sp>
         <p:nvSpPr>
           <p:cNvPr id="124" name="Google Shape;124;p23"/>
-          <p:cNvSpPr txBox="1"/>
+          <p:cNvSpPr txBox="1">
+            <a:spLocks noGrp="1"/>
+          </p:cNvSpPr>
           <p:nvPr>
             <p:ph type="title"/>
           </p:nvPr>
@@ -6860,12 +7037,12 @@
           </a:prstGeom>
         </p:spPr>
         <p:txBody>
-          <a:bodyPr anchorCtr="0" anchor="t" bIns="91425" lIns="91425" spcFirstLastPara="1" rIns="91425" wrap="square" tIns="91425">
+          <a:bodyPr spcFirstLastPara="1" wrap="square" lIns="91425" tIns="91425" rIns="91425" bIns="91425" anchor="t" anchorCtr="0">
             <a:spAutoFit/>
           </a:bodyPr>
           <a:lstStyle/>
           <a:p>
-            <a:pPr indent="0" lvl="0" marL="0" rtl="0" algn="ctr">
+            <a:pPr marL="0" lvl="0" indent="0" algn="ctr" rtl="0">
               <a:spcBef>
                 <a:spcPts val="0"/>
               </a:spcBef>
@@ -6885,9 +7062,11 @@
       <p:sp>
         <p:nvSpPr>
           <p:cNvPr id="125" name="Google Shape;125;p23"/>
-          <p:cNvSpPr txBox="1"/>
+          <p:cNvSpPr txBox="1">
+            <a:spLocks noGrp="1"/>
+          </p:cNvSpPr>
           <p:nvPr>
-            <p:ph idx="1" type="body"/>
+            <p:ph type="body" idx="1"/>
           </p:nvPr>
         </p:nvSpPr>
         <p:spPr>
@@ -6900,12 +7079,12 @@
           </a:prstGeom>
         </p:spPr>
         <p:txBody>
-          <a:bodyPr anchorCtr="0" anchor="t" bIns="91425" lIns="91425" spcFirstLastPara="1" rIns="91425" wrap="square" tIns="91425">
+          <a:bodyPr spcFirstLastPara="1" wrap="square" lIns="91425" tIns="91425" rIns="91425" bIns="91425" anchor="t" anchorCtr="0">
             <a:noAutofit/>
           </a:bodyPr>
           <a:lstStyle/>
           <a:p>
-            <a:pPr indent="0" lvl="0" marL="0" rtl="0" algn="l">
+            <a:pPr marL="0" lvl="0" indent="0" algn="l" rtl="0">
               <a:spcBef>
                 <a:spcPts val="0"/>
               </a:spcBef>
@@ -6920,15 +7099,7 @@
                   <a:schemeClr val="dk1"/>
                 </a:solidFill>
               </a:rPr>
-              <a:t>Congratulations! Working t</a:t>
-            </a:r>
-            <a:r>
-              <a:rPr lang="en" sz="1200">
-                <a:solidFill>
-                  <a:schemeClr val="dk1"/>
-                </a:solidFill>
-              </a:rPr>
-              <a:t>hrough our Flooded Basement game, we hope to have provided you with some of the thought processes drugs and therapies used in the treatment of heart failure. Some of the “common sense” you applied to pumping the water from the basement are similar to principles in treatment of heart failure. </a:t>
+              <a:t>Congratulations! Working through our Flooded Basement game, we hope to have provided you with some of the thought processes drugs and therapies used in the treatment of heart failure. Some of the “common sense” you applied to pumping the water from the basement are similar to principles in treatment of heart failure. </a:t>
             </a:r>
             <a:endParaRPr sz="1200">
               <a:solidFill>
@@ -6937,7 +7108,7 @@
             </a:endParaRPr>
           </a:p>
           <a:p>
-            <a:pPr indent="0" lvl="0" marL="0" rtl="0" algn="l">
+            <a:pPr marL="0" lvl="0" indent="0" algn="l" rtl="0">
               <a:spcBef>
                 <a:spcPts val="1200"/>
               </a:spcBef>
@@ -6961,7 +7132,7 @@
             </a:endParaRPr>
           </a:p>
           <a:p>
-            <a:pPr indent="0" lvl="0" marL="0" rtl="0" algn="l">
+            <a:pPr marL="0" lvl="0" indent="0" algn="l" rtl="0">
               <a:spcBef>
                 <a:spcPts val="1200"/>
               </a:spcBef>
@@ -6985,7 +7156,7 @@
             </a:endParaRPr>
           </a:p>
           <a:p>
-            <a:pPr indent="0" lvl="0" marL="0" rtl="0" algn="l">
+            <a:pPr marL="0" lvl="0" indent="0" algn="l" rtl="0">
               <a:spcBef>
                 <a:spcPts val="1200"/>
               </a:spcBef>
@@ -6994,9 +7165,6 @@
               </a:spcAft>
               <a:buNone/>
             </a:pPr>
-            <a:r>
-              <a:t/>
-            </a:r>
             <a:endParaRPr sz="1300"/>
           </a:p>
         </p:txBody>
@@ -7010,7 +7178,7 @@
 </file>
 
 <file path=ppt/slides/slide2.xml><?xml version="1.0" encoding="utf-8"?>
-<p:sld xmlns:a="http://schemas.openxmlformats.org/drawingml/2006/main" xmlns:r="http://schemas.openxmlformats.org/officeDocument/2006/relationships" xmlns:mc="http://schemas.openxmlformats.org/markup-compatibility/2006" xmlns:mv="urn:schemas-microsoft-com:mac:vml" xmlns:p="http://schemas.openxmlformats.org/presentationml/2006/main" xmlns:c="http://schemas.openxmlformats.org/drawingml/2006/chart" xmlns:dgm="http://schemas.openxmlformats.org/drawingml/2006/diagram" xmlns:o="urn:schemas-microsoft-com:office:office" xmlns:v="urn:schemas-microsoft-com:vml" xmlns:pvml="urn:schemas-microsoft-com:office:powerpoint" xmlns:com="http://schemas.openxmlformats.org/drawingml/2006/compatibility" xmlns:p14="http://schemas.microsoft.com/office/powerpoint/2010/main" xmlns:p15="http://schemas.microsoft.com/office/powerpoint/2012/main" xmlns:ahyp="http://schemas.microsoft.com/office/drawing/2018/hyperlinkcolor">
+<p:sld xmlns:a="http://schemas.openxmlformats.org/drawingml/2006/main" xmlns:r="http://schemas.openxmlformats.org/officeDocument/2006/relationships" xmlns:p="http://schemas.openxmlformats.org/presentationml/2006/main">
   <p:cSld>
     <p:bg>
       <p:bgPr>
@@ -7022,11 +7190,12 @@
             <a:fillRect/>
           </a:stretch>
         </a:blipFill>
+        <a:effectLst/>
       </p:bgPr>
     </p:bg>
     <p:spTree>
       <p:nvGrpSpPr>
-        <p:cNvPr id="60" name="Shape 60"/>
+        <p:cNvPr id="1" name="Shape 60"/>
         <p:cNvGrpSpPr/>
         <p:nvPr/>
       </p:nvGrpSpPr>
@@ -7041,7 +7210,9 @@
       <p:sp>
         <p:nvSpPr>
           <p:cNvPr id="61" name="Google Shape;61;p14"/>
-          <p:cNvSpPr txBox="1"/>
+          <p:cNvSpPr txBox="1">
+            <a:spLocks noGrp="1"/>
+          </p:cNvSpPr>
           <p:nvPr>
             <p:ph type="title"/>
           </p:nvPr>
@@ -7056,12 +7227,12 @@
           </a:prstGeom>
         </p:spPr>
         <p:txBody>
-          <a:bodyPr anchorCtr="0" anchor="t" bIns="91425" lIns="91425" spcFirstLastPara="1" rIns="91425" wrap="square" tIns="91425">
+          <a:bodyPr spcFirstLastPara="1" wrap="square" lIns="91425" tIns="91425" rIns="91425" bIns="91425" anchor="t" anchorCtr="0">
             <a:spAutoFit/>
           </a:bodyPr>
           <a:lstStyle/>
           <a:p>
-            <a:pPr indent="0" lvl="0" marL="0" rtl="0" algn="ctr">
+            <a:pPr marL="0" lvl="0" indent="0" algn="ctr" rtl="0">
               <a:spcBef>
                 <a:spcPts val="0"/>
               </a:spcBef>
@@ -7072,11 +7243,7 @@
             </a:pPr>
             <a:r>
               <a:rPr lang="en"/>
-              <a:t>Chapter 0: </a:t>
-            </a:r>
-            <a:r>
-              <a:rPr lang="en"/>
-              <a:t>Use the Bucket</a:t>
+              <a:t>Chapter 0: Use the Bucket</a:t>
             </a:r>
             <a:endParaRPr/>
           </a:p>
@@ -7085,27 +7252,29 @@
       <p:sp>
         <p:nvSpPr>
           <p:cNvPr id="62" name="Google Shape;62;p14"/>
-          <p:cNvSpPr txBox="1"/>
+          <p:cNvSpPr txBox="1">
+            <a:spLocks noGrp="1"/>
+          </p:cNvSpPr>
           <p:nvPr>
-            <p:ph idx="1" type="body"/>
+            <p:ph type="body" idx="1"/>
           </p:nvPr>
         </p:nvSpPr>
         <p:spPr>
           <a:xfrm>
             <a:off x="155325" y="1198800"/>
-            <a:ext cx="5642100" cy="3709500"/>
+            <a:ext cx="5680932" cy="3890265"/>
           </a:xfrm>
           <a:prstGeom prst="rect">
             <a:avLst/>
           </a:prstGeom>
         </p:spPr>
         <p:txBody>
-          <a:bodyPr anchorCtr="0" anchor="t" bIns="91425" lIns="91425" spcFirstLastPara="1" rIns="91425" wrap="square" tIns="91425">
+          <a:bodyPr spcFirstLastPara="1" wrap="square" lIns="91425" tIns="91425" rIns="91425" bIns="91425" anchor="t" anchorCtr="0">
             <a:spAutoFit/>
           </a:bodyPr>
           <a:lstStyle/>
           <a:p>
-            <a:pPr indent="0" lvl="0" marL="0" rtl="0" algn="l">
+            <a:pPr marL="0" lvl="0" indent="0" algn="l" rtl="0">
               <a:spcBef>
                 <a:spcPts val="0"/>
               </a:spcBef>
@@ -7115,21 +7284,21 @@
               <a:buNone/>
             </a:pPr>
             <a:r>
-              <a:rPr lang="en" sz="1500">
+              <a:rPr lang="en" sz="1500" dirty="0">
                 <a:solidFill>
                   <a:schemeClr val="dk1"/>
                 </a:solidFill>
               </a:rPr>
               <a:t>The idea of using the bucket to toss water out the window is the baseline situation. You may consider this to be the patient before any treatments. Think of the bucket as the kidney (without any treatment). While getting rid of water, the kidney is overwhelmed (and also in the body the kidney may retain water to some extent thinking it is helping the heart by providing more fluid to pump since the kidney is not seeing an adequate flow of blood when the heart fails. This lack of  blood flow is a demonstration of the failing heart, not a lack of fluid. Fluid builds up, the patient gets edema or swelling (gravity dependent) and may also experience shortness of breath (at night when lying down due to redistribution of fluid) and will experience weight gain.</a:t>
             </a:r>
-            <a:endParaRPr sz="1500">
+            <a:endParaRPr sz="1500" dirty="0">
               <a:solidFill>
                 <a:schemeClr val="dk1"/>
               </a:solidFill>
             </a:endParaRPr>
           </a:p>
           <a:p>
-            <a:pPr indent="0" lvl="0" marL="0" rtl="0" algn="l">
+            <a:pPr marL="0" lvl="0" indent="0" algn="l" rtl="0">
               <a:spcBef>
                 <a:spcPts val="1200"/>
               </a:spcBef>
@@ -7138,10 +7307,7 @@
               </a:spcAft>
               <a:buNone/>
             </a:pPr>
-            <a:r>
-              <a:t/>
-            </a:r>
-            <a:endParaRPr sz="1200">
+            <a:endParaRPr sz="1200" dirty="0">
               <a:solidFill>
                 <a:schemeClr val="dk1"/>
               </a:solidFill>
@@ -7158,11 +7324,11 @@
 </file>
 
 <file path=ppt/slides/slide3.xml><?xml version="1.0" encoding="utf-8"?>
-<p:sld xmlns:a="http://schemas.openxmlformats.org/drawingml/2006/main" xmlns:r="http://schemas.openxmlformats.org/officeDocument/2006/relationships" xmlns:mc="http://schemas.openxmlformats.org/markup-compatibility/2006" xmlns:mv="urn:schemas-microsoft-com:mac:vml" xmlns:p="http://schemas.openxmlformats.org/presentationml/2006/main" xmlns:c="http://schemas.openxmlformats.org/drawingml/2006/chart" xmlns:dgm="http://schemas.openxmlformats.org/drawingml/2006/diagram" xmlns:o="urn:schemas-microsoft-com:office:office" xmlns:v="urn:schemas-microsoft-com:vml" xmlns:pvml="urn:schemas-microsoft-com:office:powerpoint" xmlns:com="http://schemas.openxmlformats.org/drawingml/2006/compatibility" xmlns:p14="http://schemas.microsoft.com/office/powerpoint/2010/main" xmlns:p15="http://schemas.microsoft.com/office/powerpoint/2012/main" xmlns:ahyp="http://schemas.microsoft.com/office/drawing/2018/hyperlinkcolor">
+<p:sld xmlns:a="http://schemas.openxmlformats.org/drawingml/2006/main" xmlns:r="http://schemas.openxmlformats.org/officeDocument/2006/relationships" xmlns:p="http://schemas.openxmlformats.org/presentationml/2006/main">
   <p:cSld>
     <p:spTree>
       <p:nvGrpSpPr>
-        <p:cNvPr id="66" name="Shape 66"/>
+        <p:cNvPr id="1" name="Shape 66"/>
         <p:cNvGrpSpPr/>
         <p:nvPr/>
       </p:nvGrpSpPr>
@@ -7177,7 +7343,9 @@
       <p:sp>
         <p:nvSpPr>
           <p:cNvPr id="67" name="Google Shape;67;p15"/>
-          <p:cNvSpPr txBox="1"/>
+          <p:cNvSpPr txBox="1">
+            <a:spLocks noGrp="1"/>
+          </p:cNvSpPr>
           <p:nvPr>
             <p:ph type="title"/>
           </p:nvPr>
@@ -7192,12 +7360,12 @@
           </a:prstGeom>
         </p:spPr>
         <p:txBody>
-          <a:bodyPr anchorCtr="0" anchor="t" bIns="91425" lIns="91425" spcFirstLastPara="1" rIns="91425" wrap="square" tIns="91425">
+          <a:bodyPr spcFirstLastPara="1" wrap="square" lIns="91425" tIns="91425" rIns="91425" bIns="91425" anchor="t" anchorCtr="0">
             <a:spAutoFit/>
           </a:bodyPr>
           <a:lstStyle/>
           <a:p>
-            <a:pPr indent="0" lvl="0" marL="0" rtl="0" algn="ctr">
+            <a:pPr marL="0" lvl="0" indent="0" algn="ctr" rtl="0">
               <a:spcBef>
                 <a:spcPts val="0"/>
               </a:spcBef>
@@ -7217,9 +7385,11 @@
       <p:sp>
         <p:nvSpPr>
           <p:cNvPr id="68" name="Google Shape;68;p15"/>
-          <p:cNvSpPr txBox="1"/>
+          <p:cNvSpPr txBox="1">
+            <a:spLocks noGrp="1"/>
+          </p:cNvSpPr>
           <p:nvPr>
-            <p:ph idx="1" type="body"/>
+            <p:ph type="body" idx="1"/>
           </p:nvPr>
         </p:nvSpPr>
         <p:spPr>
@@ -7232,12 +7402,12 @@
           </a:prstGeom>
         </p:spPr>
         <p:txBody>
-          <a:bodyPr anchorCtr="0" anchor="t" bIns="91425" lIns="91425" spcFirstLastPara="1" rIns="91425" wrap="square" tIns="91425">
+          <a:bodyPr spcFirstLastPara="1" wrap="square" lIns="91425" tIns="91425" rIns="91425" bIns="91425" anchor="t" anchorCtr="0">
             <a:spAutoFit/>
           </a:bodyPr>
           <a:lstStyle/>
           <a:p>
-            <a:pPr indent="0" lvl="0" marL="0" rtl="0" algn="l">
+            <a:pPr marL="0" lvl="0" indent="0" algn="l" rtl="0">
               <a:spcBef>
                 <a:spcPts val="0"/>
               </a:spcBef>
@@ -7261,7 +7431,7 @@
             </a:endParaRPr>
           </a:p>
           <a:p>
-            <a:pPr indent="0" lvl="0" marL="0" rtl="0" algn="l">
+            <a:pPr marL="0" lvl="0" indent="0" algn="l" rtl="0">
               <a:spcBef>
                 <a:spcPts val="1200"/>
               </a:spcBef>
@@ -7270,9 +7440,6 @@
               </a:spcAft>
               <a:buNone/>
             </a:pPr>
-            <a:r>
-              <a:t/>
-            </a:r>
             <a:endParaRPr sz="1100">
               <a:solidFill>
                 <a:schemeClr val="dk1"/>
@@ -7336,7 +7503,7 @@
             <a:noFill/>
           </a:ln>
           <a:effectLst>
-            <a:outerShdw blurRad="57150" rotWithShape="0" algn="bl" dir="1800000" dist="95250">
+            <a:outerShdw blurRad="57150" dist="95250" dir="1800000" algn="bl" rotWithShape="0">
               <a:srgbClr val="000000">
                 <a:alpha val="50000"/>
               </a:srgbClr>
@@ -7364,12 +7531,12 @@
           </a:ln>
         </p:spPr>
         <p:txBody>
-          <a:bodyPr anchorCtr="0" anchor="t" bIns="91425" lIns="91425" spcFirstLastPara="1" rIns="91425" wrap="square" tIns="91425">
+          <a:bodyPr spcFirstLastPara="1" wrap="square" lIns="91425" tIns="91425" rIns="91425" bIns="91425" anchor="t" anchorCtr="0">
             <a:spAutoFit/>
           </a:bodyPr>
           <a:lstStyle/>
           <a:p>
-            <a:pPr indent="0" lvl="0" marL="0" rtl="0" algn="l">
+            <a:pPr marL="0" lvl="0" indent="0" algn="l" rtl="0">
               <a:spcBef>
                 <a:spcPts val="0"/>
               </a:spcBef>
@@ -7378,9 +7545,6 @@
               </a:spcAft>
               <a:buNone/>
             </a:pPr>
-            <a:r>
-              <a:t/>
-            </a:r>
             <a:endParaRPr sz="1800">
               <a:solidFill>
                 <a:schemeClr val="dk2"/>
@@ -7398,11 +7562,11 @@
 </file>
 
 <file path=ppt/slides/slide4.xml><?xml version="1.0" encoding="utf-8"?>
-<p:sld xmlns:a="http://schemas.openxmlformats.org/drawingml/2006/main" xmlns:r="http://schemas.openxmlformats.org/officeDocument/2006/relationships" xmlns:mc="http://schemas.openxmlformats.org/markup-compatibility/2006" xmlns:mv="urn:schemas-microsoft-com:mac:vml" xmlns:p="http://schemas.openxmlformats.org/presentationml/2006/main" xmlns:c="http://schemas.openxmlformats.org/drawingml/2006/chart" xmlns:dgm="http://schemas.openxmlformats.org/drawingml/2006/diagram" xmlns:o="urn:schemas-microsoft-com:office:office" xmlns:v="urn:schemas-microsoft-com:vml" xmlns:pvml="urn:schemas-microsoft-com:office:powerpoint" xmlns:com="http://schemas.openxmlformats.org/drawingml/2006/compatibility" xmlns:p14="http://schemas.microsoft.com/office/powerpoint/2010/main" xmlns:p15="http://schemas.microsoft.com/office/powerpoint/2012/main" xmlns:ahyp="http://schemas.microsoft.com/office/drawing/2018/hyperlinkcolor">
+<p:sld xmlns:a="http://schemas.openxmlformats.org/drawingml/2006/main" xmlns:r="http://schemas.openxmlformats.org/officeDocument/2006/relationships" xmlns:p="http://schemas.openxmlformats.org/presentationml/2006/main">
   <p:cSld>
     <p:spTree>
       <p:nvGrpSpPr>
-        <p:cNvPr id="75" name="Shape 75"/>
+        <p:cNvPr id="1" name="Shape 75"/>
         <p:cNvGrpSpPr/>
         <p:nvPr/>
       </p:nvGrpSpPr>
@@ -7417,7 +7581,9 @@
       <p:sp>
         <p:nvSpPr>
           <p:cNvPr id="76" name="Google Shape;76;p16"/>
-          <p:cNvSpPr txBox="1"/>
+          <p:cNvSpPr txBox="1">
+            <a:spLocks noGrp="1"/>
+          </p:cNvSpPr>
           <p:nvPr>
             <p:ph type="title"/>
           </p:nvPr>
@@ -7432,12 +7598,12 @@
           </a:prstGeom>
         </p:spPr>
         <p:txBody>
-          <a:bodyPr anchorCtr="0" anchor="t" bIns="91425" lIns="91425" spcFirstLastPara="1" rIns="91425" wrap="square" tIns="91425">
+          <a:bodyPr spcFirstLastPara="1" wrap="square" lIns="91425" tIns="91425" rIns="91425" bIns="91425" anchor="t" anchorCtr="0">
             <a:spAutoFit/>
           </a:bodyPr>
           <a:lstStyle/>
           <a:p>
-            <a:pPr indent="0" lvl="0" marL="0" rtl="0" algn="ctr">
+            <a:pPr marL="0" lvl="0" indent="0" algn="ctr" rtl="0">
               <a:spcBef>
                 <a:spcPts val="0"/>
               </a:spcBef>
@@ -7457,9 +7623,11 @@
       <p:sp>
         <p:nvSpPr>
           <p:cNvPr id="77" name="Google Shape;77;p16"/>
-          <p:cNvSpPr txBox="1"/>
+          <p:cNvSpPr txBox="1">
+            <a:spLocks noGrp="1"/>
+          </p:cNvSpPr>
           <p:nvPr>
-            <p:ph idx="1" type="body"/>
+            <p:ph type="body" idx="1"/>
           </p:nvPr>
         </p:nvSpPr>
         <p:spPr>
@@ -7472,12 +7640,12 @@
           </a:prstGeom>
         </p:spPr>
         <p:txBody>
-          <a:bodyPr anchorCtr="0" anchor="t" bIns="91425" lIns="91425" spcFirstLastPara="1" rIns="91425" wrap="square" tIns="91425">
+          <a:bodyPr spcFirstLastPara="1" wrap="square" lIns="91425" tIns="91425" rIns="91425" bIns="91425" anchor="t" anchorCtr="0">
             <a:spAutoFit/>
           </a:bodyPr>
           <a:lstStyle/>
           <a:p>
-            <a:pPr indent="0" lvl="0" marL="0" rtl="0" algn="l">
+            <a:pPr marL="0" lvl="0" indent="0" algn="l" rtl="0">
               <a:spcBef>
                 <a:spcPts val="0"/>
               </a:spcBef>
@@ -7492,15 +7660,7 @@
                   <a:schemeClr val="dk1"/>
                 </a:solidFill>
               </a:rPr>
-              <a:t>T</a:t>
-            </a:r>
-            <a:r>
-              <a:rPr lang="en" sz="1200">
-                <a:solidFill>
-                  <a:schemeClr val="dk1"/>
-                </a:solidFill>
-              </a:rPr>
-              <a:t>he longer handle increases stroke volume and if you pump at an adequate rate (say 70 beats / min or pump cycles per min) with the longer handle you have improved the output as opposed using to the shorter handle. </a:t>
+              <a:t>The longer handle increases stroke volume and if you pump at an adequate rate (say 70 beats / min or pump cycles per min) with the longer handle you have improved the output as opposed using to the shorter handle. </a:t>
             </a:r>
             <a:endParaRPr sz="1200">
               <a:solidFill>
@@ -7509,7 +7669,7 @@
             </a:endParaRPr>
           </a:p>
           <a:p>
-            <a:pPr indent="0" lvl="0" marL="0" rtl="0" algn="l">
+            <a:pPr marL="0" lvl="0" indent="0" algn="l" rtl="0">
               <a:spcBef>
                 <a:spcPts val="1200"/>
               </a:spcBef>
@@ -7541,7 +7701,7 @@
           <p:nvPr/>
         </p:nvSpPr>
         <p:spPr>
-          <a:xfrm flipH="1" rot="10800000">
+          <a:xfrm rot="10800000" flipH="1">
             <a:off x="7747700" y="3212225"/>
             <a:ext cx="1345200" cy="585000"/>
           </a:xfrm>
@@ -7554,12 +7714,12 @@
           </a:ln>
         </p:spPr>
         <p:txBody>
-          <a:bodyPr anchorCtr="0" anchor="t" bIns="91425" lIns="91425" spcFirstLastPara="1" rIns="91425" wrap="square" tIns="91425">
+          <a:bodyPr spcFirstLastPara="1" wrap="square" lIns="91425" tIns="91425" rIns="91425" bIns="91425" anchor="t" anchorCtr="0">
             <a:spAutoFit/>
           </a:bodyPr>
           <a:lstStyle/>
           <a:p>
-            <a:pPr indent="0" lvl="0" marL="0" rtl="0" algn="l">
+            <a:pPr marL="0" lvl="0" indent="0" algn="l" rtl="0">
               <a:spcBef>
                 <a:spcPts val="0"/>
               </a:spcBef>
@@ -7573,9 +7733,6 @@
               <a:buFont typeface="Arial"/>
               <a:buNone/>
             </a:pPr>
-            <a:r>
-              <a:t/>
-            </a:r>
             <a:endParaRPr>
               <a:solidFill>
                 <a:schemeClr val="dk1"/>
@@ -7583,7 +7740,7 @@
             </a:endParaRPr>
           </a:p>
           <a:p>
-            <a:pPr indent="0" lvl="0" marL="0" rtl="0" algn="l">
+            <a:pPr marL="0" lvl="0" indent="0" algn="l" rtl="0">
               <a:spcBef>
                 <a:spcPts val="0"/>
               </a:spcBef>
@@ -7592,9 +7749,6 @@
               </a:spcAft>
               <a:buNone/>
             </a:pPr>
-            <a:r>
-              <a:t/>
-            </a:r>
             <a:endParaRPr sz="1200">
               <a:solidFill>
                 <a:schemeClr val="dk1"/>
@@ -7616,7 +7770,7 @@
           <a:blip r:embed="rId3">
             <a:alphaModFix/>
           </a:blip>
-          <a:srcRect b="6838" l="10704" r="10237" t="0"/>
+          <a:srcRect l="10704" r="10237" b="6838"/>
           <a:stretch/>
         </p:blipFill>
         <p:spPr>
@@ -7642,11 +7796,11 @@
 </file>
 
 <file path=ppt/slides/slide5.xml><?xml version="1.0" encoding="utf-8"?>
-<p:sld xmlns:a="http://schemas.openxmlformats.org/drawingml/2006/main" xmlns:r="http://schemas.openxmlformats.org/officeDocument/2006/relationships" xmlns:mc="http://schemas.openxmlformats.org/markup-compatibility/2006" xmlns:mv="urn:schemas-microsoft-com:mac:vml" xmlns:p="http://schemas.openxmlformats.org/presentationml/2006/main" xmlns:c="http://schemas.openxmlformats.org/drawingml/2006/chart" xmlns:dgm="http://schemas.openxmlformats.org/drawingml/2006/diagram" xmlns:o="urn:schemas-microsoft-com:office:office" xmlns:v="urn:schemas-microsoft-com:vml" xmlns:pvml="urn:schemas-microsoft-com:office:powerpoint" xmlns:com="http://schemas.openxmlformats.org/drawingml/2006/compatibility" xmlns:p14="http://schemas.microsoft.com/office/powerpoint/2010/main" xmlns:p15="http://schemas.microsoft.com/office/powerpoint/2012/main" xmlns:ahyp="http://schemas.microsoft.com/office/drawing/2018/hyperlinkcolor">
+<p:sld xmlns:a="http://schemas.openxmlformats.org/drawingml/2006/main" xmlns:r="http://schemas.openxmlformats.org/officeDocument/2006/relationships" xmlns:p="http://schemas.openxmlformats.org/presentationml/2006/main">
   <p:cSld>
     <p:spTree>
       <p:nvGrpSpPr>
-        <p:cNvPr id="83" name="Shape 83"/>
+        <p:cNvPr id="1" name="Shape 83"/>
         <p:cNvGrpSpPr/>
         <p:nvPr/>
       </p:nvGrpSpPr>
@@ -7661,7 +7815,9 @@
       <p:sp>
         <p:nvSpPr>
           <p:cNvPr id="84" name="Google Shape;84;p17"/>
-          <p:cNvSpPr txBox="1"/>
+          <p:cNvSpPr txBox="1">
+            <a:spLocks noGrp="1"/>
+          </p:cNvSpPr>
           <p:nvPr>
             <p:ph type="title"/>
           </p:nvPr>
@@ -7676,12 +7832,12 @@
           </a:prstGeom>
         </p:spPr>
         <p:txBody>
-          <a:bodyPr anchorCtr="0" anchor="t" bIns="91425" lIns="91425" spcFirstLastPara="1" rIns="91425" wrap="square" tIns="91425">
+          <a:bodyPr spcFirstLastPara="1" wrap="square" lIns="91425" tIns="91425" rIns="91425" bIns="91425" anchor="t" anchorCtr="0">
             <a:spAutoFit/>
           </a:bodyPr>
           <a:lstStyle/>
           <a:p>
-            <a:pPr indent="0" lvl="0" marL="0" rtl="0" algn="ctr">
+            <a:pPr marL="0" lvl="0" indent="0" algn="ctr" rtl="0">
               <a:spcBef>
                 <a:spcPts val="0"/>
               </a:spcBef>
@@ -7701,9 +7857,11 @@
       <p:sp>
         <p:nvSpPr>
           <p:cNvPr id="85" name="Google Shape;85;p17"/>
-          <p:cNvSpPr txBox="1"/>
+          <p:cNvSpPr txBox="1">
+            <a:spLocks noGrp="1"/>
+          </p:cNvSpPr>
           <p:nvPr>
-            <p:ph idx="1" type="body"/>
+            <p:ph type="body" idx="1"/>
           </p:nvPr>
         </p:nvSpPr>
         <p:spPr>
@@ -7716,12 +7874,12 @@
           </a:prstGeom>
         </p:spPr>
         <p:txBody>
-          <a:bodyPr anchorCtr="0" anchor="t" bIns="91425" lIns="91425" spcFirstLastPara="1" rIns="91425" wrap="square" tIns="91425">
+          <a:bodyPr spcFirstLastPara="1" wrap="square" lIns="91425" tIns="91425" rIns="91425" bIns="91425" anchor="t" anchorCtr="0">
             <a:spAutoFit/>
           </a:bodyPr>
           <a:lstStyle/>
           <a:p>
-            <a:pPr indent="0" lvl="0" marL="0" rtl="0" algn="l">
+            <a:pPr marL="0" lvl="0" indent="0" algn="l" rtl="0">
               <a:spcBef>
                 <a:spcPts val="0"/>
               </a:spcBef>
@@ -7738,7 +7896,7 @@
               </a:rPr>
               <a:t>As you were thinking about working the pump up and down, you thought this is a lot of work. It is a lot of work for the heart as well. So let us now think about “muscle”. The heart is a muscle (or a pump). The heart muscle can be weakened by a variety of problems including pump problems and electrical problems. Pump problems include things like angina, a lack of blood flow and oxygen which weakens the heart muscle. You would be increasingly tired if you could not take a break to get some food and a drink. Other pump problems in the real heart (and our pump) include things like leaky (regurgitant) or tight (stenotic) valves which can impact cardiac output or affect the unidirectional flow of blood. Electrical problems can include things like cardiac arrhythmias (like afib or others in the heart) or electrical problems with a pump. So, in the real heart, drugs like digoxin, or Entresto and other measures may be used to improve contractility (how effectively the heart pumps). These drugs or other maneuvers help to recruit muscle. In our game the recruitment of muscle was calling our big friend Tony and letting him work the pump.</a:t>
             </a:r>
-            <a:endParaRPr b="1" sz="1200">
+            <a:endParaRPr sz="1200" b="1">
               <a:solidFill>
                 <a:schemeClr val="dk1"/>
               </a:solidFill>
@@ -7755,11 +7913,11 @@
 </file>
 
 <file path=ppt/slides/slide6.xml><?xml version="1.0" encoding="utf-8"?>
-<p:sld xmlns:a="http://schemas.openxmlformats.org/drawingml/2006/main" xmlns:r="http://schemas.openxmlformats.org/officeDocument/2006/relationships" xmlns:mc="http://schemas.openxmlformats.org/markup-compatibility/2006" xmlns:mv="urn:schemas-microsoft-com:mac:vml" xmlns:p="http://schemas.openxmlformats.org/presentationml/2006/main" xmlns:c="http://schemas.openxmlformats.org/drawingml/2006/chart" xmlns:dgm="http://schemas.openxmlformats.org/drawingml/2006/diagram" xmlns:o="urn:schemas-microsoft-com:office:office" xmlns:v="urn:schemas-microsoft-com:vml" xmlns:pvml="urn:schemas-microsoft-com:office:powerpoint" xmlns:com="http://schemas.openxmlformats.org/drawingml/2006/compatibility" xmlns:p14="http://schemas.microsoft.com/office/powerpoint/2010/main" xmlns:p15="http://schemas.microsoft.com/office/powerpoint/2012/main" xmlns:ahyp="http://schemas.microsoft.com/office/drawing/2018/hyperlinkcolor">
+<p:sld xmlns:a="http://schemas.openxmlformats.org/drawingml/2006/main" xmlns:r="http://schemas.openxmlformats.org/officeDocument/2006/relationships" xmlns:p="http://schemas.openxmlformats.org/presentationml/2006/main">
   <p:cSld>
     <p:spTree>
       <p:nvGrpSpPr>
-        <p:cNvPr id="89" name="Shape 89"/>
+        <p:cNvPr id="1" name="Shape 89"/>
         <p:cNvGrpSpPr/>
         <p:nvPr/>
       </p:nvGrpSpPr>
@@ -7774,7 +7932,9 @@
       <p:sp>
         <p:nvSpPr>
           <p:cNvPr id="90" name="Google Shape;90;p18"/>
-          <p:cNvSpPr txBox="1"/>
+          <p:cNvSpPr txBox="1">
+            <a:spLocks noGrp="1"/>
+          </p:cNvSpPr>
           <p:nvPr>
             <p:ph type="title"/>
           </p:nvPr>
@@ -7792,12 +7952,12 @@
           </a:ln>
         </p:spPr>
         <p:txBody>
-          <a:bodyPr anchorCtr="0" anchor="t" bIns="91425" lIns="91425" spcFirstLastPara="1" rIns="91425" wrap="square" tIns="91425">
+          <a:bodyPr spcFirstLastPara="1" wrap="square" lIns="91425" tIns="91425" rIns="91425" bIns="91425" anchor="t" anchorCtr="0">
             <a:spAutoFit/>
           </a:bodyPr>
           <a:lstStyle/>
           <a:p>
-            <a:pPr indent="0" lvl="0" marL="0" rtl="0" algn="ctr">
+            <a:pPr marL="0" lvl="0" indent="0" algn="ctr" rtl="0">
               <a:spcBef>
                 <a:spcPts val="0"/>
               </a:spcBef>
@@ -7817,9 +7977,11 @@
       <p:sp>
         <p:nvSpPr>
           <p:cNvPr id="91" name="Google Shape;91;p18"/>
-          <p:cNvSpPr txBox="1"/>
+          <p:cNvSpPr txBox="1">
+            <a:spLocks noGrp="1"/>
+          </p:cNvSpPr>
           <p:nvPr>
-            <p:ph idx="1" type="body"/>
+            <p:ph type="body" idx="1"/>
           </p:nvPr>
         </p:nvSpPr>
         <p:spPr>
@@ -7832,12 +7994,12 @@
           </a:prstGeom>
         </p:spPr>
         <p:txBody>
-          <a:bodyPr anchorCtr="0" anchor="t" bIns="91425" lIns="91425" spcFirstLastPara="1" rIns="91425" wrap="square" tIns="91425">
+          <a:bodyPr spcFirstLastPara="1" wrap="square" lIns="91425" tIns="91425" rIns="91425" bIns="91425" anchor="t" anchorCtr="0">
             <a:spAutoFit/>
           </a:bodyPr>
           <a:lstStyle/>
           <a:p>
-            <a:pPr indent="0" lvl="0" marL="0" rtl="0" algn="l">
+            <a:pPr marL="0" lvl="0" indent="0" algn="l" rtl="0">
               <a:spcBef>
                 <a:spcPts val="0"/>
               </a:spcBef>
@@ -7889,7 +8051,7 @@
             <a:noFill/>
           </a:ln>
           <a:effectLst>
-            <a:outerShdw blurRad="57150" rotWithShape="0" algn="bl" dir="3180000" dist="95250">
+            <a:outerShdw blurRad="57150" dist="95250" dir="3180000" algn="bl" rotWithShape="0">
               <a:srgbClr val="000000">
                 <a:alpha val="30000"/>
               </a:srgbClr>
@@ -7906,11 +8068,11 @@
 </file>
 
 <file path=ppt/slides/slide7.xml><?xml version="1.0" encoding="utf-8"?>
-<p:sld xmlns:a="http://schemas.openxmlformats.org/drawingml/2006/main" xmlns:r="http://schemas.openxmlformats.org/officeDocument/2006/relationships" xmlns:mc="http://schemas.openxmlformats.org/markup-compatibility/2006" xmlns:mv="urn:schemas-microsoft-com:mac:vml" xmlns:p="http://schemas.openxmlformats.org/presentationml/2006/main" xmlns:c="http://schemas.openxmlformats.org/drawingml/2006/chart" xmlns:dgm="http://schemas.openxmlformats.org/drawingml/2006/diagram" xmlns:o="urn:schemas-microsoft-com:office:office" xmlns:v="urn:schemas-microsoft-com:vml" xmlns:pvml="urn:schemas-microsoft-com:office:powerpoint" xmlns:com="http://schemas.openxmlformats.org/drawingml/2006/compatibility" xmlns:p14="http://schemas.microsoft.com/office/powerpoint/2010/main" xmlns:p15="http://schemas.microsoft.com/office/powerpoint/2012/main" xmlns:ahyp="http://schemas.microsoft.com/office/drawing/2018/hyperlinkcolor">
+<p:sld xmlns:a="http://schemas.openxmlformats.org/drawingml/2006/main" xmlns:r="http://schemas.openxmlformats.org/officeDocument/2006/relationships" xmlns:p="http://schemas.openxmlformats.org/presentationml/2006/main">
   <p:cSld>
     <p:spTree>
       <p:nvGrpSpPr>
-        <p:cNvPr id="96" name="Shape 96"/>
+        <p:cNvPr id="1" name="Shape 96"/>
         <p:cNvGrpSpPr/>
         <p:nvPr/>
       </p:nvGrpSpPr>
@@ -7925,7 +8087,9 @@
       <p:sp>
         <p:nvSpPr>
           <p:cNvPr id="97" name="Google Shape;97;p19"/>
-          <p:cNvSpPr txBox="1"/>
+          <p:cNvSpPr txBox="1">
+            <a:spLocks noGrp="1"/>
+          </p:cNvSpPr>
           <p:nvPr>
             <p:ph type="title"/>
           </p:nvPr>
@@ -7940,12 +8104,12 @@
           </a:prstGeom>
         </p:spPr>
         <p:txBody>
-          <a:bodyPr anchorCtr="0" anchor="t" bIns="91425" lIns="91425" spcFirstLastPara="1" rIns="91425" wrap="square" tIns="91425">
+          <a:bodyPr spcFirstLastPara="1" wrap="square" lIns="91425" tIns="91425" rIns="91425" bIns="91425" anchor="t" anchorCtr="0">
             <a:spAutoFit/>
           </a:bodyPr>
           <a:lstStyle/>
           <a:p>
-            <a:pPr indent="0" lvl="0" marL="0" rtl="0" algn="ctr">
+            <a:pPr marL="0" lvl="0" indent="0" algn="ctr" rtl="0">
               <a:spcBef>
                 <a:spcPts val="0"/>
               </a:spcBef>
@@ -7965,27 +8129,29 @@
       <p:sp>
         <p:nvSpPr>
           <p:cNvPr id="98" name="Google Shape;98;p19"/>
-          <p:cNvSpPr txBox="1"/>
+          <p:cNvSpPr txBox="1">
+            <a:spLocks noGrp="1"/>
+          </p:cNvSpPr>
           <p:nvPr>
-            <p:ph idx="1" type="body"/>
+            <p:ph type="body" idx="1"/>
           </p:nvPr>
         </p:nvSpPr>
         <p:spPr>
           <a:xfrm>
             <a:off x="81075" y="1287100"/>
-            <a:ext cx="5577300" cy="3555600"/>
+            <a:ext cx="5608350" cy="3555600"/>
           </a:xfrm>
           <a:prstGeom prst="rect">
             <a:avLst/>
           </a:prstGeom>
         </p:spPr>
         <p:txBody>
-          <a:bodyPr anchorCtr="0" anchor="t" bIns="91425" lIns="91425" spcFirstLastPara="1" rIns="91425" wrap="square" tIns="91425">
+          <a:bodyPr spcFirstLastPara="1" wrap="square" lIns="91425" tIns="91425" rIns="91425" bIns="91425" anchor="t" anchorCtr="0">
             <a:spAutoFit/>
           </a:bodyPr>
           <a:lstStyle/>
           <a:p>
-            <a:pPr indent="0" lvl="0" marL="0" rtl="0" algn="l">
+            <a:pPr marL="0" lvl="0" indent="0" algn="l" rtl="0">
               <a:spcBef>
                 <a:spcPts val="0"/>
               </a:spcBef>
@@ -7995,38 +8161,14 @@
               <a:buNone/>
             </a:pPr>
             <a:r>
-              <a:rPr lang="en" sz="1200">
+              <a:rPr lang="en" sz="1200" dirty="0">
                 <a:solidFill>
                   <a:schemeClr val="dk1"/>
                 </a:solidFill>
               </a:rPr>
-              <a:t>So, the basement is full of water. We have talked about some of the things </a:t>
+              <a:t>So, the basement is full of water. We have talked about some of the things you can do to improve your ability to get the water out of the basement. And your logical thinking about pumping water out of the basement is being translated to similar things you can do to treat heart failure. So, now let’s look at our pump a bit more. You may have noticed some leaking around one of the valves in the pump and perhaps you are thinking about a larger diameter hose from the pump to the window. In the medical world, leaking (regurgitant) or narrowed (stenotic) heart valves can be a part of, or be the primary cause of heart failure. In addition, if you noticed an improvement in your ability to pump the water out of the basement with the larger diameter hose, this is similar to reducing “afterload” which is the resistance the heart must pump against. It is shown in the picture on the last slide. The table shows some of the drugs used to treat heart failure. Not all drugs are appropriate for all patients, so your cardiologist may not want to offer certain medications to you as they may be harmful to your heart or interact badly with other medications you may be taking for other medical problems.</a:t>
             </a:r>
-            <a:r>
-              <a:rPr lang="en" sz="1200">
-                <a:solidFill>
-                  <a:schemeClr val="dk1"/>
-                </a:solidFill>
-              </a:rPr>
-              <a:t>you</a:t>
-            </a:r>
-            <a:r>
-              <a:rPr lang="en" sz="1200">
-                <a:solidFill>
-                  <a:schemeClr val="dk1"/>
-                </a:solidFill>
-              </a:rPr>
-              <a:t> can do to improve your ability to get the water out of the basement. And your logical thinking about pumping water out of the basement is being translated to similar things you can do to treat heart failure. So, now let’s look at our pump a bit more. You may have noticed some leaking around one of the valves in the pump and perhaps you are </a:t>
-            </a:r>
-            <a:r>
-              <a:rPr lang="en" sz="1200">
-                <a:solidFill>
-                  <a:schemeClr val="dk1"/>
-                </a:solidFill>
-              </a:rPr>
-              <a:t>thinking about a larger diameter hose from the pump to the window. In the medical world, leaking (regurgitant) or narrowed (stenotic) heart valves can be a part of, or be the primary cause of heart failure. In addition, if you noticed an improvement in your ability to pump the water out of the basement with the larger diameter hose, this is similar to reducing “afterload” which is the resistance the heart must pump against. It is shown in the picture on the last slide. The table shows some of the drugs used to treat heart failure. Not all drugs are appropriate for all patients, so your cardiologist may not want to offer certain medications to you as they may be harmful to your heart or interact badly with other medications you may be taking for other medical problems.</a:t>
-            </a:r>
-            <a:endParaRPr sz="1200">
+            <a:endParaRPr sz="1200" dirty="0">
               <a:solidFill>
                 <a:schemeClr val="dk1"/>
               </a:solidFill>
@@ -8071,11 +8213,11 @@
 </file>
 
 <file path=ppt/slides/slide8.xml><?xml version="1.0" encoding="utf-8"?>
-<p:sld xmlns:a="http://schemas.openxmlformats.org/drawingml/2006/main" xmlns:r="http://schemas.openxmlformats.org/officeDocument/2006/relationships" xmlns:mc="http://schemas.openxmlformats.org/markup-compatibility/2006" xmlns:mv="urn:schemas-microsoft-com:mac:vml" xmlns:p="http://schemas.openxmlformats.org/presentationml/2006/main" xmlns:c="http://schemas.openxmlformats.org/drawingml/2006/chart" xmlns:dgm="http://schemas.openxmlformats.org/drawingml/2006/diagram" xmlns:o="urn:schemas-microsoft-com:office:office" xmlns:v="urn:schemas-microsoft-com:vml" xmlns:pvml="urn:schemas-microsoft-com:office:powerpoint" xmlns:com="http://schemas.openxmlformats.org/drawingml/2006/compatibility" xmlns:p14="http://schemas.microsoft.com/office/powerpoint/2010/main" xmlns:p15="http://schemas.microsoft.com/office/powerpoint/2012/main" xmlns:ahyp="http://schemas.microsoft.com/office/drawing/2018/hyperlinkcolor">
+<p:sld xmlns:a="http://schemas.openxmlformats.org/drawingml/2006/main" xmlns:r="http://schemas.openxmlformats.org/officeDocument/2006/relationships" xmlns:p="http://schemas.openxmlformats.org/presentationml/2006/main">
   <p:cSld>
     <p:spTree>
       <p:nvGrpSpPr>
-        <p:cNvPr id="103" name="Shape 103"/>
+        <p:cNvPr id="1" name="Shape 103"/>
         <p:cNvGrpSpPr/>
         <p:nvPr/>
       </p:nvGrpSpPr>
@@ -8090,7 +8232,9 @@
       <p:sp>
         <p:nvSpPr>
           <p:cNvPr id="104" name="Google Shape;104;p20"/>
-          <p:cNvSpPr txBox="1"/>
+          <p:cNvSpPr txBox="1">
+            <a:spLocks noGrp="1"/>
+          </p:cNvSpPr>
           <p:nvPr>
             <p:ph type="title"/>
           </p:nvPr>
@@ -8105,12 +8249,12 @@
           </a:prstGeom>
         </p:spPr>
         <p:txBody>
-          <a:bodyPr anchorCtr="0" anchor="t" bIns="91425" lIns="91425" spcFirstLastPara="1" rIns="91425" wrap="square" tIns="91425">
+          <a:bodyPr spcFirstLastPara="1" wrap="square" lIns="91425" tIns="91425" rIns="91425" bIns="91425" anchor="t" anchorCtr="0">
             <a:spAutoFit/>
           </a:bodyPr>
           <a:lstStyle/>
           <a:p>
-            <a:pPr indent="0" lvl="0" marL="0" rtl="0" algn="ctr">
+            <a:pPr marL="0" lvl="0" indent="0" algn="ctr" rtl="0">
               <a:spcBef>
                 <a:spcPts val="0"/>
               </a:spcBef>
@@ -8130,9 +8274,11 @@
       <p:sp>
         <p:nvSpPr>
           <p:cNvPr id="105" name="Google Shape;105;p20"/>
-          <p:cNvSpPr txBox="1"/>
+          <p:cNvSpPr txBox="1">
+            <a:spLocks noGrp="1"/>
+          </p:cNvSpPr>
           <p:nvPr>
-            <p:ph idx="1" type="body"/>
+            <p:ph type="body" idx="1"/>
           </p:nvPr>
         </p:nvSpPr>
         <p:spPr>
@@ -8145,12 +8291,12 @@
           </a:prstGeom>
         </p:spPr>
         <p:txBody>
-          <a:bodyPr anchorCtr="0" anchor="t" bIns="91425" lIns="91425" spcFirstLastPara="1" rIns="91425" wrap="square" tIns="91425">
+          <a:bodyPr spcFirstLastPara="1" wrap="square" lIns="91425" tIns="91425" rIns="91425" bIns="91425" anchor="t" anchorCtr="0">
             <a:spAutoFit/>
           </a:bodyPr>
           <a:lstStyle/>
           <a:p>
-            <a:pPr indent="0" lvl="0" marL="0" rtl="0" algn="l">
+            <a:pPr marL="0" lvl="0" indent="0" algn="l" rtl="0">
               <a:spcBef>
                 <a:spcPts val="0"/>
               </a:spcBef>
@@ -8165,23 +8311,7 @@
                   <a:schemeClr val="dk1"/>
                 </a:solidFill>
               </a:rPr>
-              <a:t>Now, as we are fighting to get the water out of the basement, we have made a number of adjustments (or repairs) to our bilge pump to improve the efficiency. The “longer handle” is to increase Stroke Volume which is the amount of blood pumped with each heartbeat (Cardiac Output = Stroke Volume x Heart Rate). We have recruited more muscle (our Friend Tony) and we have corrected valve problems in our pump (fixed the leak), and used a larger diameter hose (reduced the afterload). In the medical world, weakening of the heart muscle can be due to things like heart attacks (Myocardial Infarction, angina, primary muscle problems, or abnormal heart rhythms). The things you did to help your bilge pump are all similar to the things your cardiologist would be doing to improve your real heart’s function if you had heart failure. But it is not enough, </a:t>
-            </a:r>
-            <a:r>
-              <a:rPr lang="en" sz="1200">
-                <a:solidFill>
-                  <a:schemeClr val="dk1"/>
-                </a:solidFill>
-              </a:rPr>
-              <a:t>so you get on the phone and you now order up an electric pump. This will certainly help get the water out of the basement. Medically, in a similar </a:t>
-            </a:r>
-            <a:r>
-              <a:rPr lang="en" sz="1200">
-                <a:solidFill>
-                  <a:schemeClr val="dk1"/>
-                </a:solidFill>
-              </a:rPr>
-              <a:t>fashion, your cardiologist might recommend to you to consider a device called an LVAD (Left Ventricular Assist Device) which is literally an electric pump to help your heart’s function. Medically, this is for someone with severe heart failure.</a:t>
+              <a:t>Now, as we are fighting to get the water out of the basement, we have made a number of adjustments (or repairs) to our bilge pump to improve the efficiency. The “longer handle” is to increase Stroke Volume which is the amount of blood pumped with each heartbeat (Cardiac Output = Stroke Volume x Heart Rate). We have recruited more muscle (our Friend Tony) and we have corrected valve problems in our pump (fixed the leak), and used a larger diameter hose (reduced the afterload). In the medical world, weakening of the heart muscle can be due to things like heart attacks (Myocardial Infarction, angina, primary muscle problems, or abnormal heart rhythms). The things you did to help your bilge pump are all similar to the things your cardiologist would be doing to improve your real heart’s function if you had heart failure. But it is not enough, so you get on the phone and you now order up an electric pump. This will certainly help get the water out of the basement. Medically, in a similar fashion, your cardiologist might recommend to you to consider a device called an LVAD (Left Ventricular Assist Device) which is literally an electric pump to help your heart’s function. Medically, this is for someone with severe heart failure.</a:t>
             </a:r>
             <a:endParaRPr sz="1200">
               <a:solidFill>
@@ -8228,11 +8358,11 @@
 </file>
 
 <file path=ppt/slides/slide9.xml><?xml version="1.0" encoding="utf-8"?>
-<p:sld xmlns:a="http://schemas.openxmlformats.org/drawingml/2006/main" xmlns:r="http://schemas.openxmlformats.org/officeDocument/2006/relationships" xmlns:mc="http://schemas.openxmlformats.org/markup-compatibility/2006" xmlns:mv="urn:schemas-microsoft-com:mac:vml" xmlns:p="http://schemas.openxmlformats.org/presentationml/2006/main" xmlns:c="http://schemas.openxmlformats.org/drawingml/2006/chart" xmlns:dgm="http://schemas.openxmlformats.org/drawingml/2006/diagram" xmlns:o="urn:schemas-microsoft-com:office:office" xmlns:v="urn:schemas-microsoft-com:vml" xmlns:pvml="urn:schemas-microsoft-com:office:powerpoint" xmlns:com="http://schemas.openxmlformats.org/drawingml/2006/compatibility" xmlns:p14="http://schemas.microsoft.com/office/powerpoint/2010/main" xmlns:p15="http://schemas.microsoft.com/office/powerpoint/2012/main" xmlns:ahyp="http://schemas.microsoft.com/office/drawing/2018/hyperlinkcolor">
+<p:sld xmlns:a="http://schemas.openxmlformats.org/drawingml/2006/main" xmlns:r="http://schemas.openxmlformats.org/officeDocument/2006/relationships" xmlns:p="http://schemas.openxmlformats.org/presentationml/2006/main">
   <p:cSld>
     <p:spTree>
       <p:nvGrpSpPr>
-        <p:cNvPr id="110" name="Shape 110"/>
+        <p:cNvPr id="1" name="Shape 110"/>
         <p:cNvGrpSpPr/>
         <p:nvPr/>
       </p:nvGrpSpPr>
@@ -8247,7 +8377,9 @@
       <p:sp>
         <p:nvSpPr>
           <p:cNvPr id="111" name="Google Shape;111;p21"/>
-          <p:cNvSpPr txBox="1"/>
+          <p:cNvSpPr txBox="1">
+            <a:spLocks noGrp="1"/>
+          </p:cNvSpPr>
           <p:nvPr>
             <p:ph type="title"/>
           </p:nvPr>
@@ -8262,12 +8394,12 @@
           </a:prstGeom>
         </p:spPr>
         <p:txBody>
-          <a:bodyPr anchorCtr="0" anchor="t" bIns="91425" lIns="91425" spcFirstLastPara="1" rIns="91425" wrap="square" tIns="91425">
+          <a:bodyPr spcFirstLastPara="1" wrap="square" lIns="91425" tIns="91425" rIns="91425" bIns="91425" anchor="t" anchorCtr="0">
             <a:spAutoFit/>
           </a:bodyPr>
           <a:lstStyle/>
           <a:p>
-            <a:pPr indent="0" lvl="0" marL="0" rtl="0" algn="ctr">
+            <a:pPr marL="0" lvl="0" indent="0" algn="ctr" rtl="0">
               <a:spcBef>
                 <a:spcPts val="0"/>
               </a:spcBef>
@@ -8304,12 +8436,12 @@
           </a:ln>
         </p:spPr>
         <p:txBody>
-          <a:bodyPr anchorCtr="0" anchor="t" bIns="91425" lIns="91425" spcFirstLastPara="1" rIns="91425" wrap="square" tIns="91425">
+          <a:bodyPr spcFirstLastPara="1" wrap="square" lIns="91425" tIns="91425" rIns="91425" bIns="91425" anchor="t" anchorCtr="0">
             <a:spAutoFit/>
           </a:bodyPr>
           <a:lstStyle/>
           <a:p>
-            <a:pPr indent="0" lvl="0" marL="0" rtl="0" algn="l">
+            <a:pPr marL="0" lvl="0" indent="0" algn="l" rtl="0">
               <a:spcBef>
                 <a:spcPts val="0"/>
               </a:spcBef>
@@ -8320,15 +8452,7 @@
             </a:pPr>
             <a:r>
               <a:rPr lang="en"/>
-              <a:t>An LVAD (Left Ventricular Assist Device) is an electric pump. Just like the natural heart, we need to have it functioning </a:t>
-            </a:r>
-            <a:r>
-              <a:rPr lang="en"/>
-              <a:t>properly</a:t>
-            </a:r>
-            <a:r>
-              <a:rPr lang="en"/>
-              <a:t> and efficiently. It is sometimes referred to as a “bridge to transplantation”. In our game, the transplantation would be equivalent to buying a new house. You may have seen the “For Sale” sign on that house on the top of the hill in your trips to the Hardware Store. A Heart Transplant would be the final treatment for Heart Failure. This is a major procedure and is not often available as the are many people waiting for a heart in order to have the procedure performed. As you see in the graph, if a transplant is not available, the patient then will need hospice (end of life) care.</a:t>
+              <a:t>An LVAD (Left Ventricular Assist Device) is an electric pump. Just like the natural heart, we need to have it functioning properly and efficiently. It is sometimes referred to as a “bridge to transplantation”. In our game, the transplantation would be equivalent to buying a new house. You may have seen the “For Sale” sign on that house on the top of the hill in your trips to the Hardware Store. A Heart Transplant would be the final treatment for Heart Failure. This is a major procedure and is not often available as the are many people waiting for a heart in order to have the procedure performed. As you see in the graph, if a transplant is not available, the patient then will need hospice (end of life) care.</a:t>
             </a:r>
             <a:endParaRPr/>
           </a:p>
@@ -8371,7 +8495,288 @@
 </file>
 
 <file path=ppt/theme/theme1.xml><?xml version="1.0" encoding="utf-8"?>
-<a:theme xmlns:a="http://schemas.openxmlformats.org/drawingml/2006/main" xmlns:r="http://schemas.openxmlformats.org/officeDocument/2006/relationships">
+<a:theme xmlns:a="http://schemas.openxmlformats.org/drawingml/2006/main" name="Simple Light">
+  <a:themeElements>
+    <a:clrScheme name="Simple Light">
+      <a:dk1>
+        <a:srgbClr val="000000"/>
+      </a:dk1>
+      <a:lt1>
+        <a:srgbClr val="FFFFFF"/>
+      </a:lt1>
+      <a:dk2>
+        <a:srgbClr val="595959"/>
+      </a:dk2>
+      <a:lt2>
+        <a:srgbClr val="EEEEEE"/>
+      </a:lt2>
+      <a:accent1>
+        <a:srgbClr val="4285F4"/>
+      </a:accent1>
+      <a:accent2>
+        <a:srgbClr val="212121"/>
+      </a:accent2>
+      <a:accent3>
+        <a:srgbClr val="78909C"/>
+      </a:accent3>
+      <a:accent4>
+        <a:srgbClr val="FFAB40"/>
+      </a:accent4>
+      <a:accent5>
+        <a:srgbClr val="0097A7"/>
+      </a:accent5>
+      <a:accent6>
+        <a:srgbClr val="EEFF41"/>
+      </a:accent6>
+      <a:hlink>
+        <a:srgbClr val="0097A7"/>
+      </a:hlink>
+      <a:folHlink>
+        <a:srgbClr val="0097A7"/>
+      </a:folHlink>
+    </a:clrScheme>
+    <a:fontScheme name="Office">
+      <a:majorFont>
+        <a:latin typeface="Arial"/>
+        <a:ea typeface=""/>
+        <a:cs typeface=""/>
+        <a:font script="Jpan" typeface="ＭＳ Ｐゴシック"/>
+        <a:font script="Hang" typeface="맑은 고딕"/>
+        <a:font script="Hans" typeface="宋体"/>
+        <a:font script="Hant" typeface="新細明體"/>
+        <a:font script="Arab" typeface="Times New Roman"/>
+        <a:font script="Hebr" typeface="Times New Roman"/>
+        <a:font script="Thai" typeface="Angsana New"/>
+        <a:font script="Ethi" typeface="Nyala"/>
+        <a:font script="Beng" typeface="Vrinda"/>
+        <a:font script="Gujr" typeface="Shruti"/>
+        <a:font script="Khmr" typeface="MoolBoran"/>
+        <a:font script="Knda" typeface="Tunga"/>
+        <a:font script="Guru" typeface="Raavi"/>
+        <a:font script="Cans" typeface="Euphemia"/>
+        <a:font script="Cher" typeface="Plantagenet Cherokee"/>
+        <a:font script="Yiii" typeface="Microsoft Yi Baiti"/>
+        <a:font script="Tibt" typeface="Microsoft Himalaya"/>
+        <a:font script="Thaa" typeface="MV Boli"/>
+        <a:font script="Deva" typeface="Mangal"/>
+        <a:font script="Telu" typeface="Gautami"/>
+        <a:font script="Taml" typeface="Latha"/>
+        <a:font script="Syrc" typeface="Estrangelo Edessa"/>
+        <a:font script="Orya" typeface="Kalinga"/>
+        <a:font script="Mlym" typeface="Kartika"/>
+        <a:font script="Laoo" typeface="DokChampa"/>
+        <a:font script="Sinh" typeface="Iskoola Pota"/>
+        <a:font script="Mong" typeface="Mongolian Baiti"/>
+        <a:font script="Viet" typeface="Times New Roman"/>
+        <a:font script="Uigh" typeface="Microsoft Uighur"/>
+        <a:font script="Geor" typeface="Sylfaen"/>
+      </a:majorFont>
+      <a:minorFont>
+        <a:latin typeface="Arial"/>
+        <a:ea typeface=""/>
+        <a:cs typeface=""/>
+        <a:font script="Jpan" typeface="ＭＳ Ｐゴシック"/>
+        <a:font script="Hang" typeface="맑은 고딕"/>
+        <a:font script="Hans" typeface="宋体"/>
+        <a:font script="Hant" typeface="新細明體"/>
+        <a:font script="Arab" typeface="Arial"/>
+        <a:font script="Hebr" typeface="Arial"/>
+        <a:font script="Thai" typeface="Cordia New"/>
+        <a:font script="Ethi" typeface="Nyala"/>
+        <a:font script="Beng" typeface="Vrinda"/>
+        <a:font script="Gujr" typeface="Shruti"/>
+        <a:font script="Khmr" typeface="DaunPenh"/>
+        <a:font script="Knda" typeface="Tunga"/>
+        <a:font script="Guru" typeface="Raavi"/>
+        <a:font script="Cans" typeface="Euphemia"/>
+        <a:font script="Cher" typeface="Plantagenet Cherokee"/>
+        <a:font script="Yiii" typeface="Microsoft Yi Baiti"/>
+        <a:font script="Tibt" typeface="Microsoft Himalaya"/>
+        <a:font script="Thaa" typeface="MV Boli"/>
+        <a:font script="Deva" typeface="Mangal"/>
+        <a:font script="Telu" typeface="Gautami"/>
+        <a:font script="Taml" typeface="Latha"/>
+        <a:font script="Syrc" typeface="Estrangelo Edessa"/>
+        <a:font script="Orya" typeface="Kalinga"/>
+        <a:font script="Mlym" typeface="Kartika"/>
+        <a:font script="Laoo" typeface="DokChampa"/>
+        <a:font script="Sinh" typeface="Iskoola Pota"/>
+        <a:font script="Mong" typeface="Mongolian Baiti"/>
+        <a:font script="Viet" typeface="Arial"/>
+        <a:font script="Uigh" typeface="Microsoft Uighur"/>
+        <a:font script="Geor" typeface="Sylfaen"/>
+      </a:minorFont>
+    </a:fontScheme>
+    <a:fmtScheme name="Office">
+      <a:fillStyleLst>
+        <a:solidFill>
+          <a:schemeClr val="phClr"/>
+        </a:solidFill>
+        <a:gradFill rotWithShape="1">
+          <a:gsLst>
+            <a:gs pos="0">
+              <a:schemeClr val="phClr">
+                <a:tint val="50000"/>
+                <a:satMod val="300000"/>
+              </a:schemeClr>
+            </a:gs>
+            <a:gs pos="35000">
+              <a:schemeClr val="phClr">
+                <a:tint val="37000"/>
+                <a:satMod val="300000"/>
+              </a:schemeClr>
+            </a:gs>
+            <a:gs pos="100000">
+              <a:schemeClr val="phClr">
+                <a:tint val="15000"/>
+                <a:satMod val="350000"/>
+              </a:schemeClr>
+            </a:gs>
+          </a:gsLst>
+          <a:lin ang="16200000" scaled="1"/>
+        </a:gradFill>
+        <a:gradFill rotWithShape="1">
+          <a:gsLst>
+            <a:gs pos="0">
+              <a:schemeClr val="phClr">
+                <a:tint val="100000"/>
+                <a:shade val="100000"/>
+                <a:satMod val="130000"/>
+              </a:schemeClr>
+            </a:gs>
+            <a:gs pos="100000">
+              <a:schemeClr val="phClr">
+                <a:tint val="50000"/>
+                <a:shade val="100000"/>
+                <a:satMod val="350000"/>
+              </a:schemeClr>
+            </a:gs>
+          </a:gsLst>
+          <a:lin ang="16200000" scaled="0"/>
+        </a:gradFill>
+      </a:fillStyleLst>
+      <a:lnStyleLst>
+        <a:ln w="9525" cap="flat" cmpd="sng" algn="ctr">
+          <a:solidFill>
+            <a:schemeClr val="phClr">
+              <a:shade val="95000"/>
+              <a:satMod val="105000"/>
+            </a:schemeClr>
+          </a:solidFill>
+          <a:prstDash val="solid"/>
+        </a:ln>
+        <a:ln w="25400" cap="flat" cmpd="sng" algn="ctr">
+          <a:solidFill>
+            <a:schemeClr val="phClr"/>
+          </a:solidFill>
+          <a:prstDash val="solid"/>
+        </a:ln>
+        <a:ln w="38100" cap="flat" cmpd="sng" algn="ctr">
+          <a:solidFill>
+            <a:schemeClr val="phClr"/>
+          </a:solidFill>
+          <a:prstDash val="solid"/>
+        </a:ln>
+      </a:lnStyleLst>
+      <a:effectStyleLst>
+        <a:effectStyle>
+          <a:effectLst>
+            <a:outerShdw blurRad="40000" dist="20000" dir="5400000" rotWithShape="0">
+              <a:srgbClr val="000000">
+                <a:alpha val="38000"/>
+              </a:srgbClr>
+            </a:outerShdw>
+          </a:effectLst>
+        </a:effectStyle>
+        <a:effectStyle>
+          <a:effectLst>
+            <a:outerShdw blurRad="40000" dist="23000" dir="5400000" rotWithShape="0">
+              <a:srgbClr val="000000">
+                <a:alpha val="35000"/>
+              </a:srgbClr>
+            </a:outerShdw>
+          </a:effectLst>
+        </a:effectStyle>
+        <a:effectStyle>
+          <a:effectLst>
+            <a:outerShdw blurRad="40000" dist="23000" dir="5400000" rotWithShape="0">
+              <a:srgbClr val="000000">
+                <a:alpha val="35000"/>
+              </a:srgbClr>
+            </a:outerShdw>
+          </a:effectLst>
+          <a:scene3d>
+            <a:camera prst="orthographicFront">
+              <a:rot lat="0" lon="0" rev="0"/>
+            </a:camera>
+            <a:lightRig rig="threePt" dir="t">
+              <a:rot lat="0" lon="0" rev="1200000"/>
+            </a:lightRig>
+          </a:scene3d>
+          <a:sp3d>
+            <a:bevelT w="63500" h="25400"/>
+          </a:sp3d>
+        </a:effectStyle>
+      </a:effectStyleLst>
+      <a:bgFillStyleLst>
+        <a:solidFill>
+          <a:schemeClr val="phClr"/>
+        </a:solidFill>
+        <a:gradFill rotWithShape="1">
+          <a:gsLst>
+            <a:gs pos="0">
+              <a:schemeClr val="phClr">
+                <a:tint val="40000"/>
+                <a:satMod val="350000"/>
+              </a:schemeClr>
+            </a:gs>
+            <a:gs pos="40000">
+              <a:schemeClr val="phClr">
+                <a:tint val="45000"/>
+                <a:shade val="99000"/>
+                <a:satMod val="350000"/>
+              </a:schemeClr>
+            </a:gs>
+            <a:gs pos="100000">
+              <a:schemeClr val="phClr">
+                <a:shade val="20000"/>
+                <a:satMod val="255000"/>
+              </a:schemeClr>
+            </a:gs>
+          </a:gsLst>
+          <a:path path="circle">
+            <a:fillToRect l="50000" t="-80000" r="50000" b="180000"/>
+          </a:path>
+        </a:gradFill>
+        <a:gradFill rotWithShape="1">
+          <a:gsLst>
+            <a:gs pos="0">
+              <a:schemeClr val="phClr">
+                <a:tint val="80000"/>
+                <a:satMod val="300000"/>
+              </a:schemeClr>
+            </a:gs>
+            <a:gs pos="100000">
+              <a:schemeClr val="phClr">
+                <a:shade val="30000"/>
+                <a:satMod val="200000"/>
+              </a:schemeClr>
+            </a:gs>
+          </a:gsLst>
+          <a:path path="circle">
+            <a:fillToRect l="50000" t="50000" r="50000" b="50000"/>
+          </a:path>
+        </a:gradFill>
+      </a:bgFillStyleLst>
+    </a:fmtScheme>
+  </a:themeElements>
+  <a:objectDefaults/>
+  <a:extraClrSchemeLst/>
+</a:theme>
+</file>
+
+<file path=ppt/theme/theme2.xml><?xml version="1.0" encoding="utf-8"?>
+<a:theme xmlns:a="http://schemas.openxmlformats.org/drawingml/2006/main">
   <a:themeElements>
     <a:clrScheme name="Default">
       <a:dk1>
@@ -8646,284 +9051,7 @@
       </a:bgFillStyleLst>
     </a:fmtScheme>
   </a:themeElements>
-</a:theme>
-</file>
-
-<file path=ppt/theme/theme2.xml><?xml version="1.0" encoding="utf-8"?>
-<a:theme xmlns:a="http://schemas.openxmlformats.org/drawingml/2006/main" xmlns:r="http://schemas.openxmlformats.org/officeDocument/2006/relationships" name="Simple Light">
-  <a:themeElements>
-    <a:clrScheme name="Simple Light">
-      <a:dk1>
-        <a:srgbClr val="000000"/>
-      </a:dk1>
-      <a:lt1>
-        <a:srgbClr val="FFFFFF"/>
-      </a:lt1>
-      <a:dk2>
-        <a:srgbClr val="595959"/>
-      </a:dk2>
-      <a:lt2>
-        <a:srgbClr val="EEEEEE"/>
-      </a:lt2>
-      <a:accent1>
-        <a:srgbClr val="4285F4"/>
-      </a:accent1>
-      <a:accent2>
-        <a:srgbClr val="212121"/>
-      </a:accent2>
-      <a:accent3>
-        <a:srgbClr val="78909C"/>
-      </a:accent3>
-      <a:accent4>
-        <a:srgbClr val="FFAB40"/>
-      </a:accent4>
-      <a:accent5>
-        <a:srgbClr val="0097A7"/>
-      </a:accent5>
-      <a:accent6>
-        <a:srgbClr val="EEFF41"/>
-      </a:accent6>
-      <a:hlink>
-        <a:srgbClr val="0097A7"/>
-      </a:hlink>
-      <a:folHlink>
-        <a:srgbClr val="0097A7"/>
-      </a:folHlink>
-    </a:clrScheme>
-    <a:fontScheme name="Office">
-      <a:majorFont>
-        <a:latin typeface="Arial"/>
-        <a:ea typeface=""/>
-        <a:cs typeface=""/>
-        <a:font script="Jpan" typeface="ＭＳ Ｐゴシック"/>
-        <a:font script="Hang" typeface="맑은 고딕"/>
-        <a:font script="Hans" typeface="宋体"/>
-        <a:font script="Hant" typeface="新細明體"/>
-        <a:font script="Arab" typeface="Times New Roman"/>
-        <a:font script="Hebr" typeface="Times New Roman"/>
-        <a:font script="Thai" typeface="Angsana New"/>
-        <a:font script="Ethi" typeface="Nyala"/>
-        <a:font script="Beng" typeface="Vrinda"/>
-        <a:font script="Gujr" typeface="Shruti"/>
-        <a:font script="Khmr" typeface="MoolBoran"/>
-        <a:font script="Knda" typeface="Tunga"/>
-        <a:font script="Guru" typeface="Raavi"/>
-        <a:font script="Cans" typeface="Euphemia"/>
-        <a:font script="Cher" typeface="Plantagenet Cherokee"/>
-        <a:font script="Yiii" typeface="Microsoft Yi Baiti"/>
-        <a:font script="Tibt" typeface="Microsoft Himalaya"/>
-        <a:font script="Thaa" typeface="MV Boli"/>
-        <a:font script="Deva" typeface="Mangal"/>
-        <a:font script="Telu" typeface="Gautami"/>
-        <a:font script="Taml" typeface="Latha"/>
-        <a:font script="Syrc" typeface="Estrangelo Edessa"/>
-        <a:font script="Orya" typeface="Kalinga"/>
-        <a:font script="Mlym" typeface="Kartika"/>
-        <a:font script="Laoo" typeface="DokChampa"/>
-        <a:font script="Sinh" typeface="Iskoola Pota"/>
-        <a:font script="Mong" typeface="Mongolian Baiti"/>
-        <a:font script="Viet" typeface="Times New Roman"/>
-        <a:font script="Uigh" typeface="Microsoft Uighur"/>
-        <a:font script="Geor" typeface="Sylfaen"/>
-      </a:majorFont>
-      <a:minorFont>
-        <a:latin typeface="Arial"/>
-        <a:ea typeface=""/>
-        <a:cs typeface=""/>
-        <a:font script="Jpan" typeface="ＭＳ Ｐゴシック"/>
-        <a:font script="Hang" typeface="맑은 고딕"/>
-        <a:font script="Hans" typeface="宋体"/>
-        <a:font script="Hant" typeface="新細明體"/>
-        <a:font script="Arab" typeface="Arial"/>
-        <a:font script="Hebr" typeface="Arial"/>
-        <a:font script="Thai" typeface="Cordia New"/>
-        <a:font script="Ethi" typeface="Nyala"/>
-        <a:font script="Beng" typeface="Vrinda"/>
-        <a:font script="Gujr" typeface="Shruti"/>
-        <a:font script="Khmr" typeface="DaunPenh"/>
-        <a:font script="Knda" typeface="Tunga"/>
-        <a:font script="Guru" typeface="Raavi"/>
-        <a:font script="Cans" typeface="Euphemia"/>
-        <a:font script="Cher" typeface="Plantagenet Cherokee"/>
-        <a:font script="Yiii" typeface="Microsoft Yi Baiti"/>
-        <a:font script="Tibt" typeface="Microsoft Himalaya"/>
-        <a:font script="Thaa" typeface="MV Boli"/>
-        <a:font script="Deva" typeface="Mangal"/>
-        <a:font script="Telu" typeface="Gautami"/>
-        <a:font script="Taml" typeface="Latha"/>
-        <a:font script="Syrc" typeface="Estrangelo Edessa"/>
-        <a:font script="Orya" typeface="Kalinga"/>
-        <a:font script="Mlym" typeface="Kartika"/>
-        <a:font script="Laoo" typeface="DokChampa"/>
-        <a:font script="Sinh" typeface="Iskoola Pota"/>
-        <a:font script="Mong" typeface="Mongolian Baiti"/>
-        <a:font script="Viet" typeface="Arial"/>
-        <a:font script="Uigh" typeface="Microsoft Uighur"/>
-        <a:font script="Geor" typeface="Sylfaen"/>
-      </a:minorFont>
-    </a:fontScheme>
-    <a:fmtScheme name="Office">
-      <a:fillStyleLst>
-        <a:solidFill>
-          <a:schemeClr val="phClr"/>
-        </a:solidFill>
-        <a:gradFill rotWithShape="1">
-          <a:gsLst>
-            <a:gs pos="0">
-              <a:schemeClr val="phClr">
-                <a:tint val="50000"/>
-                <a:satMod val="300000"/>
-              </a:schemeClr>
-            </a:gs>
-            <a:gs pos="35000">
-              <a:schemeClr val="phClr">
-                <a:tint val="37000"/>
-                <a:satMod val="300000"/>
-              </a:schemeClr>
-            </a:gs>
-            <a:gs pos="100000">
-              <a:schemeClr val="phClr">
-                <a:tint val="15000"/>
-                <a:satMod val="350000"/>
-              </a:schemeClr>
-            </a:gs>
-          </a:gsLst>
-          <a:lin ang="16200000" scaled="1"/>
-        </a:gradFill>
-        <a:gradFill rotWithShape="1">
-          <a:gsLst>
-            <a:gs pos="0">
-              <a:schemeClr val="phClr">
-                <a:tint val="100000"/>
-                <a:shade val="100000"/>
-                <a:satMod val="130000"/>
-              </a:schemeClr>
-            </a:gs>
-            <a:gs pos="100000">
-              <a:schemeClr val="phClr">
-                <a:tint val="50000"/>
-                <a:shade val="100000"/>
-                <a:satMod val="350000"/>
-              </a:schemeClr>
-            </a:gs>
-          </a:gsLst>
-          <a:lin ang="16200000" scaled="0"/>
-        </a:gradFill>
-      </a:fillStyleLst>
-      <a:lnStyleLst>
-        <a:ln w="9525" cap="flat" cmpd="sng" algn="ctr">
-          <a:solidFill>
-            <a:schemeClr val="phClr">
-              <a:shade val="95000"/>
-              <a:satMod val="105000"/>
-            </a:schemeClr>
-          </a:solidFill>
-          <a:prstDash val="solid"/>
-        </a:ln>
-        <a:ln w="25400" cap="flat" cmpd="sng" algn="ctr">
-          <a:solidFill>
-            <a:schemeClr val="phClr"/>
-          </a:solidFill>
-          <a:prstDash val="solid"/>
-        </a:ln>
-        <a:ln w="38100" cap="flat" cmpd="sng" algn="ctr">
-          <a:solidFill>
-            <a:schemeClr val="phClr"/>
-          </a:solidFill>
-          <a:prstDash val="solid"/>
-        </a:ln>
-      </a:lnStyleLst>
-      <a:effectStyleLst>
-        <a:effectStyle>
-          <a:effectLst>
-            <a:outerShdw blurRad="40000" dist="20000" dir="5400000" rotWithShape="0">
-              <a:srgbClr val="000000">
-                <a:alpha val="38000"/>
-              </a:srgbClr>
-            </a:outerShdw>
-          </a:effectLst>
-        </a:effectStyle>
-        <a:effectStyle>
-          <a:effectLst>
-            <a:outerShdw blurRad="40000" dist="23000" dir="5400000" rotWithShape="0">
-              <a:srgbClr val="000000">
-                <a:alpha val="35000"/>
-              </a:srgbClr>
-            </a:outerShdw>
-          </a:effectLst>
-        </a:effectStyle>
-        <a:effectStyle>
-          <a:effectLst>
-            <a:outerShdw blurRad="40000" dist="23000" dir="5400000" rotWithShape="0">
-              <a:srgbClr val="000000">
-                <a:alpha val="35000"/>
-              </a:srgbClr>
-            </a:outerShdw>
-          </a:effectLst>
-          <a:scene3d>
-            <a:camera prst="orthographicFront">
-              <a:rot lat="0" lon="0" rev="0"/>
-            </a:camera>
-            <a:lightRig rig="threePt" dir="t">
-              <a:rot lat="0" lon="0" rev="1200000"/>
-            </a:lightRig>
-          </a:scene3d>
-          <a:sp3d>
-            <a:bevelT w="63500" h="25400"/>
-          </a:sp3d>
-        </a:effectStyle>
-      </a:effectStyleLst>
-      <a:bgFillStyleLst>
-        <a:solidFill>
-          <a:schemeClr val="phClr"/>
-        </a:solidFill>
-        <a:gradFill rotWithShape="1">
-          <a:gsLst>
-            <a:gs pos="0">
-              <a:schemeClr val="phClr">
-                <a:tint val="40000"/>
-                <a:satMod val="350000"/>
-              </a:schemeClr>
-            </a:gs>
-            <a:gs pos="40000">
-              <a:schemeClr val="phClr">
-                <a:tint val="45000"/>
-                <a:shade val="99000"/>
-                <a:satMod val="350000"/>
-              </a:schemeClr>
-            </a:gs>
-            <a:gs pos="100000">
-              <a:schemeClr val="phClr">
-                <a:shade val="20000"/>
-                <a:satMod val="255000"/>
-              </a:schemeClr>
-            </a:gs>
-          </a:gsLst>
-          <a:path path="circle">
-            <a:fillToRect l="50000" t="-80000" r="50000" b="180000"/>
-          </a:path>
-        </a:gradFill>
-        <a:gradFill rotWithShape="1">
-          <a:gsLst>
-            <a:gs pos="0">
-              <a:schemeClr val="phClr">
-                <a:tint val="80000"/>
-                <a:satMod val="300000"/>
-              </a:schemeClr>
-            </a:gs>
-            <a:gs pos="100000">
-              <a:schemeClr val="phClr">
-                <a:shade val="30000"/>
-                <a:satMod val="200000"/>
-              </a:schemeClr>
-            </a:gs>
-          </a:gsLst>
-          <a:path path="circle">
-            <a:fillToRect l="50000" t="50000" r="50000" b="50000"/>
-          </a:path>
-        </a:gradFill>
-      </a:bgFillStyleLst>
-    </a:fmtScheme>
-  </a:themeElements>
+  <a:objectDefaults/>
+  <a:extraClrSchemeLst/>
 </a:theme>
 </file>